--- a/Lecture/Introduction/Intro_Lecture.pptx
+++ b/Lecture/Introduction/Intro_Lecture.pptx
@@ -285,7 +285,7 @@
               <a:pPr>
                 <a:defRPr/>
               </a:pPr>
-              <a:t>1/10/2019</a:t>
+              <a:t>6/22/2020</a:t>
             </a:fld>
             <a:endParaRPr lang="en-US" dirty="0"/>
           </a:p>
@@ -497,7 +497,7 @@
               <a:pPr>
                 <a:defRPr/>
               </a:pPr>
-              <a:t>1/10/2019</a:t>
+              <a:t>6/22/2020</a:t>
             </a:fld>
             <a:endParaRPr lang="en-US" dirty="0"/>
           </a:p>
@@ -1016,7 +1016,7 @@
               <a:pPr>
                 <a:defRPr/>
               </a:pPr>
-              <a:t>1/10/2019</a:t>
+              <a:t>6/22/2020</a:t>
             </a:fld>
             <a:endParaRPr lang="en-US" dirty="0"/>
           </a:p>
@@ -1206,7 +1206,7 @@
               <a:pPr>
                 <a:defRPr/>
               </a:pPr>
-              <a:t>1/10/2019</a:t>
+              <a:t>6/22/2020</a:t>
             </a:fld>
             <a:endParaRPr lang="en-US" dirty="0"/>
           </a:p>
@@ -1406,7 +1406,7 @@
               <a:pPr>
                 <a:defRPr/>
               </a:pPr>
-              <a:t>1/10/2019</a:t>
+              <a:t>6/22/2020</a:t>
             </a:fld>
             <a:endParaRPr lang="en-US" dirty="0"/>
           </a:p>
@@ -1674,7 +1674,7 @@
               <a:pPr>
                 <a:defRPr/>
               </a:pPr>
-              <a:t>1/10/2019</a:t>
+              <a:t>6/22/2020</a:t>
             </a:fld>
             <a:endParaRPr lang="en-US" dirty="0">
               <a:solidFill>
@@ -1888,7 +1888,7 @@
               <a:pPr>
                 <a:defRPr/>
               </a:pPr>
-              <a:t>1/10/2019</a:t>
+              <a:t>6/22/2020</a:t>
             </a:fld>
             <a:endParaRPr lang="en-US" dirty="0">
               <a:solidFill>
@@ -2179,7 +2179,7 @@
               <a:pPr>
                 <a:defRPr/>
               </a:pPr>
-              <a:t>1/10/2019</a:t>
+              <a:t>6/22/2020</a:t>
             </a:fld>
             <a:endParaRPr lang="en-US" dirty="0">
               <a:solidFill>
@@ -2510,7 +2510,7 @@
               <a:pPr>
                 <a:defRPr/>
               </a:pPr>
-              <a:t>1/10/2019</a:t>
+              <a:t>6/22/2020</a:t>
             </a:fld>
             <a:endParaRPr lang="en-US" dirty="0">
               <a:solidFill>
@@ -2975,7 +2975,7 @@
               <a:pPr>
                 <a:defRPr/>
               </a:pPr>
-              <a:t>1/10/2019</a:t>
+              <a:t>6/22/2020</a:t>
             </a:fld>
             <a:endParaRPr lang="en-US" dirty="0">
               <a:solidFill>
@@ -3138,7 +3138,7 @@
               <a:pPr>
                 <a:defRPr/>
               </a:pPr>
-              <a:t>1/10/2019</a:t>
+              <a:t>6/22/2020</a:t>
             </a:fld>
             <a:endParaRPr lang="en-US" dirty="0">
               <a:solidFill>
@@ -3279,7 +3279,7 @@
               <a:pPr>
                 <a:defRPr/>
               </a:pPr>
-              <a:t>1/10/2019</a:t>
+              <a:t>6/22/2020</a:t>
             </a:fld>
             <a:endParaRPr lang="en-US" dirty="0">
               <a:solidFill>
@@ -3600,7 +3600,7 @@
               <a:pPr>
                 <a:defRPr/>
               </a:pPr>
-              <a:t>1/10/2019</a:t>
+              <a:t>6/22/2020</a:t>
             </a:fld>
             <a:endParaRPr lang="en-US" dirty="0">
               <a:solidFill>
@@ -3808,7 +3808,7 @@
               <a:pPr>
                 <a:defRPr/>
               </a:pPr>
-              <a:t>1/10/2019</a:t>
+              <a:t>6/22/2020</a:t>
             </a:fld>
             <a:endParaRPr lang="en-US" dirty="0"/>
           </a:p>
@@ -4091,7 +4091,7 @@
               <a:pPr>
                 <a:defRPr/>
               </a:pPr>
-              <a:t>1/10/2019</a:t>
+              <a:t>6/22/2020</a:t>
             </a:fld>
             <a:endParaRPr lang="en-US" dirty="0">
               <a:solidFill>
@@ -4305,7 +4305,7 @@
               <a:pPr>
                 <a:defRPr/>
               </a:pPr>
-              <a:t>1/10/2019</a:t>
+              <a:t>6/22/2020</a:t>
             </a:fld>
             <a:endParaRPr lang="en-US" dirty="0">
               <a:solidFill>
@@ -4529,7 +4529,7 @@
               <a:pPr>
                 <a:defRPr/>
               </a:pPr>
-              <a:t>1/10/2019</a:t>
+              <a:t>6/22/2020</a:t>
             </a:fld>
             <a:endParaRPr lang="en-US" dirty="0">
               <a:solidFill>
@@ -4739,7 +4739,7 @@
               <a:pPr>
                 <a:defRPr/>
               </a:pPr>
-              <a:t>1/10/2019</a:t>
+              <a:t>6/22/2020</a:t>
             </a:fld>
             <a:endParaRPr lang="en-US" dirty="0">
               <a:solidFill>
@@ -5016,7 +5016,7 @@
               <a:pPr>
                 <a:defRPr/>
               </a:pPr>
-              <a:t>1/10/2019</a:t>
+              <a:t>6/22/2020</a:t>
             </a:fld>
             <a:endParaRPr lang="en-US" dirty="0"/>
           </a:p>
@@ -5323,7 +5323,7 @@
               <a:pPr>
                 <a:defRPr/>
               </a:pPr>
-              <a:t>1/10/2019</a:t>
+              <a:t>6/22/2020</a:t>
             </a:fld>
             <a:endParaRPr lang="en-US" dirty="0"/>
           </a:p>
@@ -5764,7 +5764,7 @@
               <a:pPr>
                 <a:defRPr/>
               </a:pPr>
-              <a:t>1/10/2019</a:t>
+              <a:t>6/22/2020</a:t>
             </a:fld>
             <a:endParaRPr lang="en-US" dirty="0"/>
           </a:p>
@@ -5903,7 +5903,7 @@
               <a:pPr>
                 <a:defRPr/>
               </a:pPr>
-              <a:t>1/10/2019</a:t>
+              <a:t>6/22/2020</a:t>
             </a:fld>
             <a:endParaRPr lang="en-US" dirty="0"/>
           </a:p>
@@ -6020,7 +6020,7 @@
               <a:pPr>
                 <a:defRPr/>
               </a:pPr>
-              <a:t>1/10/2019</a:t>
+              <a:t>6/22/2020</a:t>
             </a:fld>
             <a:endParaRPr lang="en-US" dirty="0"/>
           </a:p>
@@ -6317,7 +6317,7 @@
               <a:pPr>
                 <a:defRPr/>
               </a:pPr>
-              <a:t>1/10/2019</a:t>
+              <a:t>6/22/2020</a:t>
             </a:fld>
             <a:endParaRPr lang="en-US" dirty="0"/>
           </a:p>
@@ -6594,7 +6594,7 @@
               <a:pPr>
                 <a:defRPr/>
               </a:pPr>
-              <a:t>1/10/2019</a:t>
+              <a:t>6/22/2020</a:t>
             </a:fld>
             <a:endParaRPr lang="en-US" dirty="0"/>
           </a:p>
@@ -6851,7 +6851,7 @@
               <a:pPr>
                 <a:defRPr/>
               </a:pPr>
-              <a:t>1/10/2019</a:t>
+              <a:t>6/22/2020</a:t>
             </a:fld>
             <a:endParaRPr lang="en-US" dirty="0"/>
           </a:p>
@@ -7561,7 +7561,7 @@
               <a:pPr>
                 <a:defRPr/>
               </a:pPr>
-              <a:t>1/10/2019</a:t>
+              <a:t>6/22/2020</a:t>
             </a:fld>
             <a:endParaRPr lang="en-US" dirty="0">
               <a:solidFill>
@@ -10025,36 +10025,9 @@
                 </a:solidFill>
                 <a:ea typeface="+mn-ea"/>
                 <a:cs typeface="+mn-cs"/>
+                <a:hlinkClick r:id="rId3"/>
               </a:rPr>
-              <a:t>I Don’t Know</a:t>
-            </a:r>
-          </a:p>
-          <a:p>
-            <a:pPr marL="114300" indent="0" algn="ctr" defTabSz="914400" eaLnBrk="1" hangingPunct="1">
-              <a:lnSpc>
-                <a:spcPct val="90000"/>
-              </a:lnSpc>
-              <a:buNone/>
-            </a:pPr>
-            <a:r>
-              <a:rPr lang="en-US" sz="6000" b="1" dirty="0">
-                <a:solidFill>
-                  <a:srgbClr val="404040"/>
-                </a:solidFill>
-                <a:ea typeface="+mn-ea"/>
-                <a:cs typeface="+mn-cs"/>
-              </a:rPr>
-              <a:t>#</a:t>
-            </a:r>
-            <a:r>
-              <a:rPr lang="en-US" sz="6000" b="1" dirty="0" err="1">
-                <a:solidFill>
-                  <a:srgbClr val="404040"/>
-                </a:solidFill>
-                <a:ea typeface="+mn-ea"/>
-                <a:cs typeface="+mn-cs"/>
-              </a:rPr>
-              <a:t>RollCall</a:t>
+              <a:t>Survey</a:t>
             </a:r>
             <a:endParaRPr lang="en-US" sz="6000" b="1" dirty="0">
               <a:solidFill>
@@ -10112,7 +10085,7 @@
           <p:nvPr/>
         </p:nvPicPr>
         <p:blipFill rotWithShape="1">
-          <a:blip r:embed="rId3"/>
+          <a:blip r:embed="rId4"/>
           <a:srcRect l="8000" r="9400"/>
           <a:stretch/>
         </p:blipFill>

--- a/Lecture/Introduction/Intro_Lecture.pptx
+++ b/Lecture/Introduction/Intro_Lecture.pptx
@@ -285,7 +285,7 @@
               <a:pPr>
                 <a:defRPr/>
               </a:pPr>
-              <a:t>6/22/2020</a:t>
+              <a:t>8/7/2020</a:t>
             </a:fld>
             <a:endParaRPr lang="en-US" dirty="0"/>
           </a:p>
@@ -497,7 +497,7 @@
               <a:pPr>
                 <a:defRPr/>
               </a:pPr>
-              <a:t>6/22/2020</a:t>
+              <a:t>8/7/2020</a:t>
             </a:fld>
             <a:endParaRPr lang="en-US" dirty="0"/>
           </a:p>
@@ -1016,7 +1016,7 @@
               <a:pPr>
                 <a:defRPr/>
               </a:pPr>
-              <a:t>6/22/2020</a:t>
+              <a:t>8/7/2020</a:t>
             </a:fld>
             <a:endParaRPr lang="en-US" dirty="0"/>
           </a:p>
@@ -1206,7 +1206,7 @@
               <a:pPr>
                 <a:defRPr/>
               </a:pPr>
-              <a:t>6/22/2020</a:t>
+              <a:t>8/7/2020</a:t>
             </a:fld>
             <a:endParaRPr lang="en-US" dirty="0"/>
           </a:p>
@@ -1406,7 +1406,7 @@
               <a:pPr>
                 <a:defRPr/>
               </a:pPr>
-              <a:t>6/22/2020</a:t>
+              <a:t>8/7/2020</a:t>
             </a:fld>
             <a:endParaRPr lang="en-US" dirty="0"/>
           </a:p>
@@ -1674,7 +1674,7 @@
               <a:pPr>
                 <a:defRPr/>
               </a:pPr>
-              <a:t>6/22/2020</a:t>
+              <a:t>8/7/2020</a:t>
             </a:fld>
             <a:endParaRPr lang="en-US" dirty="0">
               <a:solidFill>
@@ -1888,7 +1888,7 @@
               <a:pPr>
                 <a:defRPr/>
               </a:pPr>
-              <a:t>6/22/2020</a:t>
+              <a:t>8/7/2020</a:t>
             </a:fld>
             <a:endParaRPr lang="en-US" dirty="0">
               <a:solidFill>
@@ -2179,7 +2179,7 @@
               <a:pPr>
                 <a:defRPr/>
               </a:pPr>
-              <a:t>6/22/2020</a:t>
+              <a:t>8/7/2020</a:t>
             </a:fld>
             <a:endParaRPr lang="en-US" dirty="0">
               <a:solidFill>
@@ -2510,7 +2510,7 @@
               <a:pPr>
                 <a:defRPr/>
               </a:pPr>
-              <a:t>6/22/2020</a:t>
+              <a:t>8/7/2020</a:t>
             </a:fld>
             <a:endParaRPr lang="en-US" dirty="0">
               <a:solidFill>
@@ -2975,7 +2975,7 @@
               <a:pPr>
                 <a:defRPr/>
               </a:pPr>
-              <a:t>6/22/2020</a:t>
+              <a:t>8/7/2020</a:t>
             </a:fld>
             <a:endParaRPr lang="en-US" dirty="0">
               <a:solidFill>
@@ -3138,7 +3138,7 @@
               <a:pPr>
                 <a:defRPr/>
               </a:pPr>
-              <a:t>6/22/2020</a:t>
+              <a:t>8/7/2020</a:t>
             </a:fld>
             <a:endParaRPr lang="en-US" dirty="0">
               <a:solidFill>
@@ -3279,7 +3279,7 @@
               <a:pPr>
                 <a:defRPr/>
               </a:pPr>
-              <a:t>6/22/2020</a:t>
+              <a:t>8/7/2020</a:t>
             </a:fld>
             <a:endParaRPr lang="en-US" dirty="0">
               <a:solidFill>
@@ -3600,7 +3600,7 @@
               <a:pPr>
                 <a:defRPr/>
               </a:pPr>
-              <a:t>6/22/2020</a:t>
+              <a:t>8/7/2020</a:t>
             </a:fld>
             <a:endParaRPr lang="en-US" dirty="0">
               <a:solidFill>
@@ -3808,7 +3808,7 @@
               <a:pPr>
                 <a:defRPr/>
               </a:pPr>
-              <a:t>6/22/2020</a:t>
+              <a:t>8/7/2020</a:t>
             </a:fld>
             <a:endParaRPr lang="en-US" dirty="0"/>
           </a:p>
@@ -4091,7 +4091,7 @@
               <a:pPr>
                 <a:defRPr/>
               </a:pPr>
-              <a:t>6/22/2020</a:t>
+              <a:t>8/7/2020</a:t>
             </a:fld>
             <a:endParaRPr lang="en-US" dirty="0">
               <a:solidFill>
@@ -4305,7 +4305,7 @@
               <a:pPr>
                 <a:defRPr/>
               </a:pPr>
-              <a:t>6/22/2020</a:t>
+              <a:t>8/7/2020</a:t>
             </a:fld>
             <a:endParaRPr lang="en-US" dirty="0">
               <a:solidFill>
@@ -4529,7 +4529,7 @@
               <a:pPr>
                 <a:defRPr/>
               </a:pPr>
-              <a:t>6/22/2020</a:t>
+              <a:t>8/7/2020</a:t>
             </a:fld>
             <a:endParaRPr lang="en-US" dirty="0">
               <a:solidFill>
@@ -4739,7 +4739,7 @@
               <a:pPr>
                 <a:defRPr/>
               </a:pPr>
-              <a:t>6/22/2020</a:t>
+              <a:t>8/7/2020</a:t>
             </a:fld>
             <a:endParaRPr lang="en-US" dirty="0">
               <a:solidFill>
@@ -5016,7 +5016,7 @@
               <a:pPr>
                 <a:defRPr/>
               </a:pPr>
-              <a:t>6/22/2020</a:t>
+              <a:t>8/7/2020</a:t>
             </a:fld>
             <a:endParaRPr lang="en-US" dirty="0"/>
           </a:p>
@@ -5323,7 +5323,7 @@
               <a:pPr>
                 <a:defRPr/>
               </a:pPr>
-              <a:t>6/22/2020</a:t>
+              <a:t>8/7/2020</a:t>
             </a:fld>
             <a:endParaRPr lang="en-US" dirty="0"/>
           </a:p>
@@ -5764,7 +5764,7 @@
               <a:pPr>
                 <a:defRPr/>
               </a:pPr>
-              <a:t>6/22/2020</a:t>
+              <a:t>8/7/2020</a:t>
             </a:fld>
             <a:endParaRPr lang="en-US" dirty="0"/>
           </a:p>
@@ -5903,7 +5903,7 @@
               <a:pPr>
                 <a:defRPr/>
               </a:pPr>
-              <a:t>6/22/2020</a:t>
+              <a:t>8/7/2020</a:t>
             </a:fld>
             <a:endParaRPr lang="en-US" dirty="0"/>
           </a:p>
@@ -6020,7 +6020,7 @@
               <a:pPr>
                 <a:defRPr/>
               </a:pPr>
-              <a:t>6/22/2020</a:t>
+              <a:t>8/7/2020</a:t>
             </a:fld>
             <a:endParaRPr lang="en-US" dirty="0"/>
           </a:p>
@@ -6317,7 +6317,7 @@
               <a:pPr>
                 <a:defRPr/>
               </a:pPr>
-              <a:t>6/22/2020</a:t>
+              <a:t>8/7/2020</a:t>
             </a:fld>
             <a:endParaRPr lang="en-US" dirty="0"/>
           </a:p>
@@ -6594,7 +6594,7 @@
               <a:pPr>
                 <a:defRPr/>
               </a:pPr>
-              <a:t>6/22/2020</a:t>
+              <a:t>8/7/2020</a:t>
             </a:fld>
             <a:endParaRPr lang="en-US" dirty="0"/>
           </a:p>
@@ -6851,7 +6851,7 @@
               <a:pPr>
                 <a:defRPr/>
               </a:pPr>
-              <a:t>6/22/2020</a:t>
+              <a:t>8/7/2020</a:t>
             </a:fld>
             <a:endParaRPr lang="en-US" dirty="0"/>
           </a:p>
@@ -7561,7 +7561,7 @@
               <a:pPr>
                 <a:defRPr/>
               </a:pPr>
-              <a:t>6/22/2020</a:t>
+              <a:t>8/7/2020</a:t>
             </a:fld>
             <a:endParaRPr lang="en-US" dirty="0">
               <a:solidFill>

--- a/Lecture/Introduction/Intro_Lecture.pptx
+++ b/Lecture/Introduction/Intro_Lecture.pptx
@@ -285,7 +285,7 @@
               <a:pPr>
                 <a:defRPr/>
               </a:pPr>
-              <a:t>8/7/2020</a:t>
+              <a:t>8/10/2020</a:t>
             </a:fld>
             <a:endParaRPr lang="en-US" dirty="0"/>
           </a:p>
@@ -497,7 +497,7 @@
               <a:pPr>
                 <a:defRPr/>
               </a:pPr>
-              <a:t>8/7/2020</a:t>
+              <a:t>8/10/2020</a:t>
             </a:fld>
             <a:endParaRPr lang="en-US" dirty="0"/>
           </a:p>
@@ -1016,7 +1016,7 @@
               <a:pPr>
                 <a:defRPr/>
               </a:pPr>
-              <a:t>8/7/2020</a:t>
+              <a:t>8/10/2020</a:t>
             </a:fld>
             <a:endParaRPr lang="en-US" dirty="0"/>
           </a:p>
@@ -1206,7 +1206,7 @@
               <a:pPr>
                 <a:defRPr/>
               </a:pPr>
-              <a:t>8/7/2020</a:t>
+              <a:t>8/10/2020</a:t>
             </a:fld>
             <a:endParaRPr lang="en-US" dirty="0"/>
           </a:p>
@@ -1406,7 +1406,7 @@
               <a:pPr>
                 <a:defRPr/>
               </a:pPr>
-              <a:t>8/7/2020</a:t>
+              <a:t>8/10/2020</a:t>
             </a:fld>
             <a:endParaRPr lang="en-US" dirty="0"/>
           </a:p>
@@ -1674,7 +1674,7 @@
               <a:pPr>
                 <a:defRPr/>
               </a:pPr>
-              <a:t>8/7/2020</a:t>
+              <a:t>8/10/2020</a:t>
             </a:fld>
             <a:endParaRPr lang="en-US" dirty="0">
               <a:solidFill>
@@ -1888,7 +1888,7 @@
               <a:pPr>
                 <a:defRPr/>
               </a:pPr>
-              <a:t>8/7/2020</a:t>
+              <a:t>8/10/2020</a:t>
             </a:fld>
             <a:endParaRPr lang="en-US" dirty="0">
               <a:solidFill>
@@ -2179,7 +2179,7 @@
               <a:pPr>
                 <a:defRPr/>
               </a:pPr>
-              <a:t>8/7/2020</a:t>
+              <a:t>8/10/2020</a:t>
             </a:fld>
             <a:endParaRPr lang="en-US" dirty="0">
               <a:solidFill>
@@ -2510,7 +2510,7 @@
               <a:pPr>
                 <a:defRPr/>
               </a:pPr>
-              <a:t>8/7/2020</a:t>
+              <a:t>8/10/2020</a:t>
             </a:fld>
             <a:endParaRPr lang="en-US" dirty="0">
               <a:solidFill>
@@ -2975,7 +2975,7 @@
               <a:pPr>
                 <a:defRPr/>
               </a:pPr>
-              <a:t>8/7/2020</a:t>
+              <a:t>8/10/2020</a:t>
             </a:fld>
             <a:endParaRPr lang="en-US" dirty="0">
               <a:solidFill>
@@ -3138,7 +3138,7 @@
               <a:pPr>
                 <a:defRPr/>
               </a:pPr>
-              <a:t>8/7/2020</a:t>
+              <a:t>8/10/2020</a:t>
             </a:fld>
             <a:endParaRPr lang="en-US" dirty="0">
               <a:solidFill>
@@ -3279,7 +3279,7 @@
               <a:pPr>
                 <a:defRPr/>
               </a:pPr>
-              <a:t>8/7/2020</a:t>
+              <a:t>8/10/2020</a:t>
             </a:fld>
             <a:endParaRPr lang="en-US" dirty="0">
               <a:solidFill>
@@ -3600,7 +3600,7 @@
               <a:pPr>
                 <a:defRPr/>
               </a:pPr>
-              <a:t>8/7/2020</a:t>
+              <a:t>8/10/2020</a:t>
             </a:fld>
             <a:endParaRPr lang="en-US" dirty="0">
               <a:solidFill>
@@ -3808,7 +3808,7 @@
               <a:pPr>
                 <a:defRPr/>
               </a:pPr>
-              <a:t>8/7/2020</a:t>
+              <a:t>8/10/2020</a:t>
             </a:fld>
             <a:endParaRPr lang="en-US" dirty="0"/>
           </a:p>
@@ -4091,7 +4091,7 @@
               <a:pPr>
                 <a:defRPr/>
               </a:pPr>
-              <a:t>8/7/2020</a:t>
+              <a:t>8/10/2020</a:t>
             </a:fld>
             <a:endParaRPr lang="en-US" dirty="0">
               <a:solidFill>
@@ -4305,7 +4305,7 @@
               <a:pPr>
                 <a:defRPr/>
               </a:pPr>
-              <a:t>8/7/2020</a:t>
+              <a:t>8/10/2020</a:t>
             </a:fld>
             <a:endParaRPr lang="en-US" dirty="0">
               <a:solidFill>
@@ -4529,7 +4529,7 @@
               <a:pPr>
                 <a:defRPr/>
               </a:pPr>
-              <a:t>8/7/2020</a:t>
+              <a:t>8/10/2020</a:t>
             </a:fld>
             <a:endParaRPr lang="en-US" dirty="0">
               <a:solidFill>
@@ -4739,7 +4739,7 @@
               <a:pPr>
                 <a:defRPr/>
               </a:pPr>
-              <a:t>8/7/2020</a:t>
+              <a:t>8/10/2020</a:t>
             </a:fld>
             <a:endParaRPr lang="en-US" dirty="0">
               <a:solidFill>
@@ -5016,7 +5016,7 @@
               <a:pPr>
                 <a:defRPr/>
               </a:pPr>
-              <a:t>8/7/2020</a:t>
+              <a:t>8/10/2020</a:t>
             </a:fld>
             <a:endParaRPr lang="en-US" dirty="0"/>
           </a:p>
@@ -5323,7 +5323,7 @@
               <a:pPr>
                 <a:defRPr/>
               </a:pPr>
-              <a:t>8/7/2020</a:t>
+              <a:t>8/10/2020</a:t>
             </a:fld>
             <a:endParaRPr lang="en-US" dirty="0"/>
           </a:p>
@@ -5764,7 +5764,7 @@
               <a:pPr>
                 <a:defRPr/>
               </a:pPr>
-              <a:t>8/7/2020</a:t>
+              <a:t>8/10/2020</a:t>
             </a:fld>
             <a:endParaRPr lang="en-US" dirty="0"/>
           </a:p>
@@ -5903,7 +5903,7 @@
               <a:pPr>
                 <a:defRPr/>
               </a:pPr>
-              <a:t>8/7/2020</a:t>
+              <a:t>8/10/2020</a:t>
             </a:fld>
             <a:endParaRPr lang="en-US" dirty="0"/>
           </a:p>
@@ -6020,7 +6020,7 @@
               <a:pPr>
                 <a:defRPr/>
               </a:pPr>
-              <a:t>8/7/2020</a:t>
+              <a:t>8/10/2020</a:t>
             </a:fld>
             <a:endParaRPr lang="en-US" dirty="0"/>
           </a:p>
@@ -6317,7 +6317,7 @@
               <a:pPr>
                 <a:defRPr/>
               </a:pPr>
-              <a:t>8/7/2020</a:t>
+              <a:t>8/10/2020</a:t>
             </a:fld>
             <a:endParaRPr lang="en-US" dirty="0"/>
           </a:p>
@@ -6594,7 +6594,7 @@
               <a:pPr>
                 <a:defRPr/>
               </a:pPr>
-              <a:t>8/7/2020</a:t>
+              <a:t>8/10/2020</a:t>
             </a:fld>
             <a:endParaRPr lang="en-US" dirty="0"/>
           </a:p>
@@ -6851,7 +6851,7 @@
               <a:pPr>
                 <a:defRPr/>
               </a:pPr>
-              <a:t>8/7/2020</a:t>
+              <a:t>8/10/2020</a:t>
             </a:fld>
             <a:endParaRPr lang="en-US" dirty="0"/>
           </a:p>
@@ -7561,7 +7561,7 @@
               <a:pPr>
                 <a:defRPr/>
               </a:pPr>
-              <a:t>8/7/2020</a:t>
+              <a:t>8/10/2020</a:t>
             </a:fld>
             <a:endParaRPr lang="en-US" dirty="0">
               <a:solidFill>
@@ -12228,13 +12228,31 @@
               <a:buChar char="•"/>
             </a:pPr>
             <a:r>
-              <a:rPr lang="en-US" sz="2400" dirty="0">
+              <a:rPr lang="en-US" sz="2400">
                 <a:solidFill>
                   <a:srgbClr val="404040"/>
                 </a:solidFill>
                 <a:ea typeface="+mn-ea"/>
               </a:rPr>
-              <a:t>Labs</a:t>
+              <a:t>Lab Work</a:t>
+            </a:r>
+          </a:p>
+          <a:p>
+            <a:pPr lvl="1" indent="-228600" defTabSz="914400" eaLnBrk="1" hangingPunct="1">
+              <a:lnSpc>
+                <a:spcPct val="90000"/>
+              </a:lnSpc>
+              <a:buFont typeface="Arial" panose="020B0604020202020204" pitchFamily="34" charset="0"/>
+              <a:buChar char="•"/>
+            </a:pPr>
+            <a:r>
+              <a:rPr lang="en-US" sz="2400" dirty="0">
+                <a:solidFill>
+                  <a:srgbClr val="404040"/>
+                </a:solidFill>
+                <a:ea typeface="+mn-ea"/>
+              </a:rPr>
+              <a:t>Homework</a:t>
             </a:r>
           </a:p>
           <a:p>
@@ -14636,7 +14654,7 @@
                 <a:ea typeface="+mn-ea"/>
                 <a:hlinkClick r:id="rId5"/>
               </a:rPr>
-              <a:t>Lab 1</a:t>
+              <a:t>HW 1</a:t>
             </a:r>
             <a:endParaRPr lang="en-US" sz="2400" dirty="0">
               <a:solidFill>
@@ -14731,7 +14749,7 @@
                 </a:solidFill>
                 <a:ea typeface="+mn-ea"/>
               </a:rPr>
-              <a:t>Lab 1 </a:t>
+              <a:t>HW 1 </a:t>
             </a:r>
             <a:r>
               <a:rPr lang="en-US" dirty="0" err="1">
@@ -14771,7 +14789,7 @@
               <a:t>Attempt to Knit the </a:t>
             </a:r>
             <a:r>
-              <a:rPr lang="en-US">
+              <a:rPr lang="en-US" dirty="0">
                 <a:solidFill>
                   <a:srgbClr val="404040"/>
                 </a:solidFill>
@@ -14779,12 +14797,6 @@
               </a:rPr>
               <a:t>File to an HTML File and View</a:t>
             </a:r>
-            <a:endParaRPr lang="en-US" dirty="0">
-              <a:solidFill>
-                <a:srgbClr val="404040"/>
-              </a:solidFill>
-              <a:ea typeface="+mn-ea"/>
-            </a:endParaRPr>
           </a:p>
           <a:p>
             <a:pPr lvl="2" defTabSz="914400" eaLnBrk="1" hangingPunct="1">

--- a/Lecture/Introduction/Intro_Lecture.pptx
+++ b/Lecture/Introduction/Intro_Lecture.pptx
@@ -282,7 +282,7 @@
       </p15:notesGuideLst>
     </p:ext>
     <p:ext uri="http://customooxmlschemas.google.com/">
-      <go:slidesCustomData xmlns:go="http://customooxmlschemas.google.com/" xmlns:ahyp="http://schemas.microsoft.com/office/drawing/2018/hyperlinkcolor" xmlns:p15="http://schemas.microsoft.com/office/powerpoint/2012/main" xmlns:p14="http://schemas.microsoft.com/office/powerpoint/2010/main" xmlns:com="http://schemas.openxmlformats.org/drawingml/2006/compatibility" xmlns:pvml="urn:schemas-microsoft-com:office:powerpoint" xmlns:v="urn:schemas-microsoft-com:vml" xmlns:o="urn:schemas-microsoft-com:office:office" xmlns:dgm="http://schemas.openxmlformats.org/drawingml/2006/diagram" xmlns:c="http://schemas.openxmlformats.org/drawingml/2006/chart" xmlns:mv="urn:schemas-microsoft-com:mac:vml" xmlns:mc="http://schemas.openxmlformats.org/markup-compatibility/2006" xmlns="" r:id="rId18" roundtripDataSignature="AMtx7mjq0nBUJQL3LjbNJDp+7lYH11Ce0A=="/>
+      <go:slidesCustomData xmlns="" xmlns:mc="http://schemas.openxmlformats.org/markup-compatibility/2006" xmlns:mv="urn:schemas-microsoft-com:mac:vml" xmlns:c="http://schemas.openxmlformats.org/drawingml/2006/chart" xmlns:dgm="http://schemas.openxmlformats.org/drawingml/2006/diagram" xmlns:o="urn:schemas-microsoft-com:office:office" xmlns:v="urn:schemas-microsoft-com:vml" xmlns:pvml="urn:schemas-microsoft-com:office:powerpoint" xmlns:com="http://schemas.openxmlformats.org/drawingml/2006/compatibility" xmlns:p14="http://schemas.microsoft.com/office/powerpoint/2010/main" xmlns:p15="http://schemas.microsoft.com/office/powerpoint/2012/main" xmlns:ahyp="http://schemas.microsoft.com/office/drawing/2018/hyperlinkcolor" xmlns:go="http://customooxmlschemas.google.com/" r:id="rId18" roundtripDataSignature="AMtx7mjq0nBUJQL3LjbNJDp+7lYH11Ce0A=="/>
     </p:ext>
   </p:extLst>
 </p:presentation>
@@ -33095,7 +33095,7 @@
               <a:t>First Assignment: </a:t>
             </a:r>
             <a:r>
-              <a:rPr lang="en-US" sz="2400" b="0" i="0" u="sng" strike="noStrike" cap="none" dirty="0">
+              <a:rPr lang="en-US" sz="2400" b="0" i="0" strike="noStrike" cap="none" dirty="0">
                 <a:solidFill>
                   <a:srgbClr val="404040"/>
                 </a:solidFill>
@@ -33103,17 +33103,10 @@
                 <a:ea typeface="Calibri"/>
                 <a:cs typeface="Calibri"/>
                 <a:sym typeface="Calibri"/>
-                <a:hlinkClick r:id="rId5">
-                  <a:extLst>
-                    <a:ext uri="{A12FA001-AC4F-418D-AE19-62706E023703}">
-                      <ahyp:hlinkClr xmlns:ahyp="http://schemas.microsoft.com/office/drawing/2018/hyperlinkcolor" val="tx"/>
-                    </a:ext>
-                  </a:extLst>
-                </a:hlinkClick>
               </a:rPr>
               <a:t>HW 1</a:t>
             </a:r>
-            <a:endParaRPr sz="2400" b="0" i="0" u="none" strike="noStrike" cap="none" dirty="0">
+            <a:endParaRPr sz="2400" b="0" i="0" strike="noStrike" cap="none" dirty="0">
               <a:solidFill>
                 <a:srgbClr val="404040"/>
               </a:solidFill>

--- a/Lecture/Introduction/Intro_Lecture.pptx
+++ b/Lecture/Introduction/Intro_Lecture.pptx
@@ -282,7 +282,7 @@
       </p15:notesGuideLst>
     </p:ext>
     <p:ext uri="http://customooxmlschemas.google.com/">
-      <go:slidesCustomData xmlns="" xmlns:mc="http://schemas.openxmlformats.org/markup-compatibility/2006" xmlns:mv="urn:schemas-microsoft-com:mac:vml" xmlns:c="http://schemas.openxmlformats.org/drawingml/2006/chart" xmlns:dgm="http://schemas.openxmlformats.org/drawingml/2006/diagram" xmlns:o="urn:schemas-microsoft-com:office:office" xmlns:v="urn:schemas-microsoft-com:vml" xmlns:pvml="urn:schemas-microsoft-com:office:powerpoint" xmlns:com="http://schemas.openxmlformats.org/drawingml/2006/compatibility" xmlns:p14="http://schemas.microsoft.com/office/powerpoint/2010/main" xmlns:p15="http://schemas.microsoft.com/office/powerpoint/2012/main" xmlns:ahyp="http://schemas.microsoft.com/office/drawing/2018/hyperlinkcolor" xmlns:go="http://customooxmlschemas.google.com/" r:id="rId18" roundtripDataSignature="AMtx7mjq0nBUJQL3LjbNJDp+7lYH11Ce0A=="/>
+      <go:slidesCustomData xmlns:go="http://customooxmlschemas.google.com/" xmlns:ahyp="http://schemas.microsoft.com/office/drawing/2018/hyperlinkcolor" xmlns:p15="http://schemas.microsoft.com/office/powerpoint/2012/main" xmlns:p14="http://schemas.microsoft.com/office/powerpoint/2010/main" xmlns:com="http://schemas.openxmlformats.org/drawingml/2006/compatibility" xmlns:pvml="urn:schemas-microsoft-com:office:powerpoint" xmlns:v="urn:schemas-microsoft-com:vml" xmlns:o="urn:schemas-microsoft-com:office:office" xmlns:dgm="http://schemas.openxmlformats.org/drawingml/2006/diagram" xmlns:c="http://schemas.openxmlformats.org/drawingml/2006/chart" xmlns:mv="urn:schemas-microsoft-com:mac:vml" xmlns:mc="http://schemas.openxmlformats.org/markup-compatibility/2006" xmlns="" r:id="rId18" roundtripDataSignature="AMtx7mjq0nBUJQL3LjbNJDp+7lYH11Ce0A=="/>
     </p:ext>
   </p:extLst>
 </p:presentation>

--- a/Lecture/Introduction/Intro_Lecture.pptx
+++ b/Lecture/Introduction/Intro_Lecture.pptx
@@ -282,7 +282,7 @@
       </p15:notesGuideLst>
     </p:ext>
     <p:ext uri="http://customooxmlschemas.google.com/">
-      <go:slidesCustomData xmlns:go="http://customooxmlschemas.google.com/" xmlns:ahyp="http://schemas.microsoft.com/office/drawing/2018/hyperlinkcolor" xmlns:p15="http://schemas.microsoft.com/office/powerpoint/2012/main" xmlns:p14="http://schemas.microsoft.com/office/powerpoint/2010/main" xmlns:com="http://schemas.openxmlformats.org/drawingml/2006/compatibility" xmlns:pvml="urn:schemas-microsoft-com:office:powerpoint" xmlns:v="urn:schemas-microsoft-com:vml" xmlns:o="urn:schemas-microsoft-com:office:office" xmlns:dgm="http://schemas.openxmlformats.org/drawingml/2006/diagram" xmlns:c="http://schemas.openxmlformats.org/drawingml/2006/chart" xmlns:mv="urn:schemas-microsoft-com:mac:vml" xmlns:mc="http://schemas.openxmlformats.org/markup-compatibility/2006" xmlns="" r:id="rId18" roundtripDataSignature="AMtx7mjq0nBUJQL3LjbNJDp+7lYH11Ce0A=="/>
+      <go:slidesCustomData xmlns="" xmlns:mc="http://schemas.openxmlformats.org/markup-compatibility/2006" xmlns:mv="urn:schemas-microsoft-com:mac:vml" xmlns:c="http://schemas.openxmlformats.org/drawingml/2006/chart" xmlns:dgm="http://schemas.openxmlformats.org/drawingml/2006/diagram" xmlns:o="urn:schemas-microsoft-com:office:office" xmlns:v="urn:schemas-microsoft-com:vml" xmlns:pvml="urn:schemas-microsoft-com:office:powerpoint" xmlns:com="http://schemas.openxmlformats.org/drawingml/2006/compatibility" xmlns:p14="http://schemas.microsoft.com/office/powerpoint/2010/main" xmlns:p15="http://schemas.microsoft.com/office/powerpoint/2012/main" xmlns:ahyp="http://schemas.microsoft.com/office/drawing/2018/hyperlinkcolor" xmlns:go="http://customooxmlschemas.google.com/" r:id="rId18" roundtripDataSignature="AMtx7mjq0nBUJQL3LjbNJDp+7lYH11Ce0A=="/>
     </p:ext>
   </p:extLst>
 </p:presentation>
@@ -32215,7 +32215,7 @@
               <a:buChar char="•"/>
             </a:pPr>
             <a:r>
-              <a:rPr lang="en-US" sz="2400" b="0" i="0" u="sng" strike="noStrike" cap="none">
+              <a:rPr lang="en-US" sz="2400" b="0" i="0" u="sng" strike="noStrike" cap="none" dirty="0">
                 <a:solidFill>
                   <a:srgbClr val="404040"/>
                 </a:solidFill>
@@ -32233,7 +32233,7 @@
               </a:rPr>
               <a:t>Install R on Your Laptop</a:t>
             </a:r>
-            <a:endParaRPr sz="2400" b="0" i="0" u="none" strike="noStrike" cap="none">
+            <a:endParaRPr sz="2400" b="0" i="0" u="none" strike="noStrike" cap="none" dirty="0">
               <a:solidFill>
                 <a:srgbClr val="404040"/>
               </a:solidFill>
@@ -32261,7 +32261,7 @@
               <a:buFont typeface="Arial"/>
               <a:buNone/>
             </a:pPr>
-            <a:endParaRPr sz="2400" b="0" i="0" u="none" strike="noStrike" cap="none">
+            <a:endParaRPr sz="2400" b="0" i="0" u="none" strike="noStrike" cap="none" dirty="0">
               <a:solidFill>
                 <a:srgbClr val="404040"/>
               </a:solidFill>
@@ -32290,7 +32290,7 @@
               <a:buChar char="•"/>
             </a:pPr>
             <a:r>
-              <a:rPr lang="en-US" sz="2400" b="0" i="0" u="sng" strike="noStrike" cap="none">
+              <a:rPr lang="en-US" sz="2400" b="0" i="0" u="sng" strike="noStrike" cap="none" dirty="0">
                 <a:solidFill>
                   <a:srgbClr val="404040"/>
                 </a:solidFill>
@@ -32306,9 +32306,47 @@
                   </a:extLst>
                 </a:hlinkClick>
               </a:rPr>
-              <a:t>Install Rstudio on Your Laptop</a:t>
+              <a:t>Install </a:t>
             </a:r>
-            <a:endParaRPr sz="2400" b="0" i="0" u="none" strike="noStrike" cap="none">
+            <a:r>
+              <a:rPr lang="en-US" sz="2400" b="0" i="0" u="sng" strike="noStrike" cap="none" dirty="0" err="1">
+                <a:solidFill>
+                  <a:srgbClr val="404040"/>
+                </a:solidFill>
+                <a:latin typeface="Calibri"/>
+                <a:ea typeface="Calibri"/>
+                <a:cs typeface="Calibri"/>
+                <a:sym typeface="Calibri"/>
+                <a:hlinkClick r:id="rId5">
+                  <a:extLst>
+                    <a:ext uri="{A12FA001-AC4F-418D-AE19-62706E023703}">
+                      <ahyp:hlinkClr xmlns:ahyp="http://schemas.microsoft.com/office/drawing/2018/hyperlinkcolor" val="tx"/>
+                    </a:ext>
+                  </a:extLst>
+                </a:hlinkClick>
+              </a:rPr>
+              <a:t>Rstudio</a:t>
+            </a:r>
+            <a:r>
+              <a:rPr lang="en-US" sz="2400" b="0" i="0" u="sng" strike="noStrike" cap="none" dirty="0">
+                <a:solidFill>
+                  <a:srgbClr val="404040"/>
+                </a:solidFill>
+                <a:latin typeface="Calibri"/>
+                <a:ea typeface="Calibri"/>
+                <a:cs typeface="Calibri"/>
+                <a:sym typeface="Calibri"/>
+                <a:hlinkClick r:id="rId5">
+                  <a:extLst>
+                    <a:ext uri="{A12FA001-AC4F-418D-AE19-62706E023703}">
+                      <ahyp:hlinkClr xmlns:ahyp="http://schemas.microsoft.com/office/drawing/2018/hyperlinkcolor" val="tx"/>
+                    </a:ext>
+                  </a:extLst>
+                </a:hlinkClick>
+              </a:rPr>
+              <a:t> on Your Laptop</a:t>
+            </a:r>
+            <a:endParaRPr sz="2400" b="0" i="0" u="none" strike="noStrike" cap="none" dirty="0">
               <a:solidFill>
                 <a:srgbClr val="404040"/>
               </a:solidFill>
@@ -32336,7 +32374,7 @@
               <a:buFont typeface="Arial"/>
               <a:buNone/>
             </a:pPr>
-            <a:endParaRPr sz="2400" b="0" i="0" u="none" strike="noStrike" cap="none">
+            <a:endParaRPr sz="2400" b="0" i="0" u="none" strike="noStrike" cap="none" dirty="0">
               <a:solidFill>
                 <a:srgbClr val="404040"/>
               </a:solidFill>
@@ -32365,7 +32403,7 @@
               <a:buChar char="•"/>
             </a:pPr>
             <a:r>
-              <a:rPr lang="en-US" sz="2400" b="0" i="0" u="none" strike="noStrike" cap="none">
+              <a:rPr lang="en-US" sz="2400" b="0" i="0" u="none" strike="noStrike" cap="none" dirty="0">
                 <a:solidFill>
                   <a:srgbClr val="404040"/>
                 </a:solidFill>
@@ -32376,7 +32414,7 @@
               </a:rPr>
               <a:t> Download the Textbooks</a:t>
             </a:r>
-            <a:endParaRPr/>
+            <a:endParaRPr dirty="0"/>
           </a:p>
           <a:p>
             <a:pPr marL="742950" marR="0" lvl="1" indent="-228600" algn="l" rtl="0">
@@ -32397,7 +32435,7 @@
               <a:buChar char="•"/>
             </a:pPr>
             <a:r>
-              <a:rPr lang="en-US" sz="2400" b="0" i="0" u="sng" strike="noStrike" cap="none">
+              <a:rPr lang="en-US" sz="2400" b="0" i="0" u="sng" strike="noStrike" cap="none" dirty="0">
                 <a:solidFill>
                   <a:srgbClr val="404040"/>
                 </a:solidFill>
@@ -32415,7 +32453,7 @@
               </a:rPr>
               <a:t>R4DS</a:t>
             </a:r>
-            <a:endParaRPr sz="2400" b="0" i="0" u="none" strike="noStrike" cap="none">
+            <a:endParaRPr sz="2400" b="0" i="0" u="none" strike="noStrike" cap="none" dirty="0">
               <a:solidFill>
                 <a:srgbClr val="404040"/>
               </a:solidFill>
@@ -32444,7 +32482,7 @@
               <a:buChar char="•"/>
             </a:pPr>
             <a:r>
-              <a:rPr lang="en-US" sz="2400" b="0" i="0" u="sng" strike="noStrike" cap="none">
+              <a:rPr lang="en-US" sz="2400" b="0" i="0" u="sng" strike="noStrike" cap="none" dirty="0">
                 <a:solidFill>
                   <a:srgbClr val="404040"/>
                 </a:solidFill>
@@ -32462,7 +32500,7 @@
               </a:rPr>
               <a:t>RP4DS</a:t>
             </a:r>
-            <a:endParaRPr sz="2400" b="0" i="0" u="none" strike="noStrike" cap="none">
+            <a:endParaRPr sz="2400" b="0" i="0" u="none" strike="noStrike" cap="none" dirty="0">
               <a:solidFill>
                 <a:srgbClr val="404040"/>
               </a:solidFill>
@@ -32491,7 +32529,7 @@
               <a:buChar char="•"/>
             </a:pPr>
             <a:r>
-              <a:rPr lang="en-US" sz="2400" b="0" i="0" u="sng" strike="noStrike" cap="none">
+              <a:rPr lang="en-US" sz="2400" b="0" i="0" u="sng" strike="noStrike" cap="none" dirty="0">
                 <a:solidFill>
                   <a:srgbClr val="404040"/>
                 </a:solidFill>
@@ -32509,7 +32547,7 @@
               </a:rPr>
               <a:t>AoRP</a:t>
             </a:r>
-            <a:endParaRPr sz="2400" b="0" i="0" u="none" strike="noStrike" cap="none">
+            <a:endParaRPr sz="2400" b="0" i="0" u="none" strike="noStrike" cap="none" dirty="0">
               <a:solidFill>
                 <a:srgbClr val="404040"/>
               </a:solidFill>
@@ -32537,7 +32575,7 @@
               <a:buFont typeface="Arial"/>
               <a:buNone/>
             </a:pPr>
-            <a:endParaRPr sz="2400" b="0" i="0" u="none" strike="noStrike" cap="none">
+            <a:endParaRPr sz="2400" b="0" i="0" u="none" strike="noStrike" cap="none" dirty="0">
               <a:solidFill>
                 <a:srgbClr val="404040"/>
               </a:solidFill>
@@ -32566,7 +32604,7 @@
               <a:buChar char="•"/>
             </a:pPr>
             <a:r>
-              <a:rPr lang="en-US" sz="2400" b="0" i="0" u="none" strike="noStrike" cap="none">
+              <a:rPr lang="en-US" sz="2400" b="0" i="0" u="none" strike="noStrike" cap="none" dirty="0">
                 <a:solidFill>
                   <a:srgbClr val="404040"/>
                 </a:solidFill>
@@ -32577,7 +32615,7 @@
               </a:rPr>
               <a:t>Read the Introduction to R4DS</a:t>
             </a:r>
-            <a:endParaRPr/>
+            <a:endParaRPr dirty="0"/>
           </a:p>
           <a:p>
             <a:pPr marL="342900" marR="0" lvl="0" indent="-76200" algn="l" rtl="0">
@@ -32597,7 +32635,7 @@
               <a:buFont typeface="Arial"/>
               <a:buNone/>
             </a:pPr>
-            <a:endParaRPr sz="2400" b="0" i="0" u="none" strike="noStrike" cap="none">
+            <a:endParaRPr sz="2400" b="0" i="0" u="none" strike="noStrike" cap="none" dirty="0">
               <a:solidFill>
                 <a:srgbClr val="404040"/>
               </a:solidFill>
@@ -32626,7 +32664,7 @@
               <a:buChar char="•"/>
             </a:pPr>
             <a:r>
-              <a:rPr lang="en-US" sz="2400" b="0" i="0" u="none" strike="noStrike" cap="none">
+              <a:rPr lang="en-US" sz="2400" b="0" i="0" u="none" strike="noStrike" cap="none" dirty="0">
                 <a:solidFill>
                   <a:srgbClr val="404040"/>
                 </a:solidFill>
@@ -32637,7 +32675,7 @@
               </a:rPr>
               <a:t>Practice Programming with R for 10 minutes a day in RP4DS or AoRP</a:t>
             </a:r>
-            <a:endParaRPr sz="2000" b="0" i="0" u="none" strike="noStrike" cap="none">
+            <a:endParaRPr sz="2000" b="0" i="0" u="none" strike="noStrike" cap="none" dirty="0">
               <a:solidFill>
                 <a:srgbClr val="404040"/>
               </a:solidFill>

--- a/Lecture/Introduction/Intro_Lecture.pptx
+++ b/Lecture/Introduction/Intro_Lecture.pptx
@@ -282,7 +282,7 @@
       </p15:notesGuideLst>
     </p:ext>
     <p:ext uri="http://customooxmlschemas.google.com/">
-      <go:slidesCustomData xmlns="" xmlns:mc="http://schemas.openxmlformats.org/markup-compatibility/2006" xmlns:mv="urn:schemas-microsoft-com:mac:vml" xmlns:c="http://schemas.openxmlformats.org/drawingml/2006/chart" xmlns:dgm="http://schemas.openxmlformats.org/drawingml/2006/diagram" xmlns:o="urn:schemas-microsoft-com:office:office" xmlns:v="urn:schemas-microsoft-com:vml" xmlns:pvml="urn:schemas-microsoft-com:office:powerpoint" xmlns:com="http://schemas.openxmlformats.org/drawingml/2006/compatibility" xmlns:p14="http://schemas.microsoft.com/office/powerpoint/2010/main" xmlns:p15="http://schemas.microsoft.com/office/powerpoint/2012/main" xmlns:ahyp="http://schemas.microsoft.com/office/drawing/2018/hyperlinkcolor" xmlns:go="http://customooxmlschemas.google.com/" r:id="rId18" roundtripDataSignature="AMtx7mjq0nBUJQL3LjbNJDp+7lYH11Ce0A=="/>
+      <go:slidesCustomData xmlns:go="http://customooxmlschemas.google.com/" xmlns:ahyp="http://schemas.microsoft.com/office/drawing/2018/hyperlinkcolor" xmlns:p15="http://schemas.microsoft.com/office/powerpoint/2012/main" xmlns:p14="http://schemas.microsoft.com/office/powerpoint/2010/main" xmlns:com="http://schemas.openxmlformats.org/drawingml/2006/compatibility" xmlns:pvml="urn:schemas-microsoft-com:office:powerpoint" xmlns:v="urn:schemas-microsoft-com:vml" xmlns:o="urn:schemas-microsoft-com:office:office" xmlns:dgm="http://schemas.openxmlformats.org/drawingml/2006/diagram" xmlns:c="http://schemas.openxmlformats.org/drawingml/2006/chart" xmlns:mv="urn:schemas-microsoft-com:mac:vml" xmlns:mc="http://schemas.openxmlformats.org/markup-compatibility/2006" xmlns="" r:id="rId18" roundtripDataSignature="AMtx7mjq0nBUJQL3LjbNJDp+7lYH11Ce0A=="/>
     </p:ext>
   </p:extLst>
 </p:presentation>
@@ -28860,7 +28860,7 @@
               <a:buNone/>
             </a:pPr>
             <a:r>
-              <a:rPr lang="en-US" sz="2400">
+              <a:rPr lang="en-US" sz="2400" dirty="0">
                 <a:solidFill>
                   <a:schemeClr val="lt1"/>
                 </a:solidFill>
@@ -28869,9 +28869,9 @@
                 <a:cs typeface="Calibri"/>
                 <a:sym typeface="Calibri"/>
               </a:rPr>
-              <a:t>Who am I?</a:t>
+              <a:t>Who Am I?</a:t>
             </a:r>
-            <a:endParaRPr/>
+            <a:endParaRPr dirty="0"/>
           </a:p>
         </p:txBody>
       </p:sp>
@@ -29402,7 +29402,7 @@
               <a:buNone/>
             </a:pPr>
             <a:r>
-              <a:rPr lang="en-US" sz="2400">
+              <a:rPr lang="en-US" sz="2400" dirty="0">
                 <a:solidFill>
                   <a:schemeClr val="lt1"/>
                 </a:solidFill>
@@ -29411,9 +29411,9 @@
                 <a:cs typeface="Calibri"/>
                 <a:sym typeface="Calibri"/>
               </a:rPr>
-              <a:t>Who are you?</a:t>
+              <a:t>Who Are You?</a:t>
             </a:r>
-            <a:endParaRPr/>
+            <a:endParaRPr dirty="0"/>
           </a:p>
         </p:txBody>
       </p:sp>
@@ -29702,7 +29702,7 @@
               <a:buNone/>
             </a:pPr>
             <a:r>
-              <a:rPr lang="en-US" sz="2400">
+              <a:rPr lang="en-US" sz="2400" dirty="0">
                 <a:solidFill>
                   <a:schemeClr val="lt1"/>
                 </a:solidFill>
@@ -29711,9 +29711,9 @@
                 <a:cs typeface="Calibri"/>
                 <a:sym typeface="Calibri"/>
               </a:rPr>
-              <a:t>Why are We Here?</a:t>
+              <a:t>Why Are We Here?</a:t>
             </a:r>
-            <a:endParaRPr/>
+            <a:endParaRPr dirty="0"/>
           </a:p>
         </p:txBody>
       </p:sp>
@@ -30211,7 +30211,7 @@
               <a:buNone/>
             </a:pPr>
             <a:r>
-              <a:rPr lang="en-US" sz="2400">
+              <a:rPr lang="en-US" sz="2400" dirty="0">
                 <a:solidFill>
                   <a:schemeClr val="lt1"/>
                 </a:solidFill>
@@ -30220,9 +30220,29 @@
                 <a:cs typeface="Calibri"/>
                 <a:sym typeface="Calibri"/>
               </a:rPr>
-              <a:t>What do I Need?</a:t>
+              <a:t>What </a:t>
             </a:r>
-            <a:endParaRPr/>
+            <a:r>
+              <a:rPr lang="en-US" sz="2400" dirty="0">
+                <a:solidFill>
+                  <a:schemeClr val="lt1"/>
+                </a:solidFill>
+              </a:rPr>
+              <a:t>is</a:t>
+            </a:r>
+            <a:r>
+              <a:rPr lang="en-US" sz="2400" dirty="0">
+                <a:solidFill>
+                  <a:schemeClr val="lt1"/>
+                </a:solidFill>
+                <a:latin typeface="Calibri"/>
+                <a:ea typeface="Calibri"/>
+                <a:cs typeface="Calibri"/>
+                <a:sym typeface="Calibri"/>
+              </a:rPr>
+              <a:t> Needed?</a:t>
+            </a:r>
+            <a:endParaRPr dirty="0"/>
           </a:p>
         </p:txBody>
       </p:sp>
@@ -30879,7 +30899,7 @@
               <a:buNone/>
             </a:pPr>
             <a:r>
-              <a:rPr lang="en-US" sz="2400">
+              <a:rPr lang="en-US" sz="2400" dirty="0">
                 <a:solidFill>
                   <a:schemeClr val="lt1"/>
                 </a:solidFill>
@@ -30888,17 +30908,17 @@
                 <a:cs typeface="Calibri"/>
                 <a:sym typeface="Calibri"/>
               </a:rPr>
-              <a:t>What will </a:t>
+              <a:t>What Will </a:t>
             </a:r>
             <a:r>
-              <a:rPr lang="en-US" sz="2400">
+              <a:rPr lang="en-US" sz="2400" dirty="0">
                 <a:solidFill>
                   <a:schemeClr val="lt1"/>
                 </a:solidFill>
               </a:rPr>
               <a:t>We Do?</a:t>
             </a:r>
-            <a:endParaRPr sz="2400">
+            <a:endParaRPr sz="2400" dirty="0">
               <a:solidFill>
                 <a:schemeClr val="lt1"/>
               </a:solidFill>
@@ -31569,7 +31589,7 @@
               <a:buNone/>
             </a:pPr>
             <a:r>
-              <a:rPr lang="en-US" sz="2400">
+              <a:rPr lang="en-US" sz="2400" dirty="0">
                 <a:solidFill>
                   <a:schemeClr val="lt1"/>
                 </a:solidFill>
@@ -31578,17 +31598,17 @@
                 <a:cs typeface="Calibri"/>
                 <a:sym typeface="Calibri"/>
               </a:rPr>
-              <a:t>What will </a:t>
+              <a:t>What Will </a:t>
             </a:r>
             <a:r>
-              <a:rPr lang="en-US" sz="2400">
+              <a:rPr lang="en-US" sz="2400" dirty="0">
                 <a:solidFill>
                   <a:schemeClr val="lt1"/>
                 </a:solidFill>
               </a:rPr>
               <a:t>We Do?</a:t>
             </a:r>
-            <a:endParaRPr sz="2400">
+            <a:endParaRPr sz="2400" dirty="0">
               <a:solidFill>
                 <a:schemeClr val="lt1"/>
               </a:solidFill>

--- a/Lecture/Introduction/Intro_Lecture.pptx
+++ b/Lecture/Introduction/Intro_Lecture.pptx
@@ -7,19 +7,18 @@
     <p:sldMasterId id="2147483662" r:id="rId3"/>
   </p:sldMasterIdLst>
   <p:notesMasterIdLst>
-    <p:notesMasterId r:id="rId14"/>
+    <p:notesMasterId r:id="rId13"/>
   </p:notesMasterIdLst>
   <p:sldIdLst>
     <p:sldId id="256" r:id="rId4"/>
     <p:sldId id="257" r:id="rId5"/>
-    <p:sldId id="258" r:id="rId6"/>
-    <p:sldId id="259" r:id="rId7"/>
-    <p:sldId id="260" r:id="rId8"/>
-    <p:sldId id="261" r:id="rId9"/>
-    <p:sldId id="262" r:id="rId10"/>
-    <p:sldId id="263" r:id="rId11"/>
-    <p:sldId id="264" r:id="rId12"/>
-    <p:sldId id="265" r:id="rId13"/>
+    <p:sldId id="259" r:id="rId6"/>
+    <p:sldId id="260" r:id="rId7"/>
+    <p:sldId id="261" r:id="rId8"/>
+    <p:sldId id="262" r:id="rId9"/>
+    <p:sldId id="263" r:id="rId10"/>
+    <p:sldId id="264" r:id="rId11"/>
+    <p:sldId id="265" r:id="rId12"/>
   </p:sldIdLst>
   <p:sldSz cx="9144000" cy="6858000" type="screen4x3"/>
   <p:notesSz cx="6858000" cy="9144000"/>
@@ -1585,110 +1584,6 @@
 </p:notes>
 </file>
 
-<file path=ppt/notesSlides/notesSlide10.xml><?xml version="1.0" encoding="utf-8"?>
-<p:notes xmlns:a="http://schemas.openxmlformats.org/drawingml/2006/main" xmlns:r="http://schemas.openxmlformats.org/officeDocument/2006/relationships" xmlns:p="http://schemas.openxmlformats.org/presentationml/2006/main" showMasterSp="0" showMasterPhAnim="0">
-  <p:cSld>
-    <p:spTree>
-      <p:nvGrpSpPr>
-        <p:cNvPr id="1" name="Shape 254"/>
-        <p:cNvGrpSpPr/>
-        <p:nvPr/>
-      </p:nvGrpSpPr>
-      <p:grpSpPr>
-        <a:xfrm>
-          <a:off x="0" y="0"/>
-          <a:ext cx="0" cy="0"/>
-          <a:chOff x="0" y="0"/>
-          <a:chExt cx="0" cy="0"/>
-        </a:xfrm>
-      </p:grpSpPr>
-      <p:sp>
-        <p:nvSpPr>
-          <p:cNvPr id="255" name="Google Shape;255;p10:notes"/>
-          <p:cNvSpPr txBox="1">
-            <a:spLocks noGrp="1"/>
-          </p:cNvSpPr>
-          <p:nvPr>
-            <p:ph type="body" idx="1"/>
-          </p:nvPr>
-        </p:nvSpPr>
-        <p:spPr>
-          <a:xfrm>
-            <a:off x="685800" y="4343400"/>
-            <a:ext cx="5486400" cy="4114800"/>
-          </a:xfrm>
-          <a:prstGeom prst="rect">
-            <a:avLst/>
-          </a:prstGeom>
-        </p:spPr>
-        <p:txBody>
-          <a:bodyPr spcFirstLastPara="1" wrap="square" lIns="91425" tIns="45700" rIns="91425" bIns="45700" anchor="t" anchorCtr="0">
-            <a:noAutofit/>
-          </a:bodyPr>
-          <a:lstStyle/>
-          <a:p>
-            <a:pPr marL="0" lvl="0" indent="0" algn="l" rtl="0">
-              <a:spcBef>
-                <a:spcPts val="360"/>
-              </a:spcBef>
-              <a:spcAft>
-                <a:spcPts val="0"/>
-              </a:spcAft>
-              <a:buNone/>
-            </a:pPr>
-            <a:endParaRPr/>
-          </a:p>
-        </p:txBody>
-      </p:sp>
-      <p:sp>
-        <p:nvSpPr>
-          <p:cNvPr id="256" name="Google Shape;256;p10:notes"/>
-          <p:cNvSpPr>
-            <a:spLocks noGrp="1" noRot="1" noChangeAspect="1"/>
-          </p:cNvSpPr>
-          <p:nvPr>
-            <p:ph type="sldImg" idx="2"/>
-          </p:nvPr>
-        </p:nvSpPr>
-        <p:spPr>
-          <a:xfrm>
-            <a:off x="1143000" y="685800"/>
-            <a:ext cx="4572000" cy="3429000"/>
-          </a:xfrm>
-          <a:custGeom>
-            <a:avLst/>
-            <a:gdLst/>
-            <a:ahLst/>
-            <a:cxnLst/>
-            <a:rect l="l" t="t" r="r" b="b"/>
-            <a:pathLst>
-              <a:path w="120000" h="120000" extrusionOk="0">
-                <a:moveTo>
-                  <a:pt x="0" y="0"/>
-                </a:moveTo>
-                <a:lnTo>
-                  <a:pt x="120000" y="0"/>
-                </a:lnTo>
-                <a:lnTo>
-                  <a:pt x="120000" y="120000"/>
-                </a:lnTo>
-                <a:lnTo>
-                  <a:pt x="0" y="120000"/>
-                </a:lnTo>
-                <a:close/>
-              </a:path>
-            </a:pathLst>
-          </a:custGeom>
-        </p:spPr>
-      </p:sp>
-    </p:spTree>
-  </p:cSld>
-  <p:clrMapOvr>
-    <a:masterClrMapping/>
-  </p:clrMapOvr>
-</p:notes>
-</file>
-
 <file path=ppt/notesSlides/notesSlide2.xml><?xml version="1.0" encoding="utf-8"?>
 <p:notes xmlns:a="http://schemas.openxmlformats.org/drawingml/2006/main" xmlns:r="http://schemas.openxmlformats.org/officeDocument/2006/relationships" xmlns:p="http://schemas.openxmlformats.org/presentationml/2006/main" showMasterSp="0" showMasterPhAnim="0">
   <p:cSld>
@@ -1798,110 +1693,6 @@
   <p:cSld>
     <p:spTree>
       <p:nvGrpSpPr>
-        <p:cNvPr id="1" name="Shape 191"/>
-        <p:cNvGrpSpPr/>
-        <p:nvPr/>
-      </p:nvGrpSpPr>
-      <p:grpSpPr>
-        <a:xfrm>
-          <a:off x="0" y="0"/>
-          <a:ext cx="0" cy="0"/>
-          <a:chOff x="0" y="0"/>
-          <a:chExt cx="0" cy="0"/>
-        </a:xfrm>
-      </p:grpSpPr>
-      <p:sp>
-        <p:nvSpPr>
-          <p:cNvPr id="192" name="Google Shape;192;p3:notes"/>
-          <p:cNvSpPr txBox="1">
-            <a:spLocks noGrp="1"/>
-          </p:cNvSpPr>
-          <p:nvPr>
-            <p:ph type="body" idx="1"/>
-          </p:nvPr>
-        </p:nvSpPr>
-        <p:spPr>
-          <a:xfrm>
-            <a:off x="685800" y="4343400"/>
-            <a:ext cx="5486400" cy="4114800"/>
-          </a:xfrm>
-          <a:prstGeom prst="rect">
-            <a:avLst/>
-          </a:prstGeom>
-        </p:spPr>
-        <p:txBody>
-          <a:bodyPr spcFirstLastPara="1" wrap="square" lIns="91425" tIns="45700" rIns="91425" bIns="45700" anchor="t" anchorCtr="0">
-            <a:noAutofit/>
-          </a:bodyPr>
-          <a:lstStyle/>
-          <a:p>
-            <a:pPr marL="0" lvl="0" indent="0" algn="l" rtl="0">
-              <a:spcBef>
-                <a:spcPts val="360"/>
-              </a:spcBef>
-              <a:spcAft>
-                <a:spcPts val="0"/>
-              </a:spcAft>
-              <a:buNone/>
-            </a:pPr>
-            <a:endParaRPr/>
-          </a:p>
-        </p:txBody>
-      </p:sp>
-      <p:sp>
-        <p:nvSpPr>
-          <p:cNvPr id="193" name="Google Shape;193;p3:notes"/>
-          <p:cNvSpPr>
-            <a:spLocks noGrp="1" noRot="1" noChangeAspect="1"/>
-          </p:cNvSpPr>
-          <p:nvPr>
-            <p:ph type="sldImg" idx="2"/>
-          </p:nvPr>
-        </p:nvSpPr>
-        <p:spPr>
-          <a:xfrm>
-            <a:off x="1143000" y="685800"/>
-            <a:ext cx="4572000" cy="3429000"/>
-          </a:xfrm>
-          <a:custGeom>
-            <a:avLst/>
-            <a:gdLst/>
-            <a:ahLst/>
-            <a:cxnLst/>
-            <a:rect l="l" t="t" r="r" b="b"/>
-            <a:pathLst>
-              <a:path w="120000" h="120000" extrusionOk="0">
-                <a:moveTo>
-                  <a:pt x="0" y="0"/>
-                </a:moveTo>
-                <a:lnTo>
-                  <a:pt x="120000" y="0"/>
-                </a:lnTo>
-                <a:lnTo>
-                  <a:pt x="120000" y="120000"/>
-                </a:lnTo>
-                <a:lnTo>
-                  <a:pt x="0" y="120000"/>
-                </a:lnTo>
-                <a:close/>
-              </a:path>
-            </a:pathLst>
-          </a:custGeom>
-        </p:spPr>
-      </p:sp>
-    </p:spTree>
-  </p:cSld>
-  <p:clrMapOvr>
-    <a:masterClrMapping/>
-  </p:clrMapOvr>
-</p:notes>
-</file>
-
-<file path=ppt/notesSlides/notesSlide4.xml><?xml version="1.0" encoding="utf-8"?>
-<p:notes xmlns:a="http://schemas.openxmlformats.org/drawingml/2006/main" xmlns:r="http://schemas.openxmlformats.org/officeDocument/2006/relationships" xmlns:p="http://schemas.openxmlformats.org/presentationml/2006/main" showMasterSp="0" showMasterPhAnim="0">
-  <p:cSld>
-    <p:spTree>
-      <p:nvGrpSpPr>
         <p:cNvPr id="1" name="Shape 199"/>
         <p:cNvGrpSpPr/>
         <p:nvPr/>
@@ -2001,7 +1792,7 @@
 </p:notes>
 </file>
 
-<file path=ppt/notesSlides/notesSlide5.xml><?xml version="1.0" encoding="utf-8"?>
+<file path=ppt/notesSlides/notesSlide4.xml><?xml version="1.0" encoding="utf-8"?>
 <p:notes xmlns:a="http://schemas.openxmlformats.org/drawingml/2006/main" xmlns:r="http://schemas.openxmlformats.org/officeDocument/2006/relationships" xmlns:p="http://schemas.openxmlformats.org/presentationml/2006/main" showMasterSp="0" showMasterPhAnim="0">
   <p:cSld>
     <p:spTree>
@@ -2105,7 +1896,7 @@
 </p:notes>
 </file>
 
-<file path=ppt/notesSlides/notesSlide6.xml><?xml version="1.0" encoding="utf-8"?>
+<file path=ppt/notesSlides/notesSlide5.xml><?xml version="1.0" encoding="utf-8"?>
 <p:notes xmlns:a="http://schemas.openxmlformats.org/drawingml/2006/main" xmlns:r="http://schemas.openxmlformats.org/officeDocument/2006/relationships" xmlns:p="http://schemas.openxmlformats.org/presentationml/2006/main" showMasterSp="0" showMasterPhAnim="0">
   <p:cSld>
     <p:spTree>
@@ -2209,7 +2000,7 @@
 </p:notes>
 </file>
 
-<file path=ppt/notesSlides/notesSlide7.xml><?xml version="1.0" encoding="utf-8"?>
+<file path=ppt/notesSlides/notesSlide6.xml><?xml version="1.0" encoding="utf-8"?>
 <p:notes xmlns:a="http://schemas.openxmlformats.org/drawingml/2006/main" xmlns:r="http://schemas.openxmlformats.org/officeDocument/2006/relationships" xmlns:p="http://schemas.openxmlformats.org/presentationml/2006/main" showMasterSp="0" showMasterPhAnim="0">
   <p:cSld>
     <p:spTree>
@@ -2313,7 +2104,7 @@
 </p:notes>
 </file>
 
-<file path=ppt/notesSlides/notesSlide8.xml><?xml version="1.0" encoding="utf-8"?>
+<file path=ppt/notesSlides/notesSlide7.xml><?xml version="1.0" encoding="utf-8"?>
 <p:notes xmlns:a="http://schemas.openxmlformats.org/drawingml/2006/main" xmlns:r="http://schemas.openxmlformats.org/officeDocument/2006/relationships" xmlns:p="http://schemas.openxmlformats.org/presentationml/2006/main" showMasterSp="0" showMasterPhAnim="0">
   <p:cSld>
     <p:spTree>
@@ -2417,7 +2208,7 @@
 </p:notes>
 </file>
 
-<file path=ppt/notesSlides/notesSlide9.xml><?xml version="1.0" encoding="utf-8"?>
+<file path=ppt/notesSlides/notesSlide8.xml><?xml version="1.0" encoding="utf-8"?>
 <p:notes xmlns:a="http://schemas.openxmlformats.org/drawingml/2006/main" xmlns:r="http://schemas.openxmlformats.org/officeDocument/2006/relationships" xmlns:p="http://schemas.openxmlformats.org/presentationml/2006/main" showMasterSp="0" showMasterPhAnim="0">
   <p:cSld>
     <p:spTree>
@@ -2475,6 +2266,110 @@
       <p:sp>
         <p:nvSpPr>
           <p:cNvPr id="247" name="Google Shape;247;p9:notes"/>
+          <p:cNvSpPr>
+            <a:spLocks noGrp="1" noRot="1" noChangeAspect="1"/>
+          </p:cNvSpPr>
+          <p:nvPr>
+            <p:ph type="sldImg" idx="2"/>
+          </p:nvPr>
+        </p:nvSpPr>
+        <p:spPr>
+          <a:xfrm>
+            <a:off x="1143000" y="685800"/>
+            <a:ext cx="4572000" cy="3429000"/>
+          </a:xfrm>
+          <a:custGeom>
+            <a:avLst/>
+            <a:gdLst/>
+            <a:ahLst/>
+            <a:cxnLst/>
+            <a:rect l="l" t="t" r="r" b="b"/>
+            <a:pathLst>
+              <a:path w="120000" h="120000" extrusionOk="0">
+                <a:moveTo>
+                  <a:pt x="0" y="0"/>
+                </a:moveTo>
+                <a:lnTo>
+                  <a:pt x="120000" y="0"/>
+                </a:lnTo>
+                <a:lnTo>
+                  <a:pt x="120000" y="120000"/>
+                </a:lnTo>
+                <a:lnTo>
+                  <a:pt x="0" y="120000"/>
+                </a:lnTo>
+                <a:close/>
+              </a:path>
+            </a:pathLst>
+          </a:custGeom>
+        </p:spPr>
+      </p:sp>
+    </p:spTree>
+  </p:cSld>
+  <p:clrMapOvr>
+    <a:masterClrMapping/>
+  </p:clrMapOvr>
+</p:notes>
+</file>
+
+<file path=ppt/notesSlides/notesSlide9.xml><?xml version="1.0" encoding="utf-8"?>
+<p:notes xmlns:a="http://schemas.openxmlformats.org/drawingml/2006/main" xmlns:r="http://schemas.openxmlformats.org/officeDocument/2006/relationships" xmlns:p="http://schemas.openxmlformats.org/presentationml/2006/main" showMasterSp="0" showMasterPhAnim="0">
+  <p:cSld>
+    <p:spTree>
+      <p:nvGrpSpPr>
+        <p:cNvPr id="1" name="Shape 254"/>
+        <p:cNvGrpSpPr/>
+        <p:nvPr/>
+      </p:nvGrpSpPr>
+      <p:grpSpPr>
+        <a:xfrm>
+          <a:off x="0" y="0"/>
+          <a:ext cx="0" cy="0"/>
+          <a:chOff x="0" y="0"/>
+          <a:chExt cx="0" cy="0"/>
+        </a:xfrm>
+      </p:grpSpPr>
+      <p:sp>
+        <p:nvSpPr>
+          <p:cNvPr id="255" name="Google Shape;255;p10:notes"/>
+          <p:cNvSpPr txBox="1">
+            <a:spLocks noGrp="1"/>
+          </p:cNvSpPr>
+          <p:nvPr>
+            <p:ph type="body" idx="1"/>
+          </p:nvPr>
+        </p:nvSpPr>
+        <p:spPr>
+          <a:xfrm>
+            <a:off x="685800" y="4343400"/>
+            <a:ext cx="5486400" cy="4114800"/>
+          </a:xfrm>
+          <a:prstGeom prst="rect">
+            <a:avLst/>
+          </a:prstGeom>
+        </p:spPr>
+        <p:txBody>
+          <a:bodyPr spcFirstLastPara="1" wrap="square" lIns="91425" tIns="45700" rIns="91425" bIns="45700" anchor="t" anchorCtr="0">
+            <a:noAutofit/>
+          </a:bodyPr>
+          <a:lstStyle/>
+          <a:p>
+            <a:pPr marL="0" lvl="0" indent="0" algn="l" rtl="0">
+              <a:spcBef>
+                <a:spcPts val="360"/>
+              </a:spcBef>
+              <a:spcAft>
+                <a:spcPts val="0"/>
+              </a:spcAft>
+              <a:buNone/>
+            </a:pPr>
+            <a:endParaRPr/>
+          </a:p>
+        </p:txBody>
+      </p:sp>
+      <p:sp>
+        <p:nvSpPr>
+          <p:cNvPr id="256" name="Google Shape;256;p10:notes"/>
           <p:cNvSpPr>
             <a:spLocks noGrp="1" noRot="1" noChangeAspect="1"/>
           </p:cNvSpPr>
@@ -28300,445 +28195,6 @@
 </p:sld>
 </file>
 
-<file path=ppt/slides/slide10.xml><?xml version="1.0" encoding="utf-8"?>
-<p:sld xmlns:a="http://schemas.openxmlformats.org/drawingml/2006/main" xmlns:r="http://schemas.openxmlformats.org/officeDocument/2006/relationships" xmlns:p="http://schemas.openxmlformats.org/presentationml/2006/main">
-  <p:cSld>
-    <p:bg>
-      <p:bgPr>
-        <a:solidFill>
-          <a:srgbClr val="D8D8D8"/>
-        </a:solidFill>
-        <a:effectLst/>
-      </p:bgPr>
-    </p:bg>
-    <p:spTree>
-      <p:nvGrpSpPr>
-        <p:cNvPr id="1" name="Shape 257"/>
-        <p:cNvGrpSpPr/>
-        <p:nvPr/>
-      </p:nvGrpSpPr>
-      <p:grpSpPr>
-        <a:xfrm>
-          <a:off x="0" y="0"/>
-          <a:ext cx="0" cy="0"/>
-          <a:chOff x="0" y="0"/>
-          <a:chExt cx="0" cy="0"/>
-        </a:xfrm>
-      </p:grpSpPr>
-      <p:sp>
-        <p:nvSpPr>
-          <p:cNvPr id="258" name="Google Shape;258;p10"/>
-          <p:cNvSpPr/>
-          <p:nvPr/>
-        </p:nvSpPr>
-        <p:spPr>
-          <a:xfrm>
-            <a:off x="0" y="0"/>
-            <a:ext cx="3490722" cy="6858000"/>
-          </a:xfrm>
-          <a:prstGeom prst="rect">
-            <a:avLst/>
-          </a:prstGeom>
-          <a:solidFill>
-            <a:srgbClr val="3F3F3F"/>
-          </a:solidFill>
-          <a:ln>
-            <a:noFill/>
-          </a:ln>
-        </p:spPr>
-        <p:txBody>
-          <a:bodyPr spcFirstLastPara="1" wrap="square" lIns="91425" tIns="45700" rIns="91425" bIns="45700" anchor="ctr" anchorCtr="0">
-            <a:noAutofit/>
-          </a:bodyPr>
-          <a:lstStyle/>
-          <a:p>
-            <a:pPr marL="0" marR="0" lvl="0" indent="0" algn="ctr" rtl="0">
-              <a:spcBef>
-                <a:spcPts val="0"/>
-              </a:spcBef>
-              <a:spcAft>
-                <a:spcPts val="0"/>
-              </a:spcAft>
-              <a:buNone/>
-            </a:pPr>
-            <a:endParaRPr sz="2400" b="0" i="0" u="none" strike="noStrike" cap="none">
-              <a:solidFill>
-                <a:schemeClr val="lt1"/>
-              </a:solidFill>
-              <a:latin typeface="Arial"/>
-              <a:ea typeface="Arial"/>
-              <a:cs typeface="Arial"/>
-              <a:sym typeface="Arial"/>
-            </a:endParaRPr>
-          </a:p>
-        </p:txBody>
-      </p:sp>
-      <p:sp>
-        <p:nvSpPr>
-          <p:cNvPr id="259" name="Google Shape;259;p10"/>
-          <p:cNvSpPr txBox="1">
-            <a:spLocks noGrp="1"/>
-          </p:cNvSpPr>
-          <p:nvPr>
-            <p:ph type="title"/>
-          </p:nvPr>
-        </p:nvSpPr>
-        <p:spPr>
-          <a:xfrm>
-            <a:off x="482600" y="643467"/>
-            <a:ext cx="2522980" cy="1597315"/>
-          </a:xfrm>
-          <a:prstGeom prst="rect">
-            <a:avLst/>
-          </a:prstGeom>
-          <a:noFill/>
-          <a:ln w="19050" cap="flat" cmpd="sng">
-            <a:solidFill>
-              <a:schemeClr val="lt1"/>
-            </a:solidFill>
-            <a:prstDash val="solid"/>
-            <a:round/>
-            <a:headEnd type="none" w="sm" len="sm"/>
-            <a:tailEnd type="none" w="sm" len="sm"/>
-          </a:ln>
-        </p:spPr>
-        <p:txBody>
-          <a:bodyPr spcFirstLastPara="1" wrap="square" lIns="91425" tIns="45700" rIns="91425" bIns="45700" anchor="ctr" anchorCtr="0">
-            <a:normAutofit/>
-          </a:bodyPr>
-          <a:lstStyle/>
-          <a:p>
-            <a:pPr marL="0" lvl="0" indent="0" algn="ctr" rtl="0">
-              <a:lnSpc>
-                <a:spcPct val="90000"/>
-              </a:lnSpc>
-              <a:spcBef>
-                <a:spcPts val="0"/>
-              </a:spcBef>
-              <a:spcAft>
-                <a:spcPts val="0"/>
-              </a:spcAft>
-              <a:buNone/>
-            </a:pPr>
-            <a:r>
-              <a:rPr lang="en-US" sz="2400">
-                <a:solidFill>
-                  <a:schemeClr val="lt1"/>
-                </a:solidFill>
-                <a:latin typeface="Calibri"/>
-                <a:ea typeface="Calibri"/>
-                <a:cs typeface="Calibri"/>
-                <a:sym typeface="Calibri"/>
-              </a:rPr>
-              <a:t>Closing</a:t>
-            </a:r>
-            <a:r>
-              <a:rPr lang="en-US" sz="2400">
-                <a:solidFill>
-                  <a:schemeClr val="lt1"/>
-                </a:solidFill>
-              </a:rPr>
-              <a:t>?</a:t>
-            </a:r>
-            <a:endParaRPr sz="2400">
-              <a:solidFill>
-                <a:schemeClr val="lt1"/>
-              </a:solidFill>
-              <a:latin typeface="Calibri"/>
-              <a:ea typeface="Calibri"/>
-              <a:cs typeface="Calibri"/>
-              <a:sym typeface="Calibri"/>
-            </a:endParaRPr>
-          </a:p>
-        </p:txBody>
-      </p:sp>
-      <p:pic>
-        <p:nvPicPr>
-          <p:cNvPr id="260" name="Google Shape;260;p10"/>
-          <p:cNvPicPr preferRelativeResize="0"/>
-          <p:nvPr/>
-        </p:nvPicPr>
-        <p:blipFill rotWithShape="1">
-          <a:blip r:embed="rId3">
-            <a:alphaModFix/>
-          </a:blip>
-          <a:srcRect l="8000" r="9399"/>
-          <a:stretch/>
-        </p:blipFill>
-        <p:spPr>
-          <a:xfrm>
-            <a:off x="660103" y="3048000"/>
-            <a:ext cx="2167974" cy="2624666"/>
-          </a:xfrm>
-          <a:prstGeom prst="rect">
-            <a:avLst/>
-          </a:prstGeom>
-          <a:noFill/>
-          <a:ln>
-            <a:noFill/>
-          </a:ln>
-        </p:spPr>
-      </p:pic>
-      <p:sp>
-        <p:nvSpPr>
-          <p:cNvPr id="261" name="Google Shape;261;p10"/>
-          <p:cNvSpPr txBox="1"/>
-          <p:nvPr/>
-        </p:nvSpPr>
-        <p:spPr>
-          <a:xfrm>
-            <a:off x="3810000" y="643466"/>
-            <a:ext cx="4851400" cy="5833533"/>
-          </a:xfrm>
-          <a:prstGeom prst="rect">
-            <a:avLst/>
-          </a:prstGeom>
-          <a:noFill/>
-          <a:ln>
-            <a:noFill/>
-          </a:ln>
-        </p:spPr>
-        <p:txBody>
-          <a:bodyPr spcFirstLastPara="1" wrap="square" lIns="91425" tIns="45700" rIns="91425" bIns="45700" anchor="t" anchorCtr="0">
-            <a:noAutofit/>
-          </a:bodyPr>
-          <a:lstStyle/>
-          <a:p>
-            <a:pPr marL="342900" marR="0" lvl="0" indent="-101600" algn="l" rtl="0">
-              <a:lnSpc>
-                <a:spcPct val="90000"/>
-              </a:lnSpc>
-              <a:spcBef>
-                <a:spcPts val="0"/>
-              </a:spcBef>
-              <a:spcAft>
-                <a:spcPts val="0"/>
-              </a:spcAft>
-              <a:buClr>
-                <a:schemeClr val="dk1"/>
-              </a:buClr>
-              <a:buSzPts val="2000"/>
-              <a:buFont typeface="Arial"/>
-              <a:buNone/>
-            </a:pPr>
-            <a:endParaRPr sz="2000" b="0" i="0" u="none" strike="noStrike" cap="none">
-              <a:solidFill>
-                <a:srgbClr val="404040"/>
-              </a:solidFill>
-              <a:latin typeface="Calibri"/>
-              <a:ea typeface="Calibri"/>
-              <a:cs typeface="Calibri"/>
-              <a:sym typeface="Calibri"/>
-            </a:endParaRPr>
-          </a:p>
-          <a:p>
-            <a:pPr marL="342900" marR="0" lvl="0" indent="-101600" algn="l" rtl="0">
-              <a:lnSpc>
-                <a:spcPct val="90000"/>
-              </a:lnSpc>
-              <a:spcBef>
-                <a:spcPts val="400"/>
-              </a:spcBef>
-              <a:spcAft>
-                <a:spcPts val="0"/>
-              </a:spcAft>
-              <a:buClr>
-                <a:schemeClr val="dk1"/>
-              </a:buClr>
-              <a:buSzPts val="2000"/>
-              <a:buFont typeface="Arial"/>
-              <a:buNone/>
-            </a:pPr>
-            <a:endParaRPr sz="2000" b="0" i="0" u="none" strike="noStrike" cap="none">
-              <a:solidFill>
-                <a:srgbClr val="404040"/>
-              </a:solidFill>
-              <a:latin typeface="Calibri"/>
-              <a:ea typeface="Calibri"/>
-              <a:cs typeface="Calibri"/>
-              <a:sym typeface="Calibri"/>
-            </a:endParaRPr>
-          </a:p>
-        </p:txBody>
-      </p:sp>
-      <p:sp>
-        <p:nvSpPr>
-          <p:cNvPr id="262" name="Google Shape;262;p10"/>
-          <p:cNvSpPr txBox="1"/>
-          <p:nvPr/>
-        </p:nvSpPr>
-        <p:spPr>
-          <a:xfrm>
-            <a:off x="3973322" y="643466"/>
-            <a:ext cx="4851400" cy="5953916"/>
-          </a:xfrm>
-          <a:prstGeom prst="rect">
-            <a:avLst/>
-          </a:prstGeom>
-          <a:noFill/>
-          <a:ln>
-            <a:noFill/>
-          </a:ln>
-        </p:spPr>
-        <p:txBody>
-          <a:bodyPr spcFirstLastPara="1" wrap="square" lIns="91425" tIns="45700" rIns="91425" bIns="45700" anchor="t" anchorCtr="0">
-            <a:noAutofit/>
-          </a:bodyPr>
-          <a:lstStyle/>
-          <a:p>
-            <a:pPr marL="114300" marR="0" lvl="0" indent="0" algn="l" rtl="0">
-              <a:lnSpc>
-                <a:spcPct val="90000"/>
-              </a:lnSpc>
-              <a:spcBef>
-                <a:spcPts val="0"/>
-              </a:spcBef>
-              <a:spcAft>
-                <a:spcPts val="0"/>
-              </a:spcAft>
-              <a:buClr>
-                <a:srgbClr val="404040"/>
-              </a:buClr>
-              <a:buSzPts val="7200"/>
-              <a:buFont typeface="Arial"/>
-              <a:buNone/>
-            </a:pPr>
-            <a:r>
-              <a:rPr lang="en-US" sz="7200" b="0" i="0" u="none" strike="noStrike" cap="none">
-                <a:solidFill>
-                  <a:srgbClr val="404040"/>
-                </a:solidFill>
-                <a:latin typeface="Calibri"/>
-                <a:ea typeface="Calibri"/>
-                <a:cs typeface="Calibri"/>
-                <a:sym typeface="Calibri"/>
-              </a:rPr>
-              <a:t>Disperse and Make Reasonable Decisions</a:t>
-            </a:r>
-            <a:endParaRPr/>
-          </a:p>
-          <a:p>
-            <a:pPr marL="342900" marR="0" lvl="0" indent="0" algn="l" rtl="0">
-              <a:lnSpc>
-                <a:spcPct val="90000"/>
-              </a:lnSpc>
-              <a:spcBef>
-                <a:spcPts val="1440"/>
-              </a:spcBef>
-              <a:spcAft>
-                <a:spcPts val="0"/>
-              </a:spcAft>
-              <a:buClr>
-                <a:schemeClr val="dk1"/>
-              </a:buClr>
-              <a:buSzPts val="7200"/>
-              <a:buFont typeface="Arial"/>
-              <a:buNone/>
-            </a:pPr>
-            <a:endParaRPr sz="7200" b="0" i="0" u="none" strike="noStrike" cap="none">
-              <a:solidFill>
-                <a:srgbClr val="404040"/>
-              </a:solidFill>
-              <a:latin typeface="Calibri"/>
-              <a:ea typeface="Calibri"/>
-              <a:cs typeface="Calibri"/>
-              <a:sym typeface="Calibri"/>
-            </a:endParaRPr>
-          </a:p>
-          <a:p>
-            <a:pPr marL="342900" marR="0" lvl="0" indent="0" algn="l" rtl="0">
-              <a:lnSpc>
-                <a:spcPct val="90000"/>
-              </a:lnSpc>
-              <a:spcBef>
-                <a:spcPts val="1440"/>
-              </a:spcBef>
-              <a:spcAft>
-                <a:spcPts val="0"/>
-              </a:spcAft>
-              <a:buClr>
-                <a:schemeClr val="dk1"/>
-              </a:buClr>
-              <a:buSzPts val="7200"/>
-              <a:buFont typeface="Arial"/>
-              <a:buNone/>
-            </a:pPr>
-            <a:endParaRPr sz="7200" b="0" i="0" u="none" strike="noStrike" cap="none">
-              <a:solidFill>
-                <a:srgbClr val="404040"/>
-              </a:solidFill>
-              <a:latin typeface="Calibri"/>
-              <a:ea typeface="Calibri"/>
-              <a:cs typeface="Calibri"/>
-              <a:sym typeface="Calibri"/>
-            </a:endParaRPr>
-          </a:p>
-          <a:p>
-            <a:pPr marL="342900" marR="0" lvl="0" indent="0" algn="l" rtl="0">
-              <a:lnSpc>
-                <a:spcPct val="90000"/>
-              </a:lnSpc>
-              <a:spcBef>
-                <a:spcPts val="1440"/>
-              </a:spcBef>
-              <a:spcAft>
-                <a:spcPts val="0"/>
-              </a:spcAft>
-              <a:buClr>
-                <a:schemeClr val="dk1"/>
-              </a:buClr>
-              <a:buSzPts val="7200"/>
-              <a:buFont typeface="Arial"/>
-              <a:buNone/>
-            </a:pPr>
-            <a:endParaRPr sz="7200" b="0" i="0" u="none" strike="noStrike" cap="none">
-              <a:solidFill>
-                <a:srgbClr val="404040"/>
-              </a:solidFill>
-              <a:latin typeface="Calibri"/>
-              <a:ea typeface="Calibri"/>
-              <a:cs typeface="Calibri"/>
-              <a:sym typeface="Calibri"/>
-            </a:endParaRPr>
-          </a:p>
-          <a:p>
-            <a:pPr marL="342900" marR="0" lvl="0" indent="0" algn="l" rtl="0">
-              <a:lnSpc>
-                <a:spcPct val="90000"/>
-              </a:lnSpc>
-              <a:spcBef>
-                <a:spcPts val="1440"/>
-              </a:spcBef>
-              <a:spcAft>
-                <a:spcPts val="0"/>
-              </a:spcAft>
-              <a:buClr>
-                <a:schemeClr val="dk1"/>
-              </a:buClr>
-              <a:buSzPts val="7200"/>
-              <a:buFont typeface="Arial"/>
-              <a:buNone/>
-            </a:pPr>
-            <a:endParaRPr sz="7200" b="0" i="0" u="none" strike="noStrike" cap="none">
-              <a:solidFill>
-                <a:srgbClr val="404040"/>
-              </a:solidFill>
-              <a:latin typeface="Calibri"/>
-              <a:ea typeface="Calibri"/>
-              <a:cs typeface="Calibri"/>
-              <a:sym typeface="Calibri"/>
-            </a:endParaRPr>
-          </a:p>
-        </p:txBody>
-      </p:sp>
-    </p:spTree>
-  </p:cSld>
-  <p:clrMapOvr>
-    <a:masterClrMapping/>
-  </p:clrMapOvr>
-</p:sld>
-</file>
-
 <file path=ppt/slides/slide2.xml><?xml version="1.0" encoding="utf-8"?>
 <p:sld xmlns:a="http://schemas.openxmlformats.org/drawingml/2006/main" xmlns:r="http://schemas.openxmlformats.org/officeDocument/2006/relationships" xmlns:p="http://schemas.openxmlformats.org/presentationml/2006/main">
   <p:cSld>
@@ -29282,306 +28738,6 @@
 </file>
 
 <file path=ppt/slides/slide3.xml><?xml version="1.0" encoding="utf-8"?>
-<p:sld xmlns:a="http://schemas.openxmlformats.org/drawingml/2006/main" xmlns:r="http://schemas.openxmlformats.org/officeDocument/2006/relationships" xmlns:p="http://schemas.openxmlformats.org/presentationml/2006/main">
-  <p:cSld>
-    <p:bg>
-      <p:bgPr>
-        <a:solidFill>
-          <a:srgbClr val="D8D8D8"/>
-        </a:solidFill>
-        <a:effectLst/>
-      </p:bgPr>
-    </p:bg>
-    <p:spTree>
-      <p:nvGrpSpPr>
-        <p:cNvPr id="1" name="Shape 194"/>
-        <p:cNvGrpSpPr/>
-        <p:nvPr/>
-      </p:nvGrpSpPr>
-      <p:grpSpPr>
-        <a:xfrm>
-          <a:off x="0" y="0"/>
-          <a:ext cx="0" cy="0"/>
-          <a:chOff x="0" y="0"/>
-          <a:chExt cx="0" cy="0"/>
-        </a:xfrm>
-      </p:grpSpPr>
-      <p:sp>
-        <p:nvSpPr>
-          <p:cNvPr id="195" name="Google Shape;195;p3"/>
-          <p:cNvSpPr/>
-          <p:nvPr/>
-        </p:nvSpPr>
-        <p:spPr>
-          <a:xfrm>
-            <a:off x="0" y="0"/>
-            <a:ext cx="3490722" cy="6858000"/>
-          </a:xfrm>
-          <a:prstGeom prst="rect">
-            <a:avLst/>
-          </a:prstGeom>
-          <a:solidFill>
-            <a:srgbClr val="3F3F3F"/>
-          </a:solidFill>
-          <a:ln>
-            <a:noFill/>
-          </a:ln>
-        </p:spPr>
-        <p:txBody>
-          <a:bodyPr spcFirstLastPara="1" wrap="square" lIns="91425" tIns="45700" rIns="91425" bIns="45700" anchor="ctr" anchorCtr="0">
-            <a:noAutofit/>
-          </a:bodyPr>
-          <a:lstStyle/>
-          <a:p>
-            <a:pPr marL="0" marR="0" lvl="0" indent="0" algn="ctr" rtl="0">
-              <a:spcBef>
-                <a:spcPts val="0"/>
-              </a:spcBef>
-              <a:spcAft>
-                <a:spcPts val="0"/>
-              </a:spcAft>
-              <a:buNone/>
-            </a:pPr>
-            <a:endParaRPr sz="2400" b="0" i="0" u="none" strike="noStrike" cap="none">
-              <a:solidFill>
-                <a:schemeClr val="lt1"/>
-              </a:solidFill>
-              <a:latin typeface="Arial"/>
-              <a:ea typeface="Arial"/>
-              <a:cs typeface="Arial"/>
-              <a:sym typeface="Arial"/>
-            </a:endParaRPr>
-          </a:p>
-        </p:txBody>
-      </p:sp>
-      <p:sp>
-        <p:nvSpPr>
-          <p:cNvPr id="196" name="Google Shape;196;p3"/>
-          <p:cNvSpPr txBox="1">
-            <a:spLocks noGrp="1"/>
-          </p:cNvSpPr>
-          <p:nvPr>
-            <p:ph type="title"/>
-          </p:nvPr>
-        </p:nvSpPr>
-        <p:spPr>
-          <a:xfrm>
-            <a:off x="482600" y="643467"/>
-            <a:ext cx="2522980" cy="1597315"/>
-          </a:xfrm>
-          <a:prstGeom prst="rect">
-            <a:avLst/>
-          </a:prstGeom>
-          <a:noFill/>
-          <a:ln w="19050" cap="flat" cmpd="sng">
-            <a:solidFill>
-              <a:schemeClr val="lt1"/>
-            </a:solidFill>
-            <a:prstDash val="solid"/>
-            <a:round/>
-            <a:headEnd type="none" w="sm" len="sm"/>
-            <a:tailEnd type="none" w="sm" len="sm"/>
-          </a:ln>
-        </p:spPr>
-        <p:txBody>
-          <a:bodyPr spcFirstLastPara="1" wrap="square" lIns="91425" tIns="45700" rIns="91425" bIns="45700" anchor="ctr" anchorCtr="0">
-            <a:normAutofit/>
-          </a:bodyPr>
-          <a:lstStyle/>
-          <a:p>
-            <a:pPr marL="0" lvl="0" indent="0" algn="ctr" rtl="0">
-              <a:lnSpc>
-                <a:spcPct val="90000"/>
-              </a:lnSpc>
-              <a:spcBef>
-                <a:spcPts val="0"/>
-              </a:spcBef>
-              <a:spcAft>
-                <a:spcPts val="0"/>
-              </a:spcAft>
-              <a:buNone/>
-            </a:pPr>
-            <a:r>
-              <a:rPr lang="en-US" sz="2400" dirty="0">
-                <a:solidFill>
-                  <a:schemeClr val="lt1"/>
-                </a:solidFill>
-                <a:latin typeface="Calibri"/>
-                <a:ea typeface="Calibri"/>
-                <a:cs typeface="Calibri"/>
-                <a:sym typeface="Calibri"/>
-              </a:rPr>
-              <a:t>Who Are You?</a:t>
-            </a:r>
-            <a:endParaRPr dirty="0"/>
-          </a:p>
-        </p:txBody>
-      </p:sp>
-      <p:sp>
-        <p:nvSpPr>
-          <p:cNvPr id="197" name="Google Shape;197;p3"/>
-          <p:cNvSpPr txBox="1"/>
-          <p:nvPr/>
-        </p:nvSpPr>
-        <p:spPr>
-          <a:xfrm>
-            <a:off x="3810000" y="2275853"/>
-            <a:ext cx="4851400" cy="2099733"/>
-          </a:xfrm>
-          <a:prstGeom prst="rect">
-            <a:avLst/>
-          </a:prstGeom>
-          <a:noFill/>
-          <a:ln>
-            <a:noFill/>
-          </a:ln>
-        </p:spPr>
-        <p:txBody>
-          <a:bodyPr spcFirstLastPara="1" wrap="square" lIns="91425" tIns="45700" rIns="91425" bIns="45700" anchor="t" anchorCtr="0">
-            <a:noAutofit/>
-          </a:bodyPr>
-          <a:lstStyle/>
-          <a:p>
-            <a:pPr marL="114300" marR="0" lvl="0" indent="0" algn="ctr" rtl="0">
-              <a:lnSpc>
-                <a:spcPct val="90000"/>
-              </a:lnSpc>
-              <a:spcBef>
-                <a:spcPts val="0"/>
-              </a:spcBef>
-              <a:spcAft>
-                <a:spcPts val="0"/>
-              </a:spcAft>
-              <a:buClr>
-                <a:srgbClr val="404040"/>
-              </a:buClr>
-              <a:buSzPts val="6000"/>
-              <a:buFont typeface="Arial"/>
-              <a:buNone/>
-            </a:pPr>
-            <a:r>
-              <a:rPr lang="en-US" sz="6000" b="1" i="0" u="sng" strike="noStrike" cap="none" dirty="0">
-                <a:solidFill>
-                  <a:srgbClr val="3F3F3F"/>
-                </a:solidFill>
-                <a:latin typeface="Calibri"/>
-                <a:ea typeface="Calibri"/>
-                <a:cs typeface="Calibri"/>
-                <a:sym typeface="Calibri"/>
-                <a:hlinkClick r:id="rId3">
-                  <a:extLst>
-                    <a:ext uri="{A12FA001-AC4F-418D-AE19-62706E023703}">
-                      <ahyp:hlinkClr xmlns:ahyp="http://schemas.microsoft.com/office/drawing/2018/hyperlinkcolor" val="tx"/>
-                    </a:ext>
-                  </a:extLst>
-                </a:hlinkClick>
-              </a:rPr>
-              <a:t>Survey</a:t>
-            </a:r>
-            <a:endParaRPr sz="6000" b="1" i="0" u="none" strike="noStrike" cap="none" dirty="0">
-              <a:solidFill>
-                <a:srgbClr val="3F3F3F"/>
-              </a:solidFill>
-              <a:latin typeface="Calibri"/>
-              <a:ea typeface="Calibri"/>
-              <a:cs typeface="Calibri"/>
-              <a:sym typeface="Calibri"/>
-            </a:endParaRPr>
-          </a:p>
-          <a:p>
-            <a:pPr marL="342900" marR="0" lvl="0" indent="-127000" algn="l" rtl="0">
-              <a:lnSpc>
-                <a:spcPct val="90000"/>
-              </a:lnSpc>
-              <a:spcBef>
-                <a:spcPts val="320"/>
-              </a:spcBef>
-              <a:spcAft>
-                <a:spcPts val="0"/>
-              </a:spcAft>
-              <a:buClr>
-                <a:schemeClr val="dk1"/>
-              </a:buClr>
-              <a:buSzPts val="1600"/>
-              <a:buFont typeface="Arial"/>
-              <a:buNone/>
-            </a:pPr>
-            <a:endParaRPr sz="1600" b="0" i="0" u="none" strike="noStrike" cap="none" dirty="0">
-              <a:solidFill>
-                <a:srgbClr val="404040"/>
-              </a:solidFill>
-              <a:latin typeface="Calibri"/>
-              <a:ea typeface="Calibri"/>
-              <a:cs typeface="Calibri"/>
-              <a:sym typeface="Calibri"/>
-            </a:endParaRPr>
-          </a:p>
-          <a:p>
-            <a:pPr marL="114300" marR="0" lvl="0" indent="0" algn="l" rtl="0">
-              <a:lnSpc>
-                <a:spcPct val="90000"/>
-              </a:lnSpc>
-              <a:spcBef>
-                <a:spcPts val="400"/>
-              </a:spcBef>
-              <a:spcAft>
-                <a:spcPts val="0"/>
-              </a:spcAft>
-              <a:buClr>
-                <a:schemeClr val="dk1"/>
-              </a:buClr>
-              <a:buSzPts val="2000"/>
-              <a:buFont typeface="Arial"/>
-              <a:buNone/>
-            </a:pPr>
-            <a:endParaRPr sz="2000" b="0" i="0" u="none" strike="noStrike" cap="none" dirty="0">
-              <a:solidFill>
-                <a:srgbClr val="404040"/>
-              </a:solidFill>
-              <a:latin typeface="Calibri"/>
-              <a:ea typeface="Calibri"/>
-              <a:cs typeface="Calibri"/>
-              <a:sym typeface="Calibri"/>
-            </a:endParaRPr>
-          </a:p>
-        </p:txBody>
-      </p:sp>
-      <p:pic>
-        <p:nvPicPr>
-          <p:cNvPr id="198" name="Google Shape;198;p3"/>
-          <p:cNvPicPr preferRelativeResize="0"/>
-          <p:nvPr/>
-        </p:nvPicPr>
-        <p:blipFill rotWithShape="1">
-          <a:blip r:embed="rId4">
-            <a:alphaModFix/>
-          </a:blip>
-          <a:srcRect l="8000" r="9399"/>
-          <a:stretch/>
-        </p:blipFill>
-        <p:spPr>
-          <a:xfrm>
-            <a:off x="660103" y="3048000"/>
-            <a:ext cx="2167974" cy="2624666"/>
-          </a:xfrm>
-          <a:prstGeom prst="rect">
-            <a:avLst/>
-          </a:prstGeom>
-          <a:noFill/>
-          <a:ln>
-            <a:noFill/>
-          </a:ln>
-        </p:spPr>
-      </p:pic>
-    </p:spTree>
-  </p:cSld>
-  <p:clrMapOvr>
-    <a:masterClrMapping/>
-  </p:clrMapOvr>
-</p:sld>
-</file>
-
-<file path=ppt/slides/slide4.xml><?xml version="1.0" encoding="utf-8"?>
 <p:sld xmlns:a="http://schemas.openxmlformats.org/drawingml/2006/main" xmlns:r="http://schemas.openxmlformats.org/officeDocument/2006/relationships" xmlns:p="http://schemas.openxmlformats.org/presentationml/2006/main">
   <p:cSld>
     <p:bg>
@@ -30090,7 +29246,7 @@
 </p:sld>
 </file>
 
-<file path=ppt/slides/slide5.xml><?xml version="1.0" encoding="utf-8"?>
+<file path=ppt/slides/slide4.xml><?xml version="1.0" encoding="utf-8"?>
 <p:sld xmlns:a="http://schemas.openxmlformats.org/drawingml/2006/main" xmlns:r="http://schemas.openxmlformats.org/officeDocument/2006/relationships" xmlns:p="http://schemas.openxmlformats.org/presentationml/2006/main">
   <p:cSld>
     <p:bg>
@@ -30778,7 +29934,7 @@
 </p:sld>
 </file>
 
-<file path=ppt/slides/slide6.xml><?xml version="1.0" encoding="utf-8"?>
+<file path=ppt/slides/slide5.xml><?xml version="1.0" encoding="utf-8"?>
 <p:sld xmlns:a="http://schemas.openxmlformats.org/drawingml/2006/main" xmlns:r="http://schemas.openxmlformats.org/officeDocument/2006/relationships" xmlns:p="http://schemas.openxmlformats.org/presentationml/2006/main">
   <p:cSld>
     <p:bg>
@@ -31468,7 +30624,7 @@
 </p:sld>
 </file>
 
-<file path=ppt/slides/slide7.xml><?xml version="1.0" encoding="utf-8"?>
+<file path=ppt/slides/slide6.xml><?xml version="1.0" encoding="utf-8"?>
 <p:sld xmlns:a="http://schemas.openxmlformats.org/drawingml/2006/main" xmlns:r="http://schemas.openxmlformats.org/officeDocument/2006/relationships" xmlns:p="http://schemas.openxmlformats.org/presentationml/2006/main">
   <p:cSld>
     <p:bg>
@@ -31931,7 +31087,7 @@
 </p:sld>
 </file>
 
-<file path=ppt/slides/slide8.xml><?xml version="1.0" encoding="utf-8"?>
+<file path=ppt/slides/slide7.xml><?xml version="1.0" encoding="utf-8"?>
 <p:sld xmlns:a="http://schemas.openxmlformats.org/drawingml/2006/main" xmlns:r="http://schemas.openxmlformats.org/officeDocument/2006/relationships" xmlns:p="http://schemas.openxmlformats.org/presentationml/2006/main">
   <p:cSld>
     <p:bg>
@@ -32715,7 +31871,7 @@
 </p:sld>
 </file>
 
-<file path=ppt/slides/slide9.xml><?xml version="1.0" encoding="utf-8"?>
+<file path=ppt/slides/slide8.xml><?xml version="1.0" encoding="utf-8"?>
 <p:sld xmlns:a="http://schemas.openxmlformats.org/drawingml/2006/main" xmlns:r="http://schemas.openxmlformats.org/officeDocument/2006/relationships" xmlns:p="http://schemas.openxmlformats.org/presentationml/2006/main">
   <p:cSld>
     <p:bg>
@@ -33541,6 +32697,445 @@
               <a:buNone/>
             </a:pPr>
             <a:endParaRPr sz="2000" b="0" i="0" u="none" strike="noStrike" cap="none" dirty="0">
+              <a:solidFill>
+                <a:srgbClr val="404040"/>
+              </a:solidFill>
+              <a:latin typeface="Calibri"/>
+              <a:ea typeface="Calibri"/>
+              <a:cs typeface="Calibri"/>
+              <a:sym typeface="Calibri"/>
+            </a:endParaRPr>
+          </a:p>
+        </p:txBody>
+      </p:sp>
+    </p:spTree>
+  </p:cSld>
+  <p:clrMapOvr>
+    <a:masterClrMapping/>
+  </p:clrMapOvr>
+</p:sld>
+</file>
+
+<file path=ppt/slides/slide9.xml><?xml version="1.0" encoding="utf-8"?>
+<p:sld xmlns:a="http://schemas.openxmlformats.org/drawingml/2006/main" xmlns:r="http://schemas.openxmlformats.org/officeDocument/2006/relationships" xmlns:p="http://schemas.openxmlformats.org/presentationml/2006/main">
+  <p:cSld>
+    <p:bg>
+      <p:bgPr>
+        <a:solidFill>
+          <a:srgbClr val="D8D8D8"/>
+        </a:solidFill>
+        <a:effectLst/>
+      </p:bgPr>
+    </p:bg>
+    <p:spTree>
+      <p:nvGrpSpPr>
+        <p:cNvPr id="1" name="Shape 257"/>
+        <p:cNvGrpSpPr/>
+        <p:nvPr/>
+      </p:nvGrpSpPr>
+      <p:grpSpPr>
+        <a:xfrm>
+          <a:off x="0" y="0"/>
+          <a:ext cx="0" cy="0"/>
+          <a:chOff x="0" y="0"/>
+          <a:chExt cx="0" cy="0"/>
+        </a:xfrm>
+      </p:grpSpPr>
+      <p:sp>
+        <p:nvSpPr>
+          <p:cNvPr id="258" name="Google Shape;258;p10"/>
+          <p:cNvSpPr/>
+          <p:nvPr/>
+        </p:nvSpPr>
+        <p:spPr>
+          <a:xfrm>
+            <a:off x="0" y="0"/>
+            <a:ext cx="3490722" cy="6858000"/>
+          </a:xfrm>
+          <a:prstGeom prst="rect">
+            <a:avLst/>
+          </a:prstGeom>
+          <a:solidFill>
+            <a:srgbClr val="3F3F3F"/>
+          </a:solidFill>
+          <a:ln>
+            <a:noFill/>
+          </a:ln>
+        </p:spPr>
+        <p:txBody>
+          <a:bodyPr spcFirstLastPara="1" wrap="square" lIns="91425" tIns="45700" rIns="91425" bIns="45700" anchor="ctr" anchorCtr="0">
+            <a:noAutofit/>
+          </a:bodyPr>
+          <a:lstStyle/>
+          <a:p>
+            <a:pPr marL="0" marR="0" lvl="0" indent="0" algn="ctr" rtl="0">
+              <a:spcBef>
+                <a:spcPts val="0"/>
+              </a:spcBef>
+              <a:spcAft>
+                <a:spcPts val="0"/>
+              </a:spcAft>
+              <a:buNone/>
+            </a:pPr>
+            <a:endParaRPr sz="2400" b="0" i="0" u="none" strike="noStrike" cap="none">
+              <a:solidFill>
+                <a:schemeClr val="lt1"/>
+              </a:solidFill>
+              <a:latin typeface="Arial"/>
+              <a:ea typeface="Arial"/>
+              <a:cs typeface="Arial"/>
+              <a:sym typeface="Arial"/>
+            </a:endParaRPr>
+          </a:p>
+        </p:txBody>
+      </p:sp>
+      <p:sp>
+        <p:nvSpPr>
+          <p:cNvPr id="259" name="Google Shape;259;p10"/>
+          <p:cNvSpPr txBox="1">
+            <a:spLocks noGrp="1"/>
+          </p:cNvSpPr>
+          <p:nvPr>
+            <p:ph type="title"/>
+          </p:nvPr>
+        </p:nvSpPr>
+        <p:spPr>
+          <a:xfrm>
+            <a:off x="482600" y="643467"/>
+            <a:ext cx="2522980" cy="1597315"/>
+          </a:xfrm>
+          <a:prstGeom prst="rect">
+            <a:avLst/>
+          </a:prstGeom>
+          <a:noFill/>
+          <a:ln w="19050" cap="flat" cmpd="sng">
+            <a:solidFill>
+              <a:schemeClr val="lt1"/>
+            </a:solidFill>
+            <a:prstDash val="solid"/>
+            <a:round/>
+            <a:headEnd type="none" w="sm" len="sm"/>
+            <a:tailEnd type="none" w="sm" len="sm"/>
+          </a:ln>
+        </p:spPr>
+        <p:txBody>
+          <a:bodyPr spcFirstLastPara="1" wrap="square" lIns="91425" tIns="45700" rIns="91425" bIns="45700" anchor="ctr" anchorCtr="0">
+            <a:normAutofit/>
+          </a:bodyPr>
+          <a:lstStyle/>
+          <a:p>
+            <a:pPr marL="0" lvl="0" indent="0" algn="ctr" rtl="0">
+              <a:lnSpc>
+                <a:spcPct val="90000"/>
+              </a:lnSpc>
+              <a:spcBef>
+                <a:spcPts val="0"/>
+              </a:spcBef>
+              <a:spcAft>
+                <a:spcPts val="0"/>
+              </a:spcAft>
+              <a:buNone/>
+            </a:pPr>
+            <a:r>
+              <a:rPr lang="en-US" sz="2400">
+                <a:solidFill>
+                  <a:schemeClr val="lt1"/>
+                </a:solidFill>
+                <a:latin typeface="Calibri"/>
+                <a:ea typeface="Calibri"/>
+                <a:cs typeface="Calibri"/>
+                <a:sym typeface="Calibri"/>
+              </a:rPr>
+              <a:t>Closing</a:t>
+            </a:r>
+            <a:r>
+              <a:rPr lang="en-US" sz="2400">
+                <a:solidFill>
+                  <a:schemeClr val="lt1"/>
+                </a:solidFill>
+              </a:rPr>
+              <a:t>?</a:t>
+            </a:r>
+            <a:endParaRPr sz="2400">
+              <a:solidFill>
+                <a:schemeClr val="lt1"/>
+              </a:solidFill>
+              <a:latin typeface="Calibri"/>
+              <a:ea typeface="Calibri"/>
+              <a:cs typeface="Calibri"/>
+              <a:sym typeface="Calibri"/>
+            </a:endParaRPr>
+          </a:p>
+        </p:txBody>
+      </p:sp>
+      <p:pic>
+        <p:nvPicPr>
+          <p:cNvPr id="260" name="Google Shape;260;p10"/>
+          <p:cNvPicPr preferRelativeResize="0"/>
+          <p:nvPr/>
+        </p:nvPicPr>
+        <p:blipFill rotWithShape="1">
+          <a:blip r:embed="rId3">
+            <a:alphaModFix/>
+          </a:blip>
+          <a:srcRect l="8000" r="9399"/>
+          <a:stretch/>
+        </p:blipFill>
+        <p:spPr>
+          <a:xfrm>
+            <a:off x="660103" y="3048000"/>
+            <a:ext cx="2167974" cy="2624666"/>
+          </a:xfrm>
+          <a:prstGeom prst="rect">
+            <a:avLst/>
+          </a:prstGeom>
+          <a:noFill/>
+          <a:ln>
+            <a:noFill/>
+          </a:ln>
+        </p:spPr>
+      </p:pic>
+      <p:sp>
+        <p:nvSpPr>
+          <p:cNvPr id="261" name="Google Shape;261;p10"/>
+          <p:cNvSpPr txBox="1"/>
+          <p:nvPr/>
+        </p:nvSpPr>
+        <p:spPr>
+          <a:xfrm>
+            <a:off x="3810000" y="643466"/>
+            <a:ext cx="4851400" cy="5833533"/>
+          </a:xfrm>
+          <a:prstGeom prst="rect">
+            <a:avLst/>
+          </a:prstGeom>
+          <a:noFill/>
+          <a:ln>
+            <a:noFill/>
+          </a:ln>
+        </p:spPr>
+        <p:txBody>
+          <a:bodyPr spcFirstLastPara="1" wrap="square" lIns="91425" tIns="45700" rIns="91425" bIns="45700" anchor="t" anchorCtr="0">
+            <a:noAutofit/>
+          </a:bodyPr>
+          <a:lstStyle/>
+          <a:p>
+            <a:pPr marL="342900" marR="0" lvl="0" indent="-101600" algn="l" rtl="0">
+              <a:lnSpc>
+                <a:spcPct val="90000"/>
+              </a:lnSpc>
+              <a:spcBef>
+                <a:spcPts val="0"/>
+              </a:spcBef>
+              <a:spcAft>
+                <a:spcPts val="0"/>
+              </a:spcAft>
+              <a:buClr>
+                <a:schemeClr val="dk1"/>
+              </a:buClr>
+              <a:buSzPts val="2000"/>
+              <a:buFont typeface="Arial"/>
+              <a:buNone/>
+            </a:pPr>
+            <a:endParaRPr sz="2000" b="0" i="0" u="none" strike="noStrike" cap="none">
+              <a:solidFill>
+                <a:srgbClr val="404040"/>
+              </a:solidFill>
+              <a:latin typeface="Calibri"/>
+              <a:ea typeface="Calibri"/>
+              <a:cs typeface="Calibri"/>
+              <a:sym typeface="Calibri"/>
+            </a:endParaRPr>
+          </a:p>
+          <a:p>
+            <a:pPr marL="342900" marR="0" lvl="0" indent="-101600" algn="l" rtl="0">
+              <a:lnSpc>
+                <a:spcPct val="90000"/>
+              </a:lnSpc>
+              <a:spcBef>
+                <a:spcPts val="400"/>
+              </a:spcBef>
+              <a:spcAft>
+                <a:spcPts val="0"/>
+              </a:spcAft>
+              <a:buClr>
+                <a:schemeClr val="dk1"/>
+              </a:buClr>
+              <a:buSzPts val="2000"/>
+              <a:buFont typeface="Arial"/>
+              <a:buNone/>
+            </a:pPr>
+            <a:endParaRPr sz="2000" b="0" i="0" u="none" strike="noStrike" cap="none">
+              <a:solidFill>
+                <a:srgbClr val="404040"/>
+              </a:solidFill>
+              <a:latin typeface="Calibri"/>
+              <a:ea typeface="Calibri"/>
+              <a:cs typeface="Calibri"/>
+              <a:sym typeface="Calibri"/>
+            </a:endParaRPr>
+          </a:p>
+        </p:txBody>
+      </p:sp>
+      <p:sp>
+        <p:nvSpPr>
+          <p:cNvPr id="262" name="Google Shape;262;p10"/>
+          <p:cNvSpPr txBox="1"/>
+          <p:nvPr/>
+        </p:nvSpPr>
+        <p:spPr>
+          <a:xfrm>
+            <a:off x="3973322" y="643466"/>
+            <a:ext cx="4851400" cy="5953916"/>
+          </a:xfrm>
+          <a:prstGeom prst="rect">
+            <a:avLst/>
+          </a:prstGeom>
+          <a:noFill/>
+          <a:ln>
+            <a:noFill/>
+          </a:ln>
+        </p:spPr>
+        <p:txBody>
+          <a:bodyPr spcFirstLastPara="1" wrap="square" lIns="91425" tIns="45700" rIns="91425" bIns="45700" anchor="t" anchorCtr="0">
+            <a:noAutofit/>
+          </a:bodyPr>
+          <a:lstStyle/>
+          <a:p>
+            <a:pPr marL="114300" marR="0" lvl="0" indent="0" algn="l" rtl="0">
+              <a:lnSpc>
+                <a:spcPct val="90000"/>
+              </a:lnSpc>
+              <a:spcBef>
+                <a:spcPts val="0"/>
+              </a:spcBef>
+              <a:spcAft>
+                <a:spcPts val="0"/>
+              </a:spcAft>
+              <a:buClr>
+                <a:srgbClr val="404040"/>
+              </a:buClr>
+              <a:buSzPts val="7200"/>
+              <a:buFont typeface="Arial"/>
+              <a:buNone/>
+            </a:pPr>
+            <a:r>
+              <a:rPr lang="en-US" sz="7200" b="0" i="0" u="none" strike="noStrike" cap="none">
+                <a:solidFill>
+                  <a:srgbClr val="404040"/>
+                </a:solidFill>
+                <a:latin typeface="Calibri"/>
+                <a:ea typeface="Calibri"/>
+                <a:cs typeface="Calibri"/>
+                <a:sym typeface="Calibri"/>
+              </a:rPr>
+              <a:t>Disperse and Make Reasonable Decisions</a:t>
+            </a:r>
+            <a:endParaRPr/>
+          </a:p>
+          <a:p>
+            <a:pPr marL="342900" marR="0" lvl="0" indent="0" algn="l" rtl="0">
+              <a:lnSpc>
+                <a:spcPct val="90000"/>
+              </a:lnSpc>
+              <a:spcBef>
+                <a:spcPts val="1440"/>
+              </a:spcBef>
+              <a:spcAft>
+                <a:spcPts val="0"/>
+              </a:spcAft>
+              <a:buClr>
+                <a:schemeClr val="dk1"/>
+              </a:buClr>
+              <a:buSzPts val="7200"/>
+              <a:buFont typeface="Arial"/>
+              <a:buNone/>
+            </a:pPr>
+            <a:endParaRPr sz="7200" b="0" i="0" u="none" strike="noStrike" cap="none">
+              <a:solidFill>
+                <a:srgbClr val="404040"/>
+              </a:solidFill>
+              <a:latin typeface="Calibri"/>
+              <a:ea typeface="Calibri"/>
+              <a:cs typeface="Calibri"/>
+              <a:sym typeface="Calibri"/>
+            </a:endParaRPr>
+          </a:p>
+          <a:p>
+            <a:pPr marL="342900" marR="0" lvl="0" indent="0" algn="l" rtl="0">
+              <a:lnSpc>
+                <a:spcPct val="90000"/>
+              </a:lnSpc>
+              <a:spcBef>
+                <a:spcPts val="1440"/>
+              </a:spcBef>
+              <a:spcAft>
+                <a:spcPts val="0"/>
+              </a:spcAft>
+              <a:buClr>
+                <a:schemeClr val="dk1"/>
+              </a:buClr>
+              <a:buSzPts val="7200"/>
+              <a:buFont typeface="Arial"/>
+              <a:buNone/>
+            </a:pPr>
+            <a:endParaRPr sz="7200" b="0" i="0" u="none" strike="noStrike" cap="none">
+              <a:solidFill>
+                <a:srgbClr val="404040"/>
+              </a:solidFill>
+              <a:latin typeface="Calibri"/>
+              <a:ea typeface="Calibri"/>
+              <a:cs typeface="Calibri"/>
+              <a:sym typeface="Calibri"/>
+            </a:endParaRPr>
+          </a:p>
+          <a:p>
+            <a:pPr marL="342900" marR="0" lvl="0" indent="0" algn="l" rtl="0">
+              <a:lnSpc>
+                <a:spcPct val="90000"/>
+              </a:lnSpc>
+              <a:spcBef>
+                <a:spcPts val="1440"/>
+              </a:spcBef>
+              <a:spcAft>
+                <a:spcPts val="0"/>
+              </a:spcAft>
+              <a:buClr>
+                <a:schemeClr val="dk1"/>
+              </a:buClr>
+              <a:buSzPts val="7200"/>
+              <a:buFont typeface="Arial"/>
+              <a:buNone/>
+            </a:pPr>
+            <a:endParaRPr sz="7200" b="0" i="0" u="none" strike="noStrike" cap="none">
+              <a:solidFill>
+                <a:srgbClr val="404040"/>
+              </a:solidFill>
+              <a:latin typeface="Calibri"/>
+              <a:ea typeface="Calibri"/>
+              <a:cs typeface="Calibri"/>
+              <a:sym typeface="Calibri"/>
+            </a:endParaRPr>
+          </a:p>
+          <a:p>
+            <a:pPr marL="342900" marR="0" lvl="0" indent="0" algn="l" rtl="0">
+              <a:lnSpc>
+                <a:spcPct val="90000"/>
+              </a:lnSpc>
+              <a:spcBef>
+                <a:spcPts val="1440"/>
+              </a:spcBef>
+              <a:spcAft>
+                <a:spcPts val="0"/>
+              </a:spcAft>
+              <a:buClr>
+                <a:schemeClr val="dk1"/>
+              </a:buClr>
+              <a:buSzPts val="7200"/>
+              <a:buFont typeface="Arial"/>
+              <a:buNone/>
+            </a:pPr>
+            <a:endParaRPr sz="7200" b="0" i="0" u="none" strike="noStrike" cap="none">
               <a:solidFill>
                 <a:srgbClr val="404040"/>
               </a:solidFill>

--- a/Lecture/Introduction/Intro_Lecture.pptx
+++ b/Lecture/Introduction/Intro_Lecture.pptx
@@ -13,9 +13,9 @@
     <p:sldId id="256" r:id="rId4"/>
     <p:sldId id="257" r:id="rId5"/>
     <p:sldId id="259" r:id="rId6"/>
-    <p:sldId id="260" r:id="rId7"/>
-    <p:sldId id="261" r:id="rId8"/>
-    <p:sldId id="262" r:id="rId9"/>
+    <p:sldId id="262" r:id="rId7"/>
+    <p:sldId id="260" r:id="rId8"/>
+    <p:sldId id="261" r:id="rId9"/>
     <p:sldId id="263" r:id="rId10"/>
     <p:sldId id="264" r:id="rId11"/>
     <p:sldId id="265" r:id="rId12"/>
@@ -281,7 +281,7 @@
       </p15:notesGuideLst>
     </p:ext>
     <p:ext uri="http://customooxmlschemas.google.com/">
-      <go:slidesCustomData xmlns:go="http://customooxmlschemas.google.com/" xmlns:ahyp="http://schemas.microsoft.com/office/drawing/2018/hyperlinkcolor" xmlns:p15="http://schemas.microsoft.com/office/powerpoint/2012/main" xmlns:p14="http://schemas.microsoft.com/office/powerpoint/2010/main" xmlns:com="http://schemas.openxmlformats.org/drawingml/2006/compatibility" xmlns:pvml="urn:schemas-microsoft-com:office:powerpoint" xmlns:v="urn:schemas-microsoft-com:vml" xmlns:o="urn:schemas-microsoft-com:office:office" xmlns:dgm="http://schemas.openxmlformats.org/drawingml/2006/diagram" xmlns:c="http://schemas.openxmlformats.org/drawingml/2006/chart" xmlns:mv="urn:schemas-microsoft-com:mac:vml" xmlns:mc="http://schemas.openxmlformats.org/markup-compatibility/2006" xmlns="" r:id="rId18" roundtripDataSignature="AMtx7mjq0nBUJQL3LjbNJDp+7lYH11Ce0A=="/>
+      <go:slidesCustomData xmlns="" xmlns:mc="http://schemas.openxmlformats.org/markup-compatibility/2006" xmlns:mv="urn:schemas-microsoft-com:mac:vml" xmlns:c="http://schemas.openxmlformats.org/drawingml/2006/chart" xmlns:dgm="http://schemas.openxmlformats.org/drawingml/2006/diagram" xmlns:o="urn:schemas-microsoft-com:office:office" xmlns:v="urn:schemas-microsoft-com:vml" xmlns:pvml="urn:schemas-microsoft-com:office:powerpoint" xmlns:com="http://schemas.openxmlformats.org/drawingml/2006/compatibility" xmlns:p14="http://schemas.microsoft.com/office/powerpoint/2010/main" xmlns:p15="http://schemas.microsoft.com/office/powerpoint/2012/main" xmlns:ahyp="http://schemas.microsoft.com/office/drawing/2018/hyperlinkcolor" xmlns:go="http://customooxmlschemas.google.com/" r:id="rId18" roundtripDataSignature="AMtx7mjq0nBUJQL3LjbNJDp+7lYH11Ce0A=="/>
     </p:ext>
   </p:extLst>
 </p:presentation>
@@ -1797,6 +1797,110 @@
   <p:cSld>
     <p:spTree>
       <p:nvGrpSpPr>
+        <p:cNvPr id="1" name="Shape 227"/>
+        <p:cNvGrpSpPr/>
+        <p:nvPr/>
+      </p:nvGrpSpPr>
+      <p:grpSpPr>
+        <a:xfrm>
+          <a:off x="0" y="0"/>
+          <a:ext cx="0" cy="0"/>
+          <a:chOff x="0" y="0"/>
+          <a:chExt cx="0" cy="0"/>
+        </a:xfrm>
+      </p:grpSpPr>
+      <p:sp>
+        <p:nvSpPr>
+          <p:cNvPr id="228" name="Google Shape;228;p7:notes"/>
+          <p:cNvSpPr txBox="1">
+            <a:spLocks noGrp="1"/>
+          </p:cNvSpPr>
+          <p:nvPr>
+            <p:ph type="body" idx="1"/>
+          </p:nvPr>
+        </p:nvSpPr>
+        <p:spPr>
+          <a:xfrm>
+            <a:off x="685800" y="4343400"/>
+            <a:ext cx="5486400" cy="4114800"/>
+          </a:xfrm>
+          <a:prstGeom prst="rect">
+            <a:avLst/>
+          </a:prstGeom>
+        </p:spPr>
+        <p:txBody>
+          <a:bodyPr spcFirstLastPara="1" wrap="square" lIns="91425" tIns="45700" rIns="91425" bIns="45700" anchor="t" anchorCtr="0">
+            <a:noAutofit/>
+          </a:bodyPr>
+          <a:lstStyle/>
+          <a:p>
+            <a:pPr marL="0" lvl="0" indent="0" algn="l" rtl="0">
+              <a:spcBef>
+                <a:spcPts val="360"/>
+              </a:spcBef>
+              <a:spcAft>
+                <a:spcPts val="0"/>
+              </a:spcAft>
+              <a:buNone/>
+            </a:pPr>
+            <a:endParaRPr/>
+          </a:p>
+        </p:txBody>
+      </p:sp>
+      <p:sp>
+        <p:nvSpPr>
+          <p:cNvPr id="229" name="Google Shape;229;p7:notes"/>
+          <p:cNvSpPr>
+            <a:spLocks noGrp="1" noRot="1" noChangeAspect="1"/>
+          </p:cNvSpPr>
+          <p:nvPr>
+            <p:ph type="sldImg" idx="2"/>
+          </p:nvPr>
+        </p:nvSpPr>
+        <p:spPr>
+          <a:xfrm>
+            <a:off x="1143000" y="685800"/>
+            <a:ext cx="4572000" cy="3429000"/>
+          </a:xfrm>
+          <a:custGeom>
+            <a:avLst/>
+            <a:gdLst/>
+            <a:ahLst/>
+            <a:cxnLst/>
+            <a:rect l="l" t="t" r="r" b="b"/>
+            <a:pathLst>
+              <a:path w="120000" h="120000" extrusionOk="0">
+                <a:moveTo>
+                  <a:pt x="0" y="0"/>
+                </a:moveTo>
+                <a:lnTo>
+                  <a:pt x="120000" y="0"/>
+                </a:lnTo>
+                <a:lnTo>
+                  <a:pt x="120000" y="120000"/>
+                </a:lnTo>
+                <a:lnTo>
+                  <a:pt x="0" y="120000"/>
+                </a:lnTo>
+                <a:close/>
+              </a:path>
+            </a:pathLst>
+          </a:custGeom>
+        </p:spPr>
+      </p:sp>
+    </p:spTree>
+  </p:cSld>
+  <p:clrMapOvr>
+    <a:masterClrMapping/>
+  </p:clrMapOvr>
+</p:notes>
+</file>
+
+<file path=ppt/notesSlides/notesSlide5.xml><?xml version="1.0" encoding="utf-8"?>
+<p:notes xmlns:a="http://schemas.openxmlformats.org/drawingml/2006/main" xmlns:r="http://schemas.openxmlformats.org/officeDocument/2006/relationships" xmlns:p="http://schemas.openxmlformats.org/presentationml/2006/main" showMasterSp="0" showMasterPhAnim="0">
+  <p:cSld>
+    <p:spTree>
+      <p:nvGrpSpPr>
         <p:cNvPr id="1" name="Shape 209"/>
         <p:cNvGrpSpPr/>
         <p:nvPr/>
@@ -1896,7 +2000,7 @@
 </p:notes>
 </file>
 
-<file path=ppt/notesSlides/notesSlide5.xml><?xml version="1.0" encoding="utf-8"?>
+<file path=ppt/notesSlides/notesSlide6.xml><?xml version="1.0" encoding="utf-8"?>
 <p:notes xmlns:a="http://schemas.openxmlformats.org/drawingml/2006/main" xmlns:r="http://schemas.openxmlformats.org/officeDocument/2006/relationships" xmlns:p="http://schemas.openxmlformats.org/presentationml/2006/main" showMasterSp="0" showMasterPhAnim="0">
   <p:cSld>
     <p:spTree>
@@ -1954,110 +2058,6 @@
       <p:sp>
         <p:nvSpPr>
           <p:cNvPr id="220" name="Google Shape;220;p6:notes"/>
-          <p:cNvSpPr>
-            <a:spLocks noGrp="1" noRot="1" noChangeAspect="1"/>
-          </p:cNvSpPr>
-          <p:nvPr>
-            <p:ph type="sldImg" idx="2"/>
-          </p:nvPr>
-        </p:nvSpPr>
-        <p:spPr>
-          <a:xfrm>
-            <a:off x="1143000" y="685800"/>
-            <a:ext cx="4572000" cy="3429000"/>
-          </a:xfrm>
-          <a:custGeom>
-            <a:avLst/>
-            <a:gdLst/>
-            <a:ahLst/>
-            <a:cxnLst/>
-            <a:rect l="l" t="t" r="r" b="b"/>
-            <a:pathLst>
-              <a:path w="120000" h="120000" extrusionOk="0">
-                <a:moveTo>
-                  <a:pt x="0" y="0"/>
-                </a:moveTo>
-                <a:lnTo>
-                  <a:pt x="120000" y="0"/>
-                </a:lnTo>
-                <a:lnTo>
-                  <a:pt x="120000" y="120000"/>
-                </a:lnTo>
-                <a:lnTo>
-                  <a:pt x="0" y="120000"/>
-                </a:lnTo>
-                <a:close/>
-              </a:path>
-            </a:pathLst>
-          </a:custGeom>
-        </p:spPr>
-      </p:sp>
-    </p:spTree>
-  </p:cSld>
-  <p:clrMapOvr>
-    <a:masterClrMapping/>
-  </p:clrMapOvr>
-</p:notes>
-</file>
-
-<file path=ppt/notesSlides/notesSlide6.xml><?xml version="1.0" encoding="utf-8"?>
-<p:notes xmlns:a="http://schemas.openxmlformats.org/drawingml/2006/main" xmlns:r="http://schemas.openxmlformats.org/officeDocument/2006/relationships" xmlns:p="http://schemas.openxmlformats.org/presentationml/2006/main" showMasterSp="0" showMasterPhAnim="0">
-  <p:cSld>
-    <p:spTree>
-      <p:nvGrpSpPr>
-        <p:cNvPr id="1" name="Shape 227"/>
-        <p:cNvGrpSpPr/>
-        <p:nvPr/>
-      </p:nvGrpSpPr>
-      <p:grpSpPr>
-        <a:xfrm>
-          <a:off x="0" y="0"/>
-          <a:ext cx="0" cy="0"/>
-          <a:chOff x="0" y="0"/>
-          <a:chExt cx="0" cy="0"/>
-        </a:xfrm>
-      </p:grpSpPr>
-      <p:sp>
-        <p:nvSpPr>
-          <p:cNvPr id="228" name="Google Shape;228;p7:notes"/>
-          <p:cNvSpPr txBox="1">
-            <a:spLocks noGrp="1"/>
-          </p:cNvSpPr>
-          <p:nvPr>
-            <p:ph type="body" idx="1"/>
-          </p:nvPr>
-        </p:nvSpPr>
-        <p:spPr>
-          <a:xfrm>
-            <a:off x="685800" y="4343400"/>
-            <a:ext cx="5486400" cy="4114800"/>
-          </a:xfrm>
-          <a:prstGeom prst="rect">
-            <a:avLst/>
-          </a:prstGeom>
-        </p:spPr>
-        <p:txBody>
-          <a:bodyPr spcFirstLastPara="1" wrap="square" lIns="91425" tIns="45700" rIns="91425" bIns="45700" anchor="t" anchorCtr="0">
-            <a:noAutofit/>
-          </a:bodyPr>
-          <a:lstStyle/>
-          <a:p>
-            <a:pPr marL="0" lvl="0" indent="0" algn="l" rtl="0">
-              <a:spcBef>
-                <a:spcPts val="360"/>
-              </a:spcBef>
-              <a:spcAft>
-                <a:spcPts val="0"/>
-              </a:spcAft>
-              <a:buNone/>
-            </a:pPr>
-            <a:endParaRPr/>
-          </a:p>
-        </p:txBody>
-      </p:sp>
-      <p:sp>
-        <p:nvSpPr>
-          <p:cNvPr id="229" name="Google Shape;229;p7:notes"/>
           <p:cNvSpPr>
             <a:spLocks noGrp="1" noRot="1" noChangeAspect="1"/>
           </p:cNvSpPr>
@@ -29259,6 +29259,469 @@
     </p:bg>
     <p:spTree>
       <p:nvGrpSpPr>
+        <p:cNvPr id="1" name="Shape 230"/>
+        <p:cNvGrpSpPr/>
+        <p:nvPr/>
+      </p:nvGrpSpPr>
+      <p:grpSpPr>
+        <a:xfrm>
+          <a:off x="0" y="0"/>
+          <a:ext cx="0" cy="0"/>
+          <a:chOff x="0" y="0"/>
+          <a:chExt cx="0" cy="0"/>
+        </a:xfrm>
+      </p:grpSpPr>
+      <p:sp>
+        <p:nvSpPr>
+          <p:cNvPr id="231" name="Google Shape;231;p7"/>
+          <p:cNvSpPr/>
+          <p:nvPr/>
+        </p:nvSpPr>
+        <p:spPr>
+          <a:xfrm>
+            <a:off x="0" y="0"/>
+            <a:ext cx="3490722" cy="6858000"/>
+          </a:xfrm>
+          <a:prstGeom prst="rect">
+            <a:avLst/>
+          </a:prstGeom>
+          <a:solidFill>
+            <a:srgbClr val="3F3F3F"/>
+          </a:solidFill>
+          <a:ln>
+            <a:noFill/>
+          </a:ln>
+        </p:spPr>
+        <p:txBody>
+          <a:bodyPr spcFirstLastPara="1" wrap="square" lIns="91425" tIns="45700" rIns="91425" bIns="45700" anchor="ctr" anchorCtr="0">
+            <a:noAutofit/>
+          </a:bodyPr>
+          <a:lstStyle/>
+          <a:p>
+            <a:pPr marL="0" marR="0" lvl="0" indent="0" algn="ctr" rtl="0">
+              <a:spcBef>
+                <a:spcPts val="0"/>
+              </a:spcBef>
+              <a:spcAft>
+                <a:spcPts val="0"/>
+              </a:spcAft>
+              <a:buNone/>
+            </a:pPr>
+            <a:endParaRPr sz="2400" b="0" i="0" u="none" strike="noStrike" cap="none">
+              <a:solidFill>
+                <a:schemeClr val="lt1"/>
+              </a:solidFill>
+              <a:latin typeface="Arial"/>
+              <a:ea typeface="Arial"/>
+              <a:cs typeface="Arial"/>
+              <a:sym typeface="Arial"/>
+            </a:endParaRPr>
+          </a:p>
+        </p:txBody>
+      </p:sp>
+      <p:sp>
+        <p:nvSpPr>
+          <p:cNvPr id="232" name="Google Shape;232;p7"/>
+          <p:cNvSpPr txBox="1">
+            <a:spLocks noGrp="1"/>
+          </p:cNvSpPr>
+          <p:nvPr>
+            <p:ph type="title"/>
+          </p:nvPr>
+        </p:nvSpPr>
+        <p:spPr>
+          <a:xfrm>
+            <a:off x="482600" y="643467"/>
+            <a:ext cx="2522980" cy="1597315"/>
+          </a:xfrm>
+          <a:prstGeom prst="rect">
+            <a:avLst/>
+          </a:prstGeom>
+          <a:noFill/>
+          <a:ln w="19050" cap="flat" cmpd="sng">
+            <a:solidFill>
+              <a:schemeClr val="lt1"/>
+            </a:solidFill>
+            <a:prstDash val="solid"/>
+            <a:round/>
+            <a:headEnd type="none" w="sm" len="sm"/>
+            <a:tailEnd type="none" w="sm" len="sm"/>
+          </a:ln>
+        </p:spPr>
+        <p:txBody>
+          <a:bodyPr spcFirstLastPara="1" wrap="square" lIns="91425" tIns="45700" rIns="91425" bIns="45700" anchor="ctr" anchorCtr="0">
+            <a:normAutofit/>
+          </a:bodyPr>
+          <a:lstStyle/>
+          <a:p>
+            <a:pPr marL="0" lvl="0" indent="0" algn="ctr" rtl="0">
+              <a:lnSpc>
+                <a:spcPct val="90000"/>
+              </a:lnSpc>
+              <a:spcBef>
+                <a:spcPts val="0"/>
+              </a:spcBef>
+              <a:spcAft>
+                <a:spcPts val="0"/>
+              </a:spcAft>
+              <a:buNone/>
+            </a:pPr>
+            <a:r>
+              <a:rPr lang="en-US" sz="2400" dirty="0">
+                <a:solidFill>
+                  <a:schemeClr val="lt1"/>
+                </a:solidFill>
+                <a:latin typeface="Calibri"/>
+                <a:ea typeface="Calibri"/>
+                <a:cs typeface="Calibri"/>
+                <a:sym typeface="Calibri"/>
+              </a:rPr>
+              <a:t>What Will </a:t>
+            </a:r>
+            <a:r>
+              <a:rPr lang="en-US" sz="2400" dirty="0">
+                <a:solidFill>
+                  <a:schemeClr val="lt1"/>
+                </a:solidFill>
+              </a:rPr>
+              <a:t>We Do?</a:t>
+            </a:r>
+            <a:endParaRPr sz="2400" dirty="0">
+              <a:solidFill>
+                <a:schemeClr val="lt1"/>
+              </a:solidFill>
+              <a:latin typeface="Calibri"/>
+              <a:ea typeface="Calibri"/>
+              <a:cs typeface="Calibri"/>
+              <a:sym typeface="Calibri"/>
+            </a:endParaRPr>
+          </a:p>
+        </p:txBody>
+      </p:sp>
+      <p:pic>
+        <p:nvPicPr>
+          <p:cNvPr id="233" name="Google Shape;233;p7"/>
+          <p:cNvPicPr preferRelativeResize="0"/>
+          <p:nvPr/>
+        </p:nvPicPr>
+        <p:blipFill rotWithShape="1">
+          <a:blip r:embed="rId3">
+            <a:alphaModFix/>
+          </a:blip>
+          <a:srcRect l="8000" r="9399"/>
+          <a:stretch/>
+        </p:blipFill>
+        <p:spPr>
+          <a:xfrm>
+            <a:off x="660103" y="3048000"/>
+            <a:ext cx="2167974" cy="2624666"/>
+          </a:xfrm>
+          <a:prstGeom prst="rect">
+            <a:avLst/>
+          </a:prstGeom>
+          <a:noFill/>
+          <a:ln>
+            <a:noFill/>
+          </a:ln>
+        </p:spPr>
+      </p:pic>
+      <p:sp>
+        <p:nvSpPr>
+          <p:cNvPr id="234" name="Google Shape;234;p7"/>
+          <p:cNvSpPr txBox="1"/>
+          <p:nvPr/>
+        </p:nvSpPr>
+        <p:spPr>
+          <a:xfrm>
+            <a:off x="3810000" y="643466"/>
+            <a:ext cx="4851400" cy="5833533"/>
+          </a:xfrm>
+          <a:prstGeom prst="rect">
+            <a:avLst/>
+          </a:prstGeom>
+          <a:noFill/>
+          <a:ln>
+            <a:noFill/>
+          </a:ln>
+        </p:spPr>
+        <p:txBody>
+          <a:bodyPr spcFirstLastPara="1" wrap="square" lIns="91425" tIns="45700" rIns="91425" bIns="45700" anchor="t" anchorCtr="0">
+            <a:noAutofit/>
+          </a:bodyPr>
+          <a:lstStyle/>
+          <a:p>
+            <a:pPr marL="342900" marR="0" lvl="0" indent="-101600" algn="l" rtl="0">
+              <a:lnSpc>
+                <a:spcPct val="90000"/>
+              </a:lnSpc>
+              <a:spcBef>
+                <a:spcPts val="0"/>
+              </a:spcBef>
+              <a:spcAft>
+                <a:spcPts val="0"/>
+              </a:spcAft>
+              <a:buClr>
+                <a:schemeClr val="dk1"/>
+              </a:buClr>
+              <a:buSzPts val="2000"/>
+              <a:buFont typeface="Arial"/>
+              <a:buNone/>
+            </a:pPr>
+            <a:endParaRPr sz="2000" b="0" i="0" u="none" strike="noStrike" cap="none">
+              <a:solidFill>
+                <a:srgbClr val="404040"/>
+              </a:solidFill>
+              <a:latin typeface="Calibri"/>
+              <a:ea typeface="Calibri"/>
+              <a:cs typeface="Calibri"/>
+              <a:sym typeface="Calibri"/>
+            </a:endParaRPr>
+          </a:p>
+          <a:p>
+            <a:pPr marL="342900" marR="0" lvl="0" indent="-101600" algn="l" rtl="0">
+              <a:lnSpc>
+                <a:spcPct val="90000"/>
+              </a:lnSpc>
+              <a:spcBef>
+                <a:spcPts val="400"/>
+              </a:spcBef>
+              <a:spcAft>
+                <a:spcPts val="0"/>
+              </a:spcAft>
+              <a:buClr>
+                <a:schemeClr val="dk1"/>
+              </a:buClr>
+              <a:buSzPts val="2000"/>
+              <a:buFont typeface="Arial"/>
+              <a:buNone/>
+            </a:pPr>
+            <a:endParaRPr sz="2000" b="0" i="0" u="none" strike="noStrike" cap="none">
+              <a:solidFill>
+                <a:srgbClr val="404040"/>
+              </a:solidFill>
+              <a:latin typeface="Calibri"/>
+              <a:ea typeface="Calibri"/>
+              <a:cs typeface="Calibri"/>
+              <a:sym typeface="Calibri"/>
+            </a:endParaRPr>
+          </a:p>
+        </p:txBody>
+      </p:sp>
+      <p:sp>
+        <p:nvSpPr>
+          <p:cNvPr id="235" name="Google Shape;235;p7"/>
+          <p:cNvSpPr txBox="1"/>
+          <p:nvPr/>
+        </p:nvSpPr>
+        <p:spPr>
+          <a:xfrm>
+            <a:off x="3962400" y="795866"/>
+            <a:ext cx="4851400" cy="5833533"/>
+          </a:xfrm>
+          <a:prstGeom prst="rect">
+            <a:avLst/>
+          </a:prstGeom>
+          <a:noFill/>
+          <a:ln>
+            <a:noFill/>
+          </a:ln>
+        </p:spPr>
+        <p:txBody>
+          <a:bodyPr spcFirstLastPara="1" wrap="square" lIns="91425" tIns="45700" rIns="91425" bIns="45700" anchor="t" anchorCtr="0">
+            <a:noAutofit/>
+          </a:bodyPr>
+          <a:lstStyle/>
+          <a:p>
+            <a:pPr marL="342900" marR="0" lvl="0" indent="-228600" algn="l" rtl="0">
+              <a:lnSpc>
+                <a:spcPct val="90000"/>
+              </a:lnSpc>
+              <a:spcBef>
+                <a:spcPts val="0"/>
+              </a:spcBef>
+              <a:spcAft>
+                <a:spcPts val="0"/>
+              </a:spcAft>
+              <a:buClr>
+                <a:srgbClr val="404040"/>
+              </a:buClr>
+              <a:buSzPts val="2400"/>
+              <a:buFont typeface="Arial"/>
+              <a:buChar char="•"/>
+            </a:pPr>
+            <a:r>
+              <a:rPr lang="en-US" sz="2400" b="0" i="0" u="none" strike="noStrike" cap="none">
+                <a:solidFill>
+                  <a:srgbClr val="404040"/>
+                </a:solidFill>
+                <a:latin typeface="Calibri"/>
+                <a:ea typeface="Calibri"/>
+                <a:cs typeface="Calibri"/>
+                <a:sym typeface="Calibri"/>
+              </a:rPr>
+              <a:t>Develop Skills that Turn into $$$</a:t>
+            </a:r>
+            <a:endParaRPr/>
+          </a:p>
+          <a:p>
+            <a:pPr marL="742950" marR="0" lvl="1" indent="-228600" algn="l" rtl="0">
+              <a:lnSpc>
+                <a:spcPct val="90000"/>
+              </a:lnSpc>
+              <a:spcBef>
+                <a:spcPts val="480"/>
+              </a:spcBef>
+              <a:spcAft>
+                <a:spcPts val="0"/>
+              </a:spcAft>
+              <a:buClr>
+                <a:srgbClr val="404040"/>
+              </a:buClr>
+              <a:buSzPts val="2400"/>
+              <a:buFont typeface="Arial"/>
+              <a:buChar char="•"/>
+            </a:pPr>
+            <a:r>
+              <a:rPr lang="en-US" sz="2400" b="0" i="0" u="none" strike="noStrike" cap="none">
+                <a:solidFill>
+                  <a:srgbClr val="404040"/>
+                </a:solidFill>
+                <a:latin typeface="Calibri"/>
+                <a:ea typeface="Calibri"/>
+                <a:cs typeface="Calibri"/>
+                <a:sym typeface="Calibri"/>
+              </a:rPr>
+              <a:t>Computer Programming</a:t>
+            </a:r>
+            <a:endParaRPr/>
+          </a:p>
+          <a:p>
+            <a:pPr marL="742950" marR="0" lvl="1" indent="-228600" algn="l" rtl="0">
+              <a:lnSpc>
+                <a:spcPct val="90000"/>
+              </a:lnSpc>
+              <a:spcBef>
+                <a:spcPts val="480"/>
+              </a:spcBef>
+              <a:spcAft>
+                <a:spcPts val="0"/>
+              </a:spcAft>
+              <a:buClr>
+                <a:srgbClr val="404040"/>
+              </a:buClr>
+              <a:buSzPts val="2400"/>
+              <a:buFont typeface="Arial"/>
+              <a:buChar char="•"/>
+            </a:pPr>
+            <a:r>
+              <a:rPr lang="en-US" sz="2400" b="0" i="0" u="none" strike="noStrike" cap="none">
+                <a:solidFill>
+                  <a:srgbClr val="404040"/>
+                </a:solidFill>
+                <a:latin typeface="Calibri"/>
+                <a:ea typeface="Calibri"/>
+                <a:cs typeface="Calibri"/>
+                <a:sym typeface="Calibri"/>
+              </a:rPr>
+              <a:t>Statistical Analyses</a:t>
+            </a:r>
+            <a:endParaRPr/>
+          </a:p>
+          <a:p>
+            <a:pPr marL="742950" marR="0" lvl="1" indent="-228600" algn="l" rtl="0">
+              <a:lnSpc>
+                <a:spcPct val="90000"/>
+              </a:lnSpc>
+              <a:spcBef>
+                <a:spcPts val="480"/>
+              </a:spcBef>
+              <a:spcAft>
+                <a:spcPts val="0"/>
+              </a:spcAft>
+              <a:buClr>
+                <a:srgbClr val="404040"/>
+              </a:buClr>
+              <a:buSzPts val="2400"/>
+              <a:buFont typeface="Arial"/>
+              <a:buChar char="•"/>
+            </a:pPr>
+            <a:r>
+              <a:rPr lang="en-US" sz="2400" b="0" i="0" u="none" strike="noStrike" cap="none">
+                <a:solidFill>
+                  <a:srgbClr val="404040"/>
+                </a:solidFill>
+                <a:latin typeface="Calibri"/>
+                <a:ea typeface="Calibri"/>
+                <a:cs typeface="Calibri"/>
+                <a:sym typeface="Calibri"/>
+              </a:rPr>
+              <a:t>Written and Verbal Communication Skills</a:t>
+            </a:r>
+            <a:endParaRPr/>
+          </a:p>
+          <a:p>
+            <a:pPr marL="742950" marR="0" lvl="1" indent="-228600" algn="l" rtl="0">
+              <a:lnSpc>
+                <a:spcPct val="90000"/>
+              </a:lnSpc>
+              <a:spcBef>
+                <a:spcPts val="480"/>
+              </a:spcBef>
+              <a:spcAft>
+                <a:spcPts val="0"/>
+              </a:spcAft>
+              <a:buClr>
+                <a:srgbClr val="404040"/>
+              </a:buClr>
+              <a:buSzPts val="2400"/>
+              <a:buFont typeface="Arial"/>
+              <a:buChar char="•"/>
+            </a:pPr>
+            <a:r>
+              <a:rPr lang="en-US" sz="2400" b="0" i="0" u="none" strike="noStrike" cap="none">
+                <a:solidFill>
+                  <a:srgbClr val="404040"/>
+                </a:solidFill>
+                <a:latin typeface="Calibri"/>
+                <a:ea typeface="Calibri"/>
+                <a:cs typeface="Calibri"/>
+                <a:sym typeface="Calibri"/>
+              </a:rPr>
+              <a:t>Creativity and Innovation</a:t>
+            </a:r>
+            <a:endParaRPr sz="2400" b="0" i="0" u="none" strike="noStrike" cap="none">
+              <a:solidFill>
+                <a:srgbClr val="404040"/>
+              </a:solidFill>
+              <a:latin typeface="Calibri"/>
+              <a:ea typeface="Calibri"/>
+              <a:cs typeface="Calibri"/>
+              <a:sym typeface="Calibri"/>
+            </a:endParaRPr>
+          </a:p>
+        </p:txBody>
+      </p:sp>
+    </p:spTree>
+  </p:cSld>
+  <p:clrMapOvr>
+    <a:masterClrMapping/>
+  </p:clrMapOvr>
+</p:sld>
+</file>
+
+<file path=ppt/slides/slide5.xml><?xml version="1.0" encoding="utf-8"?>
+<p:sld xmlns:a="http://schemas.openxmlformats.org/drawingml/2006/main" xmlns:r="http://schemas.openxmlformats.org/officeDocument/2006/relationships" xmlns:p="http://schemas.openxmlformats.org/presentationml/2006/main">
+  <p:cSld>
+    <p:bg>
+      <p:bgPr>
+        <a:solidFill>
+          <a:srgbClr val="D8D8D8"/>
+        </a:solidFill>
+        <a:effectLst/>
+      </p:bgPr>
+    </p:bg>
+    <p:spTree>
+      <p:nvGrpSpPr>
         <p:cNvPr id="1" name="Shape 212"/>
         <p:cNvGrpSpPr/>
         <p:nvPr/>
@@ -29934,7 +30397,7 @@
 </p:sld>
 </file>
 
-<file path=ppt/slides/slide5.xml><?xml version="1.0" encoding="utf-8"?>
+<file path=ppt/slides/slide6.xml><?xml version="1.0" encoding="utf-8"?>
 <p:sld xmlns:a="http://schemas.openxmlformats.org/drawingml/2006/main" xmlns:r="http://schemas.openxmlformats.org/officeDocument/2006/relationships" xmlns:p="http://schemas.openxmlformats.org/presentationml/2006/main">
   <p:cSld>
     <p:bg>
@@ -30613,469 +31076,6 @@
               <a:t>Submit as HTML Files</a:t>
             </a:r>
             <a:endParaRPr/>
-          </a:p>
-        </p:txBody>
-      </p:sp>
-    </p:spTree>
-  </p:cSld>
-  <p:clrMapOvr>
-    <a:masterClrMapping/>
-  </p:clrMapOvr>
-</p:sld>
-</file>
-
-<file path=ppt/slides/slide6.xml><?xml version="1.0" encoding="utf-8"?>
-<p:sld xmlns:a="http://schemas.openxmlformats.org/drawingml/2006/main" xmlns:r="http://schemas.openxmlformats.org/officeDocument/2006/relationships" xmlns:p="http://schemas.openxmlformats.org/presentationml/2006/main">
-  <p:cSld>
-    <p:bg>
-      <p:bgPr>
-        <a:solidFill>
-          <a:srgbClr val="D8D8D8"/>
-        </a:solidFill>
-        <a:effectLst/>
-      </p:bgPr>
-    </p:bg>
-    <p:spTree>
-      <p:nvGrpSpPr>
-        <p:cNvPr id="1" name="Shape 230"/>
-        <p:cNvGrpSpPr/>
-        <p:nvPr/>
-      </p:nvGrpSpPr>
-      <p:grpSpPr>
-        <a:xfrm>
-          <a:off x="0" y="0"/>
-          <a:ext cx="0" cy="0"/>
-          <a:chOff x="0" y="0"/>
-          <a:chExt cx="0" cy="0"/>
-        </a:xfrm>
-      </p:grpSpPr>
-      <p:sp>
-        <p:nvSpPr>
-          <p:cNvPr id="231" name="Google Shape;231;p7"/>
-          <p:cNvSpPr/>
-          <p:nvPr/>
-        </p:nvSpPr>
-        <p:spPr>
-          <a:xfrm>
-            <a:off x="0" y="0"/>
-            <a:ext cx="3490722" cy="6858000"/>
-          </a:xfrm>
-          <a:prstGeom prst="rect">
-            <a:avLst/>
-          </a:prstGeom>
-          <a:solidFill>
-            <a:srgbClr val="3F3F3F"/>
-          </a:solidFill>
-          <a:ln>
-            <a:noFill/>
-          </a:ln>
-        </p:spPr>
-        <p:txBody>
-          <a:bodyPr spcFirstLastPara="1" wrap="square" lIns="91425" tIns="45700" rIns="91425" bIns="45700" anchor="ctr" anchorCtr="0">
-            <a:noAutofit/>
-          </a:bodyPr>
-          <a:lstStyle/>
-          <a:p>
-            <a:pPr marL="0" marR="0" lvl="0" indent="0" algn="ctr" rtl="0">
-              <a:spcBef>
-                <a:spcPts val="0"/>
-              </a:spcBef>
-              <a:spcAft>
-                <a:spcPts val="0"/>
-              </a:spcAft>
-              <a:buNone/>
-            </a:pPr>
-            <a:endParaRPr sz="2400" b="0" i="0" u="none" strike="noStrike" cap="none">
-              <a:solidFill>
-                <a:schemeClr val="lt1"/>
-              </a:solidFill>
-              <a:latin typeface="Arial"/>
-              <a:ea typeface="Arial"/>
-              <a:cs typeface="Arial"/>
-              <a:sym typeface="Arial"/>
-            </a:endParaRPr>
-          </a:p>
-        </p:txBody>
-      </p:sp>
-      <p:sp>
-        <p:nvSpPr>
-          <p:cNvPr id="232" name="Google Shape;232;p7"/>
-          <p:cNvSpPr txBox="1">
-            <a:spLocks noGrp="1"/>
-          </p:cNvSpPr>
-          <p:nvPr>
-            <p:ph type="title"/>
-          </p:nvPr>
-        </p:nvSpPr>
-        <p:spPr>
-          <a:xfrm>
-            <a:off x="482600" y="643467"/>
-            <a:ext cx="2522980" cy="1597315"/>
-          </a:xfrm>
-          <a:prstGeom prst="rect">
-            <a:avLst/>
-          </a:prstGeom>
-          <a:noFill/>
-          <a:ln w="19050" cap="flat" cmpd="sng">
-            <a:solidFill>
-              <a:schemeClr val="lt1"/>
-            </a:solidFill>
-            <a:prstDash val="solid"/>
-            <a:round/>
-            <a:headEnd type="none" w="sm" len="sm"/>
-            <a:tailEnd type="none" w="sm" len="sm"/>
-          </a:ln>
-        </p:spPr>
-        <p:txBody>
-          <a:bodyPr spcFirstLastPara="1" wrap="square" lIns="91425" tIns="45700" rIns="91425" bIns="45700" anchor="ctr" anchorCtr="0">
-            <a:normAutofit/>
-          </a:bodyPr>
-          <a:lstStyle/>
-          <a:p>
-            <a:pPr marL="0" lvl="0" indent="0" algn="ctr" rtl="0">
-              <a:lnSpc>
-                <a:spcPct val="90000"/>
-              </a:lnSpc>
-              <a:spcBef>
-                <a:spcPts val="0"/>
-              </a:spcBef>
-              <a:spcAft>
-                <a:spcPts val="0"/>
-              </a:spcAft>
-              <a:buNone/>
-            </a:pPr>
-            <a:r>
-              <a:rPr lang="en-US" sz="2400" dirty="0">
-                <a:solidFill>
-                  <a:schemeClr val="lt1"/>
-                </a:solidFill>
-                <a:latin typeface="Calibri"/>
-                <a:ea typeface="Calibri"/>
-                <a:cs typeface="Calibri"/>
-                <a:sym typeface="Calibri"/>
-              </a:rPr>
-              <a:t>What Will </a:t>
-            </a:r>
-            <a:r>
-              <a:rPr lang="en-US" sz="2400" dirty="0">
-                <a:solidFill>
-                  <a:schemeClr val="lt1"/>
-                </a:solidFill>
-              </a:rPr>
-              <a:t>We Do?</a:t>
-            </a:r>
-            <a:endParaRPr sz="2400" dirty="0">
-              <a:solidFill>
-                <a:schemeClr val="lt1"/>
-              </a:solidFill>
-              <a:latin typeface="Calibri"/>
-              <a:ea typeface="Calibri"/>
-              <a:cs typeface="Calibri"/>
-              <a:sym typeface="Calibri"/>
-            </a:endParaRPr>
-          </a:p>
-        </p:txBody>
-      </p:sp>
-      <p:pic>
-        <p:nvPicPr>
-          <p:cNvPr id="233" name="Google Shape;233;p7"/>
-          <p:cNvPicPr preferRelativeResize="0"/>
-          <p:nvPr/>
-        </p:nvPicPr>
-        <p:blipFill rotWithShape="1">
-          <a:blip r:embed="rId3">
-            <a:alphaModFix/>
-          </a:blip>
-          <a:srcRect l="8000" r="9399"/>
-          <a:stretch/>
-        </p:blipFill>
-        <p:spPr>
-          <a:xfrm>
-            <a:off x="660103" y="3048000"/>
-            <a:ext cx="2167974" cy="2624666"/>
-          </a:xfrm>
-          <a:prstGeom prst="rect">
-            <a:avLst/>
-          </a:prstGeom>
-          <a:noFill/>
-          <a:ln>
-            <a:noFill/>
-          </a:ln>
-        </p:spPr>
-      </p:pic>
-      <p:sp>
-        <p:nvSpPr>
-          <p:cNvPr id="234" name="Google Shape;234;p7"/>
-          <p:cNvSpPr txBox="1"/>
-          <p:nvPr/>
-        </p:nvSpPr>
-        <p:spPr>
-          <a:xfrm>
-            <a:off x="3810000" y="643466"/>
-            <a:ext cx="4851400" cy="5833533"/>
-          </a:xfrm>
-          <a:prstGeom prst="rect">
-            <a:avLst/>
-          </a:prstGeom>
-          <a:noFill/>
-          <a:ln>
-            <a:noFill/>
-          </a:ln>
-        </p:spPr>
-        <p:txBody>
-          <a:bodyPr spcFirstLastPara="1" wrap="square" lIns="91425" tIns="45700" rIns="91425" bIns="45700" anchor="t" anchorCtr="0">
-            <a:noAutofit/>
-          </a:bodyPr>
-          <a:lstStyle/>
-          <a:p>
-            <a:pPr marL="342900" marR="0" lvl="0" indent="-101600" algn="l" rtl="0">
-              <a:lnSpc>
-                <a:spcPct val="90000"/>
-              </a:lnSpc>
-              <a:spcBef>
-                <a:spcPts val="0"/>
-              </a:spcBef>
-              <a:spcAft>
-                <a:spcPts val="0"/>
-              </a:spcAft>
-              <a:buClr>
-                <a:schemeClr val="dk1"/>
-              </a:buClr>
-              <a:buSzPts val="2000"/>
-              <a:buFont typeface="Arial"/>
-              <a:buNone/>
-            </a:pPr>
-            <a:endParaRPr sz="2000" b="0" i="0" u="none" strike="noStrike" cap="none">
-              <a:solidFill>
-                <a:srgbClr val="404040"/>
-              </a:solidFill>
-              <a:latin typeface="Calibri"/>
-              <a:ea typeface="Calibri"/>
-              <a:cs typeface="Calibri"/>
-              <a:sym typeface="Calibri"/>
-            </a:endParaRPr>
-          </a:p>
-          <a:p>
-            <a:pPr marL="342900" marR="0" lvl="0" indent="-101600" algn="l" rtl="0">
-              <a:lnSpc>
-                <a:spcPct val="90000"/>
-              </a:lnSpc>
-              <a:spcBef>
-                <a:spcPts val="400"/>
-              </a:spcBef>
-              <a:spcAft>
-                <a:spcPts val="0"/>
-              </a:spcAft>
-              <a:buClr>
-                <a:schemeClr val="dk1"/>
-              </a:buClr>
-              <a:buSzPts val="2000"/>
-              <a:buFont typeface="Arial"/>
-              <a:buNone/>
-            </a:pPr>
-            <a:endParaRPr sz="2000" b="0" i="0" u="none" strike="noStrike" cap="none">
-              <a:solidFill>
-                <a:srgbClr val="404040"/>
-              </a:solidFill>
-              <a:latin typeface="Calibri"/>
-              <a:ea typeface="Calibri"/>
-              <a:cs typeface="Calibri"/>
-              <a:sym typeface="Calibri"/>
-            </a:endParaRPr>
-          </a:p>
-        </p:txBody>
-      </p:sp>
-      <p:sp>
-        <p:nvSpPr>
-          <p:cNvPr id="235" name="Google Shape;235;p7"/>
-          <p:cNvSpPr txBox="1"/>
-          <p:nvPr/>
-        </p:nvSpPr>
-        <p:spPr>
-          <a:xfrm>
-            <a:off x="3962400" y="795866"/>
-            <a:ext cx="4851400" cy="5833533"/>
-          </a:xfrm>
-          <a:prstGeom prst="rect">
-            <a:avLst/>
-          </a:prstGeom>
-          <a:noFill/>
-          <a:ln>
-            <a:noFill/>
-          </a:ln>
-        </p:spPr>
-        <p:txBody>
-          <a:bodyPr spcFirstLastPara="1" wrap="square" lIns="91425" tIns="45700" rIns="91425" bIns="45700" anchor="t" anchorCtr="0">
-            <a:noAutofit/>
-          </a:bodyPr>
-          <a:lstStyle/>
-          <a:p>
-            <a:pPr marL="342900" marR="0" lvl="0" indent="-228600" algn="l" rtl="0">
-              <a:lnSpc>
-                <a:spcPct val="90000"/>
-              </a:lnSpc>
-              <a:spcBef>
-                <a:spcPts val="0"/>
-              </a:spcBef>
-              <a:spcAft>
-                <a:spcPts val="0"/>
-              </a:spcAft>
-              <a:buClr>
-                <a:srgbClr val="404040"/>
-              </a:buClr>
-              <a:buSzPts val="2400"/>
-              <a:buFont typeface="Arial"/>
-              <a:buChar char="•"/>
-            </a:pPr>
-            <a:r>
-              <a:rPr lang="en-US" sz="2400" b="0" i="0" u="none" strike="noStrike" cap="none">
-                <a:solidFill>
-                  <a:srgbClr val="404040"/>
-                </a:solidFill>
-                <a:latin typeface="Calibri"/>
-                <a:ea typeface="Calibri"/>
-                <a:cs typeface="Calibri"/>
-                <a:sym typeface="Calibri"/>
-              </a:rPr>
-              <a:t>Develop Skills that Turn into $$$</a:t>
-            </a:r>
-            <a:endParaRPr/>
-          </a:p>
-          <a:p>
-            <a:pPr marL="742950" marR="0" lvl="1" indent="-228600" algn="l" rtl="0">
-              <a:lnSpc>
-                <a:spcPct val="90000"/>
-              </a:lnSpc>
-              <a:spcBef>
-                <a:spcPts val="480"/>
-              </a:spcBef>
-              <a:spcAft>
-                <a:spcPts val="0"/>
-              </a:spcAft>
-              <a:buClr>
-                <a:srgbClr val="404040"/>
-              </a:buClr>
-              <a:buSzPts val="2400"/>
-              <a:buFont typeface="Arial"/>
-              <a:buChar char="•"/>
-            </a:pPr>
-            <a:r>
-              <a:rPr lang="en-US" sz="2400" b="0" i="0" u="none" strike="noStrike" cap="none">
-                <a:solidFill>
-                  <a:srgbClr val="404040"/>
-                </a:solidFill>
-                <a:latin typeface="Calibri"/>
-                <a:ea typeface="Calibri"/>
-                <a:cs typeface="Calibri"/>
-                <a:sym typeface="Calibri"/>
-              </a:rPr>
-              <a:t>Computer Programming</a:t>
-            </a:r>
-            <a:endParaRPr/>
-          </a:p>
-          <a:p>
-            <a:pPr marL="742950" marR="0" lvl="1" indent="-228600" algn="l" rtl="0">
-              <a:lnSpc>
-                <a:spcPct val="90000"/>
-              </a:lnSpc>
-              <a:spcBef>
-                <a:spcPts val="480"/>
-              </a:spcBef>
-              <a:spcAft>
-                <a:spcPts val="0"/>
-              </a:spcAft>
-              <a:buClr>
-                <a:srgbClr val="404040"/>
-              </a:buClr>
-              <a:buSzPts val="2400"/>
-              <a:buFont typeface="Arial"/>
-              <a:buChar char="•"/>
-            </a:pPr>
-            <a:r>
-              <a:rPr lang="en-US" sz="2400" b="0" i="0" u="none" strike="noStrike" cap="none">
-                <a:solidFill>
-                  <a:srgbClr val="404040"/>
-                </a:solidFill>
-                <a:latin typeface="Calibri"/>
-                <a:ea typeface="Calibri"/>
-                <a:cs typeface="Calibri"/>
-                <a:sym typeface="Calibri"/>
-              </a:rPr>
-              <a:t>Statistical Analyses</a:t>
-            </a:r>
-            <a:endParaRPr/>
-          </a:p>
-          <a:p>
-            <a:pPr marL="742950" marR="0" lvl="1" indent="-228600" algn="l" rtl="0">
-              <a:lnSpc>
-                <a:spcPct val="90000"/>
-              </a:lnSpc>
-              <a:spcBef>
-                <a:spcPts val="480"/>
-              </a:spcBef>
-              <a:spcAft>
-                <a:spcPts val="0"/>
-              </a:spcAft>
-              <a:buClr>
-                <a:srgbClr val="404040"/>
-              </a:buClr>
-              <a:buSzPts val="2400"/>
-              <a:buFont typeface="Arial"/>
-              <a:buChar char="•"/>
-            </a:pPr>
-            <a:r>
-              <a:rPr lang="en-US" sz="2400" b="0" i="0" u="none" strike="noStrike" cap="none">
-                <a:solidFill>
-                  <a:srgbClr val="404040"/>
-                </a:solidFill>
-                <a:latin typeface="Calibri"/>
-                <a:ea typeface="Calibri"/>
-                <a:cs typeface="Calibri"/>
-                <a:sym typeface="Calibri"/>
-              </a:rPr>
-              <a:t>Written and Verbal Communication Skills</a:t>
-            </a:r>
-            <a:endParaRPr/>
-          </a:p>
-          <a:p>
-            <a:pPr marL="742950" marR="0" lvl="1" indent="-228600" algn="l" rtl="0">
-              <a:lnSpc>
-                <a:spcPct val="90000"/>
-              </a:lnSpc>
-              <a:spcBef>
-                <a:spcPts val="480"/>
-              </a:spcBef>
-              <a:spcAft>
-                <a:spcPts val="0"/>
-              </a:spcAft>
-              <a:buClr>
-                <a:srgbClr val="404040"/>
-              </a:buClr>
-              <a:buSzPts val="2400"/>
-              <a:buFont typeface="Arial"/>
-              <a:buChar char="•"/>
-            </a:pPr>
-            <a:r>
-              <a:rPr lang="en-US" sz="2400" b="0" i="0" u="none" strike="noStrike" cap="none">
-                <a:solidFill>
-                  <a:srgbClr val="404040"/>
-                </a:solidFill>
-                <a:latin typeface="Calibri"/>
-                <a:ea typeface="Calibri"/>
-                <a:cs typeface="Calibri"/>
-                <a:sym typeface="Calibri"/>
-              </a:rPr>
-              <a:t>Creativity and Innovation</a:t>
-            </a:r>
-            <a:endParaRPr sz="2400" b="0" i="0" u="none" strike="noStrike" cap="none">
-              <a:solidFill>
-                <a:srgbClr val="404040"/>
-              </a:solidFill>
-              <a:latin typeface="Calibri"/>
-              <a:ea typeface="Calibri"/>
-              <a:cs typeface="Calibri"/>
-              <a:sym typeface="Calibri"/>
-            </a:endParaRPr>
           </a:p>
         </p:txBody>
       </p:sp>

--- a/Lecture/Introduction/Intro_Lecture.pptx
+++ b/Lecture/Introduction/Intro_Lecture.pptx
@@ -30701,7 +30701,7 @@
               <a:buChar char="•"/>
             </a:pPr>
             <a:r>
-              <a:rPr lang="en-US" sz="2400" b="0" i="0" u="sng" strike="noStrike" cap="none">
+              <a:rPr lang="en-US" sz="2400" b="0" i="0" u="sng" strike="noStrike" cap="none" dirty="0">
                 <a:solidFill>
                   <a:srgbClr val="404040"/>
                 </a:solidFill>
@@ -30719,7 +30719,7 @@
               </a:rPr>
               <a:t>Course Website and Syllabus</a:t>
             </a:r>
-            <a:endParaRPr sz="2400" b="0" i="0" u="none" strike="noStrike" cap="none">
+            <a:endParaRPr sz="2400" b="0" i="0" u="none" strike="noStrike" cap="none" dirty="0">
               <a:solidFill>
                 <a:srgbClr val="404040"/>
               </a:solidFill>
@@ -30747,7 +30747,7 @@
               <a:buFont typeface="Arial"/>
               <a:buNone/>
             </a:pPr>
-            <a:endParaRPr sz="2400" b="0" i="0" u="none" strike="noStrike" cap="none">
+            <a:endParaRPr sz="2400" b="0" i="0" u="none" strike="noStrike" cap="none" dirty="0">
               <a:solidFill>
                 <a:srgbClr val="404040"/>
               </a:solidFill>
@@ -30776,7 +30776,7 @@
               <a:buChar char="•"/>
             </a:pPr>
             <a:r>
-              <a:rPr lang="en-US" sz="2400" b="0" i="0" u="none" strike="noStrike" cap="none">
+              <a:rPr lang="en-US" sz="2400" b="0" i="0" u="none" strike="noStrike" cap="none" dirty="0">
                 <a:solidFill>
                   <a:srgbClr val="404040"/>
                 </a:solidFill>
@@ -30787,7 +30787,7 @@
               </a:rPr>
               <a:t>In-Class Coding</a:t>
             </a:r>
-            <a:endParaRPr/>
+            <a:endParaRPr dirty="0"/>
           </a:p>
           <a:p>
             <a:pPr marL="114300" marR="0" lvl="0" indent="0" algn="l" rtl="0">
@@ -30807,7 +30807,7 @@
               <a:buFont typeface="Arial"/>
               <a:buNone/>
             </a:pPr>
-            <a:endParaRPr sz="2400" b="0" i="0" u="none" strike="noStrike" cap="none">
+            <a:endParaRPr sz="2400" b="0" i="0" u="none" strike="noStrike" cap="none" dirty="0">
               <a:solidFill>
                 <a:srgbClr val="404040"/>
               </a:solidFill>
@@ -30836,7 +30836,7 @@
               <a:buChar char="•"/>
             </a:pPr>
             <a:r>
-              <a:rPr lang="en-US" sz="2400" b="0" i="0" u="none" strike="noStrike" cap="none">
+              <a:rPr lang="en-US" sz="2400" b="0" i="0" u="none" strike="noStrike" cap="none" dirty="0">
                 <a:solidFill>
                   <a:srgbClr val="404040"/>
                 </a:solidFill>
@@ -30847,7 +30847,7 @@
               </a:rPr>
               <a:t>Weekly Assignments</a:t>
             </a:r>
-            <a:endParaRPr/>
+            <a:endParaRPr dirty="0"/>
           </a:p>
           <a:p>
             <a:pPr marL="742950" marR="0" lvl="1" indent="-228600" algn="l" rtl="0">
@@ -30868,7 +30868,7 @@
               <a:buChar char="•"/>
             </a:pPr>
             <a:r>
-              <a:rPr lang="en-US" sz="2400" b="0" i="0" u="none" strike="noStrike" cap="none">
+              <a:rPr lang="en-US" sz="2400" b="0" i="0" u="none" strike="noStrike" cap="none" dirty="0">
                 <a:solidFill>
                   <a:srgbClr val="404040"/>
                 </a:solidFill>
@@ -30879,7 +30879,7 @@
               </a:rPr>
               <a:t>Lab Work</a:t>
             </a:r>
-            <a:endParaRPr/>
+            <a:endParaRPr dirty="0"/>
           </a:p>
           <a:p>
             <a:pPr marL="742950" marR="0" lvl="1" indent="-228600" algn="l" rtl="0">
@@ -30900,7 +30900,7 @@
               <a:buChar char="•"/>
             </a:pPr>
             <a:r>
-              <a:rPr lang="en-US" sz="2400" b="0" i="0" u="none" strike="noStrike" cap="none">
+              <a:rPr lang="en-US" sz="2400" b="0" i="0" u="none" strike="noStrike" cap="none" dirty="0">
                 <a:solidFill>
                   <a:srgbClr val="404040"/>
                 </a:solidFill>
@@ -30911,7 +30911,7 @@
               </a:rPr>
               <a:t>Homework</a:t>
             </a:r>
-            <a:endParaRPr/>
+            <a:endParaRPr dirty="0"/>
           </a:p>
           <a:p>
             <a:pPr marL="742950" marR="0" lvl="1" indent="-228600" algn="l" rtl="0">
@@ -30932,7 +30932,7 @@
               <a:buChar char="•"/>
             </a:pPr>
             <a:r>
-              <a:rPr lang="en-US" sz="2400" b="0" i="0" u="none" strike="noStrike" cap="none">
+              <a:rPr lang="en-US" sz="2400" b="0" i="0" u="none" strike="noStrike" cap="none" dirty="0">
                 <a:solidFill>
                   <a:srgbClr val="404040"/>
                 </a:solidFill>
@@ -30943,7 +30943,7 @@
               </a:rPr>
               <a:t>Data Analyses</a:t>
             </a:r>
-            <a:endParaRPr/>
+            <a:endParaRPr dirty="0"/>
           </a:p>
           <a:p>
             <a:pPr marL="514350" marR="0" lvl="1" indent="0" algn="l" rtl="0">
@@ -30963,7 +30963,7 @@
               <a:buFont typeface="Arial"/>
               <a:buNone/>
             </a:pPr>
-            <a:endParaRPr sz="2400" b="0" i="0" u="none" strike="noStrike" cap="none">
+            <a:endParaRPr sz="2400" b="0" i="0" u="none" strike="noStrike" cap="none" dirty="0">
               <a:solidFill>
                 <a:srgbClr val="404040"/>
               </a:solidFill>
@@ -30992,7 +30992,7 @@
               <a:buChar char="•"/>
             </a:pPr>
             <a:r>
-              <a:rPr lang="en-US" sz="2400" b="0" i="0" u="none" strike="noStrike" cap="none">
+              <a:rPr lang="en-US" sz="2400" b="0" i="0" u="none" strike="noStrike" cap="none" dirty="0">
                 <a:solidFill>
                   <a:srgbClr val="404040"/>
                 </a:solidFill>
@@ -31001,9 +31001,21 @@
                 <a:cs typeface="Calibri"/>
                 <a:sym typeface="Calibri"/>
               </a:rPr>
-              <a:t>Learn and Use Rmarkdown</a:t>
+              <a:t>Learn and Use </a:t>
             </a:r>
-            <a:endParaRPr sz="2400" b="0" i="0" u="none" strike="noStrike" cap="none">
+            <a:r>
+              <a:rPr lang="en-US" sz="2400" b="0" i="0" u="none" strike="noStrike" cap="none" dirty="0" err="1">
+                <a:solidFill>
+                  <a:srgbClr val="404040"/>
+                </a:solidFill>
+                <a:latin typeface="Calibri"/>
+                <a:ea typeface="Calibri"/>
+                <a:cs typeface="Calibri"/>
+                <a:sym typeface="Calibri"/>
+              </a:rPr>
+              <a:t>Rmarkdown</a:t>
+            </a:r>
+            <a:endParaRPr sz="2400" b="0" i="0" u="none" strike="noStrike" cap="none" dirty="0">
               <a:solidFill>
                 <a:srgbClr val="404040"/>
               </a:solidFill>
@@ -31032,6 +31044,18 @@
               <a:buChar char="•"/>
             </a:pPr>
             <a:r>
+              <a:rPr lang="en-US" sz="2400" b="0" i="0" u="none" strike="noStrike" cap="none" dirty="0">
+                <a:solidFill>
+                  <a:srgbClr val="404040"/>
+                </a:solidFill>
+                <a:latin typeface="Calibri"/>
+                <a:ea typeface="Calibri"/>
+                <a:cs typeface="Calibri"/>
+                <a:sym typeface="Calibri"/>
+              </a:rPr>
+              <a:t>Submit </a:t>
+            </a:r>
+            <a:r>
               <a:rPr lang="en-US" sz="2400" b="0" i="0" u="none" strike="noStrike" cap="none">
                 <a:solidFill>
                   <a:srgbClr val="404040"/>
@@ -31041,9 +31065,9 @@
                 <a:cs typeface="Calibri"/>
                 <a:sym typeface="Calibri"/>
               </a:rPr>
-              <a:t>Submit through Sakai</a:t>
+              <a:t>through Canvas</a:t>
             </a:r>
-            <a:endParaRPr/>
+            <a:endParaRPr dirty="0"/>
           </a:p>
           <a:p>
             <a:pPr marL="742950" marR="0" lvl="1" indent="-228600" algn="l" rtl="0">
@@ -31064,7 +31088,7 @@
               <a:buChar char="•"/>
             </a:pPr>
             <a:r>
-              <a:rPr lang="en-US" sz="2400" b="0" i="0" u="none" strike="noStrike" cap="none">
+              <a:rPr lang="en-US" sz="2400" b="0" i="0" u="none" strike="noStrike" cap="none" dirty="0">
                 <a:solidFill>
                   <a:srgbClr val="404040"/>
                 </a:solidFill>
@@ -31075,7 +31099,7 @@
               </a:rPr>
               <a:t>Submit as HTML Files</a:t>
             </a:r>
-            <a:endParaRPr/>
+            <a:endParaRPr dirty="0"/>
           </a:p>
         </p:txBody>
       </p:sp>

--- a/Lecture/Introduction/Intro_Lecture.pptx
+++ b/Lecture/Introduction/Intro_Lecture.pptx
@@ -281,7 +281,7 @@
       </p15:notesGuideLst>
     </p:ext>
     <p:ext uri="http://customooxmlschemas.google.com/">
-      <go:slidesCustomData xmlns="" xmlns:mc="http://schemas.openxmlformats.org/markup-compatibility/2006" xmlns:mv="urn:schemas-microsoft-com:mac:vml" xmlns:c="http://schemas.openxmlformats.org/drawingml/2006/chart" xmlns:dgm="http://schemas.openxmlformats.org/drawingml/2006/diagram" xmlns:o="urn:schemas-microsoft-com:office:office" xmlns:v="urn:schemas-microsoft-com:vml" xmlns:pvml="urn:schemas-microsoft-com:office:powerpoint" xmlns:com="http://schemas.openxmlformats.org/drawingml/2006/compatibility" xmlns:p14="http://schemas.microsoft.com/office/powerpoint/2010/main" xmlns:p15="http://schemas.microsoft.com/office/powerpoint/2012/main" xmlns:ahyp="http://schemas.microsoft.com/office/drawing/2018/hyperlinkcolor" xmlns:go="http://customooxmlschemas.google.com/" r:id="rId18" roundtripDataSignature="AMtx7mjq0nBUJQL3LjbNJDp+7lYH11Ce0A=="/>
+      <go:slidesCustomData xmlns:go="http://customooxmlschemas.google.com/" xmlns:ahyp="http://schemas.microsoft.com/office/drawing/2018/hyperlinkcolor" xmlns:p15="http://schemas.microsoft.com/office/powerpoint/2012/main" xmlns:p14="http://schemas.microsoft.com/office/powerpoint/2010/main" xmlns:com="http://schemas.openxmlformats.org/drawingml/2006/compatibility" xmlns:pvml="urn:schemas-microsoft-com:office:powerpoint" xmlns:v="urn:schemas-microsoft-com:vml" xmlns:o="urn:schemas-microsoft-com:office:office" xmlns:dgm="http://schemas.openxmlformats.org/drawingml/2006/diagram" xmlns:c="http://schemas.openxmlformats.org/drawingml/2006/chart" xmlns:mv="urn:schemas-microsoft-com:mac:vml" xmlns:mc="http://schemas.openxmlformats.org/markup-compatibility/2006" xmlns="" r:id="rId18" roundtripDataSignature="AMtx7mjq0nBUJQL3LjbNJDp+7lYH11Ce0A=="/>
     </p:ext>
   </p:extLst>
 </p:presentation>
@@ -30877,7 +30877,7 @@
                 <a:cs typeface="Calibri"/>
                 <a:sym typeface="Calibri"/>
               </a:rPr>
-              <a:t>Lab Work</a:t>
+              <a:t>Labs (Attendance Required)</a:t>
             </a:r>
             <a:endParaRPr dirty="0"/>
           </a:p>
@@ -30941,12 +30941,12 @@
                 <a:cs typeface="Calibri"/>
                 <a:sym typeface="Calibri"/>
               </a:rPr>
-              <a:t>Data Analyses</a:t>
+              <a:t>Analyses</a:t>
             </a:r>
             <a:endParaRPr dirty="0"/>
           </a:p>
           <a:p>
-            <a:pPr marL="514350" marR="0" lvl="1" indent="0" algn="l" rtl="0">
+            <a:pPr marL="857250" marR="0" lvl="1" indent="-342900" algn="l" rtl="0">
               <a:lnSpc>
                 <a:spcPct val="90000"/>
               </a:lnSpc>
@@ -30960,10 +30960,69 @@
                 <a:schemeClr val="dk1"/>
               </a:buClr>
               <a:buSzPts val="2400"/>
+              <a:buFont typeface="Arial" panose="020B0604020202020204" pitchFamily="34" charset="0"/>
+              <a:buChar char="•"/>
+            </a:pPr>
+            <a:endParaRPr lang="en-US" sz="2400" b="0" i="0" u="none" strike="noStrike" cap="none" dirty="0">
+              <a:solidFill>
+                <a:srgbClr val="404040"/>
+              </a:solidFill>
+              <a:latin typeface="Calibri"/>
+              <a:ea typeface="Calibri"/>
+              <a:cs typeface="Calibri"/>
+              <a:sym typeface="Calibri"/>
+            </a:endParaRPr>
+          </a:p>
+          <a:p>
+            <a:pPr marL="342900" marR="0" lvl="0" indent="-228600" algn="l" rtl="0">
+              <a:lnSpc>
+                <a:spcPct val="90000"/>
+              </a:lnSpc>
+              <a:spcBef>
+                <a:spcPts val="480"/>
+              </a:spcBef>
+              <a:spcAft>
+                <a:spcPts val="0"/>
+              </a:spcAft>
+              <a:buClr>
+                <a:srgbClr val="404040"/>
+              </a:buClr>
+              <a:buSzPts val="2400"/>
               <a:buFont typeface="Arial"/>
-              <a:buNone/>
+              <a:buChar char="•"/>
             </a:pPr>
-            <a:endParaRPr sz="2400" b="0" i="0" u="none" strike="noStrike" cap="none" dirty="0">
+            <a:r>
+              <a:rPr lang="en-US" sz="2400" b="0" i="0" u="none" strike="noStrike" cap="none" dirty="0">
+                <a:solidFill>
+                  <a:srgbClr val="404040"/>
+                </a:solidFill>
+                <a:latin typeface="Calibri"/>
+                <a:ea typeface="Calibri"/>
+                <a:cs typeface="Calibri"/>
+                <a:sym typeface="Calibri"/>
+              </a:rPr>
+              <a:t>Final Project</a:t>
+            </a:r>
+          </a:p>
+          <a:p>
+            <a:pPr marL="342900" marR="0" lvl="0" indent="-228600" algn="l" rtl="0">
+              <a:lnSpc>
+                <a:spcPct val="90000"/>
+              </a:lnSpc>
+              <a:spcBef>
+                <a:spcPts val="480"/>
+              </a:spcBef>
+              <a:spcAft>
+                <a:spcPts val="0"/>
+              </a:spcAft>
+              <a:buClr>
+                <a:srgbClr val="404040"/>
+              </a:buClr>
+              <a:buSzPts val="2400"/>
+              <a:buFont typeface="Arial"/>
+              <a:buChar char="•"/>
+            </a:pPr>
+            <a:endParaRPr lang="en-US" sz="2400" b="0" i="0" u="none" strike="noStrike" cap="none" dirty="0">
               <a:solidFill>
                 <a:srgbClr val="404040"/>
               </a:solidFill>
@@ -31053,19 +31112,7 @@
                 <a:cs typeface="Calibri"/>
                 <a:sym typeface="Calibri"/>
               </a:rPr>
-              <a:t>Submit </a:t>
-            </a:r>
-            <a:r>
-              <a:rPr lang="en-US" sz="2400" b="0" i="0" u="none" strike="noStrike" cap="none">
-                <a:solidFill>
-                  <a:srgbClr val="404040"/>
-                </a:solidFill>
-                <a:latin typeface="Calibri"/>
-                <a:ea typeface="Calibri"/>
-                <a:cs typeface="Calibri"/>
-                <a:sym typeface="Calibri"/>
-              </a:rPr>
-              <a:t>through Canvas</a:t>
+              <a:t>Submit through Canvas</a:t>
             </a:r>
             <a:endParaRPr dirty="0"/>
           </a:p>
@@ -31612,7 +31659,7 @@
                 <a:cs typeface="Calibri"/>
                 <a:sym typeface="Calibri"/>
               </a:rPr>
-              <a:t> Download the Textbooks</a:t>
+              <a:t> Download the Textbook</a:t>
             </a:r>
             <a:endParaRPr dirty="0"/>
           </a:p>
@@ -31664,100 +31711,6 @@
             </a:endParaRPr>
           </a:p>
           <a:p>
-            <a:pPr marL="742950" marR="0" lvl="1" indent="-228600" algn="l" rtl="0">
-              <a:lnSpc>
-                <a:spcPct val="90000"/>
-              </a:lnSpc>
-              <a:spcBef>
-                <a:spcPts val="480"/>
-              </a:spcBef>
-              <a:spcAft>
-                <a:spcPts val="0"/>
-              </a:spcAft>
-              <a:buClr>
-                <a:srgbClr val="404040"/>
-              </a:buClr>
-              <a:buSzPts val="2400"/>
-              <a:buFont typeface="Arial"/>
-              <a:buChar char="•"/>
-            </a:pPr>
-            <a:r>
-              <a:rPr lang="en-US" sz="2400" b="0" i="0" u="sng" strike="noStrike" cap="none" dirty="0">
-                <a:solidFill>
-                  <a:srgbClr val="404040"/>
-                </a:solidFill>
-                <a:latin typeface="Calibri"/>
-                <a:ea typeface="Calibri"/>
-                <a:cs typeface="Calibri"/>
-                <a:sym typeface="Calibri"/>
-                <a:hlinkClick r:id="rId7">
-                  <a:extLst>
-                    <a:ext uri="{A12FA001-AC4F-418D-AE19-62706E023703}">
-                      <ahyp:hlinkClr xmlns:ahyp="http://schemas.microsoft.com/office/drawing/2018/hyperlinkcolor" val="tx"/>
-                    </a:ext>
-                  </a:extLst>
-                </a:hlinkClick>
-              </a:rPr>
-              <a:t>RP4DS</a:t>
-            </a:r>
-            <a:endParaRPr sz="2400" b="0" i="0" u="none" strike="noStrike" cap="none" dirty="0">
-              <a:solidFill>
-                <a:srgbClr val="404040"/>
-              </a:solidFill>
-              <a:latin typeface="Calibri"/>
-              <a:ea typeface="Calibri"/>
-              <a:cs typeface="Calibri"/>
-              <a:sym typeface="Calibri"/>
-            </a:endParaRPr>
-          </a:p>
-          <a:p>
-            <a:pPr marL="742950" marR="0" lvl="1" indent="-228600" algn="l" rtl="0">
-              <a:lnSpc>
-                <a:spcPct val="90000"/>
-              </a:lnSpc>
-              <a:spcBef>
-                <a:spcPts val="480"/>
-              </a:spcBef>
-              <a:spcAft>
-                <a:spcPts val="0"/>
-              </a:spcAft>
-              <a:buClr>
-                <a:srgbClr val="404040"/>
-              </a:buClr>
-              <a:buSzPts val="2400"/>
-              <a:buFont typeface="Arial"/>
-              <a:buChar char="•"/>
-            </a:pPr>
-            <a:r>
-              <a:rPr lang="en-US" sz="2400" b="0" i="0" u="sng" strike="noStrike" cap="none" dirty="0">
-                <a:solidFill>
-                  <a:srgbClr val="404040"/>
-                </a:solidFill>
-                <a:latin typeface="Calibri"/>
-                <a:ea typeface="Calibri"/>
-                <a:cs typeface="Calibri"/>
-                <a:sym typeface="Calibri"/>
-                <a:hlinkClick r:id="rId8">
-                  <a:extLst>
-                    <a:ext uri="{A12FA001-AC4F-418D-AE19-62706E023703}">
-                      <ahyp:hlinkClr xmlns:ahyp="http://schemas.microsoft.com/office/drawing/2018/hyperlinkcolor" val="tx"/>
-                    </a:ext>
-                  </a:extLst>
-                </a:hlinkClick>
-              </a:rPr>
-              <a:t>AoRP</a:t>
-            </a:r>
-            <a:endParaRPr sz="2400" b="0" i="0" u="none" strike="noStrike" cap="none" dirty="0">
-              <a:solidFill>
-                <a:srgbClr val="404040"/>
-              </a:solidFill>
-              <a:latin typeface="Calibri"/>
-              <a:ea typeface="Calibri"/>
-              <a:cs typeface="Calibri"/>
-              <a:sym typeface="Calibri"/>
-            </a:endParaRPr>
-          </a:p>
-          <a:p>
             <a:pPr marL="514350" marR="0" lvl="1" indent="0" algn="l" rtl="0">
               <a:lnSpc>
                 <a:spcPct val="90000"/>
@@ -31816,74 +31769,6 @@
               <a:t>Read the Introduction to R4DS</a:t>
             </a:r>
             <a:endParaRPr dirty="0"/>
-          </a:p>
-          <a:p>
-            <a:pPr marL="342900" marR="0" lvl="0" indent="-76200" algn="l" rtl="0">
-              <a:lnSpc>
-                <a:spcPct val="90000"/>
-              </a:lnSpc>
-              <a:spcBef>
-                <a:spcPts val="480"/>
-              </a:spcBef>
-              <a:spcAft>
-                <a:spcPts val="0"/>
-              </a:spcAft>
-              <a:buClr>
-                <a:schemeClr val="dk1"/>
-              </a:buClr>
-              <a:buSzPts val="2400"/>
-              <a:buFont typeface="Arial"/>
-              <a:buNone/>
-            </a:pPr>
-            <a:endParaRPr sz="2400" b="0" i="0" u="none" strike="noStrike" cap="none" dirty="0">
-              <a:solidFill>
-                <a:srgbClr val="404040"/>
-              </a:solidFill>
-              <a:latin typeface="Calibri"/>
-              <a:ea typeface="Calibri"/>
-              <a:cs typeface="Calibri"/>
-              <a:sym typeface="Calibri"/>
-            </a:endParaRPr>
-          </a:p>
-          <a:p>
-            <a:pPr marL="342900" marR="0" lvl="0" indent="-228600" algn="l" rtl="0">
-              <a:lnSpc>
-                <a:spcPct val="90000"/>
-              </a:lnSpc>
-              <a:spcBef>
-                <a:spcPts val="480"/>
-              </a:spcBef>
-              <a:spcAft>
-                <a:spcPts val="0"/>
-              </a:spcAft>
-              <a:buClr>
-                <a:srgbClr val="404040"/>
-              </a:buClr>
-              <a:buSzPts val="2400"/>
-              <a:buFont typeface="Arial"/>
-              <a:buChar char="•"/>
-            </a:pPr>
-            <a:r>
-              <a:rPr lang="en-US" sz="2400" b="0" i="0" u="none" strike="noStrike" cap="none" dirty="0">
-                <a:solidFill>
-                  <a:srgbClr val="404040"/>
-                </a:solidFill>
-                <a:latin typeface="Calibri"/>
-                <a:ea typeface="Calibri"/>
-                <a:cs typeface="Calibri"/>
-                <a:sym typeface="Calibri"/>
-              </a:rPr>
-              <a:t>Practice Programming with R for 10 minutes a day in RP4DS or AoRP</a:t>
-            </a:r>
-            <a:endParaRPr sz="2000" b="0" i="0" u="none" strike="noStrike" cap="none" dirty="0">
-              <a:solidFill>
-                <a:srgbClr val="404040"/>
-              </a:solidFill>
-              <a:latin typeface="Calibri"/>
-              <a:ea typeface="Calibri"/>
-              <a:cs typeface="Calibri"/>
-              <a:sym typeface="Calibri"/>
-            </a:endParaRPr>
           </a:p>
         </p:txBody>
       </p:sp>

--- a/Lecture/Introduction/Intro_Lecture.pptx
+++ b/Lecture/Introduction/Intro_Lecture.pptx
@@ -281,7 +281,7 @@
       </p15:notesGuideLst>
     </p:ext>
     <p:ext uri="http://customooxmlschemas.google.com/">
-      <go:slidesCustomData xmlns:go="http://customooxmlschemas.google.com/" xmlns:ahyp="http://schemas.microsoft.com/office/drawing/2018/hyperlinkcolor" xmlns:p15="http://schemas.microsoft.com/office/powerpoint/2012/main" xmlns:p14="http://schemas.microsoft.com/office/powerpoint/2010/main" xmlns:com="http://schemas.openxmlformats.org/drawingml/2006/compatibility" xmlns:pvml="urn:schemas-microsoft-com:office:powerpoint" xmlns:v="urn:schemas-microsoft-com:vml" xmlns:o="urn:schemas-microsoft-com:office:office" xmlns:dgm="http://schemas.openxmlformats.org/drawingml/2006/diagram" xmlns:c="http://schemas.openxmlformats.org/drawingml/2006/chart" xmlns:mv="urn:schemas-microsoft-com:mac:vml" xmlns:mc="http://schemas.openxmlformats.org/markup-compatibility/2006" xmlns="" r:id="rId18" roundtripDataSignature="AMtx7mjq0nBUJQL3LjbNJDp+7lYH11Ce0A=="/>
+      <go:slidesCustomData xmlns="" xmlns:mc="http://schemas.openxmlformats.org/markup-compatibility/2006" xmlns:mv="urn:schemas-microsoft-com:mac:vml" xmlns:c="http://schemas.openxmlformats.org/drawingml/2006/chart" xmlns:dgm="http://schemas.openxmlformats.org/drawingml/2006/diagram" xmlns:o="urn:schemas-microsoft-com:office:office" xmlns:v="urn:schemas-microsoft-com:vml" xmlns:pvml="urn:schemas-microsoft-com:office:powerpoint" xmlns:com="http://schemas.openxmlformats.org/drawingml/2006/compatibility" xmlns:p14="http://schemas.microsoft.com/office/powerpoint/2010/main" xmlns:p15="http://schemas.microsoft.com/office/powerpoint/2012/main" xmlns:ahyp="http://schemas.microsoft.com/office/drawing/2018/hyperlinkcolor" xmlns:go="http://customooxmlschemas.google.com/" r:id="rId18" roundtripDataSignature="AMtx7mjq0nBUJQL3LjbNJDp+7lYH11Ce0A=="/>
     </p:ext>
   </p:extLst>
 </p:presentation>
@@ -31072,7 +31072,7 @@
                 <a:cs typeface="Calibri"/>
                 <a:sym typeface="Calibri"/>
               </a:rPr>
-              <a:t>Rmarkdown</a:t>
+              <a:t>RMarkdown</a:t>
             </a:r>
             <a:endParaRPr sz="2400" b="0" i="0" u="none" strike="noStrike" cap="none" dirty="0">
               <a:solidFill>
@@ -32175,7 +32175,7 @@
                   </a:extLst>
                 </a:hlinkClick>
               </a:rPr>
-              <a:t>Rmarkdown</a:t>
+              <a:t>RMarkdown</a:t>
             </a:r>
             <a:endParaRPr sz="2400" b="0" i="0" u="none" strike="noStrike" cap="none" dirty="0">
               <a:solidFill>
@@ -32227,7 +32227,7 @@
                 <a:cs typeface="Calibri"/>
                 <a:sym typeface="Calibri"/>
               </a:rPr>
-              <a:t>HW 1</a:t>
+              <a:t>HW1</a:t>
             </a:r>
             <a:endParaRPr sz="2400" b="0" i="0" strike="noStrike" cap="none" dirty="0">
               <a:solidFill>
@@ -32313,6 +32313,77 @@
               </a:rPr>
               <a:t>Rmarkdown</a:t>
             </a:r>
+            <a:endParaRPr lang="en-US" sz="2400" b="0" i="0" u="none" strike="noStrike" cap="none" dirty="0">
+              <a:solidFill>
+                <a:srgbClr val="404040"/>
+              </a:solidFill>
+              <a:latin typeface="Calibri"/>
+              <a:ea typeface="Calibri"/>
+              <a:cs typeface="Calibri"/>
+              <a:sym typeface="Calibri"/>
+            </a:endParaRPr>
+          </a:p>
+          <a:p>
+            <a:pPr marL="1143000" marR="0" lvl="2" indent="-228600" algn="l" rtl="0">
+              <a:lnSpc>
+                <a:spcPct val="90000"/>
+              </a:lnSpc>
+              <a:spcBef>
+                <a:spcPts val="480"/>
+              </a:spcBef>
+              <a:spcAft>
+                <a:spcPts val="0"/>
+              </a:spcAft>
+              <a:buClr>
+                <a:srgbClr val="404040"/>
+              </a:buClr>
+              <a:buSzPts val="2400"/>
+              <a:buFont typeface="Arial"/>
+              <a:buChar char="•"/>
+            </a:pPr>
+            <a:r>
+              <a:rPr lang="en-US" sz="2400" dirty="0">
+                <a:solidFill>
+                  <a:srgbClr val="404040"/>
+                </a:solidFill>
+                <a:latin typeface="Calibri"/>
+                <a:ea typeface="Calibri"/>
+                <a:cs typeface="Calibri"/>
+                <a:sym typeface="Calibri"/>
+              </a:rPr>
+              <a:t>Download HW1 Zipped Folder</a:t>
+            </a:r>
+          </a:p>
+          <a:p>
+            <a:pPr marL="1143000" marR="0" lvl="2" indent="-228600" algn="l" rtl="0">
+              <a:lnSpc>
+                <a:spcPct val="90000"/>
+              </a:lnSpc>
+              <a:spcBef>
+                <a:spcPts val="480"/>
+              </a:spcBef>
+              <a:spcAft>
+                <a:spcPts val="0"/>
+              </a:spcAft>
+              <a:buClr>
+                <a:srgbClr val="404040"/>
+              </a:buClr>
+              <a:buSzPts val="2400"/>
+              <a:buFont typeface="Arial"/>
+              <a:buChar char="•"/>
+            </a:pPr>
+            <a:r>
+              <a:rPr lang="en-US" sz="2400" b="0" i="0" u="none" strike="noStrike" cap="none" dirty="0">
+                <a:solidFill>
+                  <a:srgbClr val="404040"/>
+                </a:solidFill>
+                <a:latin typeface="Calibri"/>
+                <a:ea typeface="Calibri"/>
+                <a:cs typeface="Calibri"/>
+                <a:sym typeface="Calibri"/>
+              </a:rPr>
+              <a:t>Unzip Folder</a:t>
+            </a:r>
             <a:endParaRPr sz="2400" b="0" i="0" u="none" strike="noStrike" cap="none" dirty="0">
               <a:solidFill>
                 <a:srgbClr val="404040"/>
@@ -32351,31 +32422,7 @@
                 <a:cs typeface="Calibri"/>
                 <a:sym typeface="Calibri"/>
               </a:rPr>
-              <a:t>Open HW 1 </a:t>
-            </a:r>
-            <a:r>
-              <a:rPr lang="en-US" sz="2400" b="0" i="0" u="none" strike="noStrike" cap="none" dirty="0" err="1">
-                <a:solidFill>
-                  <a:srgbClr val="404040"/>
-                </a:solidFill>
-                <a:latin typeface="Calibri"/>
-                <a:ea typeface="Calibri"/>
-                <a:cs typeface="Calibri"/>
-                <a:sym typeface="Calibri"/>
-              </a:rPr>
-              <a:t>Rmd</a:t>
-            </a:r>
-            <a:r>
-              <a:rPr lang="en-US" sz="2400" b="0" i="0" u="none" strike="noStrike" cap="none" dirty="0">
-                <a:solidFill>
-                  <a:srgbClr val="404040"/>
-                </a:solidFill>
-                <a:latin typeface="Calibri"/>
-                <a:ea typeface="Calibri"/>
-                <a:cs typeface="Calibri"/>
-                <a:sym typeface="Calibri"/>
-              </a:rPr>
-              <a:t> File in R</a:t>
+              <a:t>Open HW1.Rmd in R Studio</a:t>
             </a:r>
             <a:endParaRPr dirty="0"/>
           </a:p>
@@ -32463,7 +32510,7 @@
                 <a:cs typeface="Calibri"/>
                 <a:sym typeface="Calibri"/>
               </a:rPr>
-              <a:t> 1</a:t>
+              <a:t>1</a:t>
             </a:r>
             <a:endParaRPr sz="2400" b="0" i="0" u="none" strike="noStrike" cap="none" dirty="0">
               <a:solidFill>

--- a/Lecture/Introduction/Intro_Lecture.pptx
+++ b/Lecture/Introduction/Intro_Lecture.pptx
@@ -281,7 +281,7 @@
       </p15:notesGuideLst>
     </p:ext>
     <p:ext uri="http://customooxmlschemas.google.com/">
-      <go:slidesCustomData xmlns="" xmlns:mc="http://schemas.openxmlformats.org/markup-compatibility/2006" xmlns:mv="urn:schemas-microsoft-com:mac:vml" xmlns:c="http://schemas.openxmlformats.org/drawingml/2006/chart" xmlns:dgm="http://schemas.openxmlformats.org/drawingml/2006/diagram" xmlns:o="urn:schemas-microsoft-com:office:office" xmlns:v="urn:schemas-microsoft-com:vml" xmlns:pvml="urn:schemas-microsoft-com:office:powerpoint" xmlns:com="http://schemas.openxmlformats.org/drawingml/2006/compatibility" xmlns:p14="http://schemas.microsoft.com/office/powerpoint/2010/main" xmlns:p15="http://schemas.microsoft.com/office/powerpoint/2012/main" xmlns:ahyp="http://schemas.microsoft.com/office/drawing/2018/hyperlinkcolor" xmlns:go="http://customooxmlschemas.google.com/" r:id="rId18" roundtripDataSignature="AMtx7mjq0nBUJQL3LjbNJDp+7lYH11Ce0A=="/>
+      <go:slidesCustomData xmlns:go="http://customooxmlschemas.google.com/" xmlns:ahyp="http://schemas.microsoft.com/office/drawing/2018/hyperlinkcolor" xmlns:p15="http://schemas.microsoft.com/office/powerpoint/2012/main" xmlns:p14="http://schemas.microsoft.com/office/powerpoint/2010/main" xmlns:com="http://schemas.openxmlformats.org/drawingml/2006/compatibility" xmlns:pvml="urn:schemas-microsoft-com:office:powerpoint" xmlns:v="urn:schemas-microsoft-com:vml" xmlns:o="urn:schemas-microsoft-com:office:office" xmlns:dgm="http://schemas.openxmlformats.org/drawingml/2006/diagram" xmlns:c="http://schemas.openxmlformats.org/drawingml/2006/chart" xmlns:mv="urn:schemas-microsoft-com:mac:vml" xmlns:mc="http://schemas.openxmlformats.org/markup-compatibility/2006" xmlns="" r:id="rId18" roundtripDataSignature="AMtx7mjq0nBUJQL3LjbNJDp+7lYH11Ce0A=="/>
     </p:ext>
   </p:extLst>
 </p:presentation>

--- a/Lecture/Introduction/Intro_Lecture.pptx
+++ b/Lecture/Introduction/Intro_Lecture.pptx
@@ -7,7 +7,7 @@
     <p:sldMasterId id="2147483662" r:id="rId3"/>
   </p:sldMasterIdLst>
   <p:notesMasterIdLst>
-    <p:notesMasterId r:id="rId13"/>
+    <p:notesMasterId r:id="rId14"/>
   </p:notesMasterIdLst>
   <p:sldIdLst>
     <p:sldId id="256" r:id="rId4"/>
@@ -18,7 +18,8 @@
     <p:sldId id="261" r:id="rId9"/>
     <p:sldId id="263" r:id="rId10"/>
     <p:sldId id="264" r:id="rId11"/>
-    <p:sldId id="265" r:id="rId12"/>
+    <p:sldId id="266" r:id="rId12"/>
+    <p:sldId id="265" r:id="rId13"/>
   </p:sldIdLst>
   <p:sldSz cx="9144000" cy="6858000" type="screen4x3"/>
   <p:notesSz cx="6858000" cy="9144000"/>
@@ -281,7 +282,7 @@
       </p15:notesGuideLst>
     </p:ext>
     <p:ext uri="http://customooxmlschemas.google.com/">
-      <go:slidesCustomData xmlns:go="http://customooxmlschemas.google.com/" xmlns:ahyp="http://schemas.microsoft.com/office/drawing/2018/hyperlinkcolor" xmlns:p15="http://schemas.microsoft.com/office/powerpoint/2012/main" xmlns:p14="http://schemas.microsoft.com/office/powerpoint/2010/main" xmlns:com="http://schemas.openxmlformats.org/drawingml/2006/compatibility" xmlns:pvml="urn:schemas-microsoft-com:office:powerpoint" xmlns:v="urn:schemas-microsoft-com:vml" xmlns:o="urn:schemas-microsoft-com:office:office" xmlns:dgm="http://schemas.openxmlformats.org/drawingml/2006/diagram" xmlns:c="http://schemas.openxmlformats.org/drawingml/2006/chart" xmlns:mv="urn:schemas-microsoft-com:mac:vml" xmlns:mc="http://schemas.openxmlformats.org/markup-compatibility/2006" xmlns="" r:id="rId18" roundtripDataSignature="AMtx7mjq0nBUJQL3LjbNJDp+7lYH11Ce0A=="/>
+      <go:slidesCustomData xmlns="" xmlns:mc="http://schemas.openxmlformats.org/markup-compatibility/2006" xmlns:mv="urn:schemas-microsoft-com:mac:vml" xmlns:c="http://schemas.openxmlformats.org/drawingml/2006/chart" xmlns:dgm="http://schemas.openxmlformats.org/drawingml/2006/diagram" xmlns:o="urn:schemas-microsoft-com:office:office" xmlns:v="urn:schemas-microsoft-com:vml" xmlns:pvml="urn:schemas-microsoft-com:office:powerpoint" xmlns:com="http://schemas.openxmlformats.org/drawingml/2006/compatibility" xmlns:p14="http://schemas.microsoft.com/office/powerpoint/2010/main" xmlns:p15="http://schemas.microsoft.com/office/powerpoint/2012/main" xmlns:ahyp="http://schemas.microsoft.com/office/drawing/2018/hyperlinkcolor" xmlns:go="http://customooxmlschemas.google.com/" r:id="rId18" roundtripDataSignature="AMtx7mjq0nBUJQL3LjbNJDp+7lYH11Ce0A=="/>
     </p:ext>
   </p:extLst>
 </p:presentation>
@@ -1584,6 +1585,110 @@
 </p:notes>
 </file>
 
+<file path=ppt/notesSlides/notesSlide10.xml><?xml version="1.0" encoding="utf-8"?>
+<p:notes xmlns:a="http://schemas.openxmlformats.org/drawingml/2006/main" xmlns:r="http://schemas.openxmlformats.org/officeDocument/2006/relationships" xmlns:p="http://schemas.openxmlformats.org/presentationml/2006/main" showMasterSp="0" showMasterPhAnim="0">
+  <p:cSld>
+    <p:spTree>
+      <p:nvGrpSpPr>
+        <p:cNvPr id="1" name="Shape 254"/>
+        <p:cNvGrpSpPr/>
+        <p:nvPr/>
+      </p:nvGrpSpPr>
+      <p:grpSpPr>
+        <a:xfrm>
+          <a:off x="0" y="0"/>
+          <a:ext cx="0" cy="0"/>
+          <a:chOff x="0" y="0"/>
+          <a:chExt cx="0" cy="0"/>
+        </a:xfrm>
+      </p:grpSpPr>
+      <p:sp>
+        <p:nvSpPr>
+          <p:cNvPr id="255" name="Google Shape;255;p10:notes"/>
+          <p:cNvSpPr txBox="1">
+            <a:spLocks noGrp="1"/>
+          </p:cNvSpPr>
+          <p:nvPr>
+            <p:ph type="body" idx="1"/>
+          </p:nvPr>
+        </p:nvSpPr>
+        <p:spPr>
+          <a:xfrm>
+            <a:off x="685800" y="4343400"/>
+            <a:ext cx="5486400" cy="4114800"/>
+          </a:xfrm>
+          <a:prstGeom prst="rect">
+            <a:avLst/>
+          </a:prstGeom>
+        </p:spPr>
+        <p:txBody>
+          <a:bodyPr spcFirstLastPara="1" wrap="square" lIns="91425" tIns="45700" rIns="91425" bIns="45700" anchor="t" anchorCtr="0">
+            <a:noAutofit/>
+          </a:bodyPr>
+          <a:lstStyle/>
+          <a:p>
+            <a:pPr marL="0" lvl="0" indent="0" algn="l" rtl="0">
+              <a:spcBef>
+                <a:spcPts val="360"/>
+              </a:spcBef>
+              <a:spcAft>
+                <a:spcPts val="0"/>
+              </a:spcAft>
+              <a:buNone/>
+            </a:pPr>
+            <a:endParaRPr/>
+          </a:p>
+        </p:txBody>
+      </p:sp>
+      <p:sp>
+        <p:nvSpPr>
+          <p:cNvPr id="256" name="Google Shape;256;p10:notes"/>
+          <p:cNvSpPr>
+            <a:spLocks noGrp="1" noRot="1" noChangeAspect="1"/>
+          </p:cNvSpPr>
+          <p:nvPr>
+            <p:ph type="sldImg" idx="2"/>
+          </p:nvPr>
+        </p:nvSpPr>
+        <p:spPr>
+          <a:xfrm>
+            <a:off x="1143000" y="685800"/>
+            <a:ext cx="4572000" cy="3429000"/>
+          </a:xfrm>
+          <a:custGeom>
+            <a:avLst/>
+            <a:gdLst/>
+            <a:ahLst/>
+            <a:cxnLst/>
+            <a:rect l="l" t="t" r="r" b="b"/>
+            <a:pathLst>
+              <a:path w="120000" h="120000" extrusionOk="0">
+                <a:moveTo>
+                  <a:pt x="0" y="0"/>
+                </a:moveTo>
+                <a:lnTo>
+                  <a:pt x="120000" y="0"/>
+                </a:lnTo>
+                <a:lnTo>
+                  <a:pt x="120000" y="120000"/>
+                </a:lnTo>
+                <a:lnTo>
+                  <a:pt x="0" y="120000"/>
+                </a:lnTo>
+                <a:close/>
+              </a:path>
+            </a:pathLst>
+          </a:custGeom>
+        </p:spPr>
+      </p:sp>
+    </p:spTree>
+  </p:cSld>
+  <p:clrMapOvr>
+    <a:masterClrMapping/>
+  </p:clrMapOvr>
+</p:notes>
+</file>
+
 <file path=ppt/notesSlides/notesSlide2.xml><?xml version="1.0" encoding="utf-8"?>
 <p:notes xmlns:a="http://schemas.openxmlformats.org/drawingml/2006/main" xmlns:r="http://schemas.openxmlformats.org/officeDocument/2006/relationships" xmlns:p="http://schemas.openxmlformats.org/presentationml/2006/main" showMasterSp="0" showMasterPhAnim="0">
   <p:cSld>
@@ -2317,7 +2422,13 @@
   <p:cSld>
     <p:spTree>
       <p:nvGrpSpPr>
-        <p:cNvPr id="1" name="Shape 254"/>
+        <p:cNvPr id="1" name="Shape 245">
+          <a:extLst>
+            <a:ext uri="{FF2B5EF4-FFF2-40B4-BE49-F238E27FC236}">
+              <a16:creationId xmlns:a16="http://schemas.microsoft.com/office/drawing/2014/main" id="{51581956-DD5C-E4D3-4B1E-0CE40A02F707}"/>
+            </a:ext>
+          </a:extLst>
+        </p:cNvPr>
         <p:cNvGrpSpPr/>
         <p:nvPr/>
       </p:nvGrpSpPr>
@@ -2331,7 +2442,13 @@
       </p:grpSpPr>
       <p:sp>
         <p:nvSpPr>
-          <p:cNvPr id="255" name="Google Shape;255;p10:notes"/>
+          <p:cNvPr id="246" name="Google Shape;246;p9:notes">
+            <a:extLst>
+              <a:ext uri="{FF2B5EF4-FFF2-40B4-BE49-F238E27FC236}">
+                <a16:creationId xmlns:a16="http://schemas.microsoft.com/office/drawing/2014/main" id="{9AE2D2E2-A2E2-DDFD-BB5D-78A03FDD9B2E}"/>
+              </a:ext>
+            </a:extLst>
+          </p:cNvPr>
           <p:cNvSpPr txBox="1">
             <a:spLocks noGrp="1"/>
           </p:cNvSpPr>
@@ -2369,7 +2486,13 @@
       </p:sp>
       <p:sp>
         <p:nvSpPr>
-          <p:cNvPr id="256" name="Google Shape;256;p10:notes"/>
+          <p:cNvPr id="247" name="Google Shape;247;p9:notes">
+            <a:extLst>
+              <a:ext uri="{FF2B5EF4-FFF2-40B4-BE49-F238E27FC236}">
+                <a16:creationId xmlns:a16="http://schemas.microsoft.com/office/drawing/2014/main" id="{4BA05FFB-3A85-9204-88A9-2B963FEF4895}"/>
+              </a:ext>
+            </a:extLst>
+          </p:cNvPr>
           <p:cNvSpPr>
             <a:spLocks noGrp="1" noRot="1" noChangeAspect="1"/>
           </p:cNvSpPr>
@@ -2409,6 +2532,11 @@
         </p:spPr>
       </p:sp>
     </p:spTree>
+    <p:extLst>
+      <p:ext uri="{BB962C8B-B14F-4D97-AF65-F5344CB8AC3E}">
+        <p14:creationId xmlns:p14="http://schemas.microsoft.com/office/powerpoint/2010/main" val="4132050394"/>
+      </p:ext>
+    </p:extLst>
   </p:cSld>
   <p:clrMapOvr>
     <a:masterClrMapping/>
@@ -28195,6 +28323,437 @@
 </p:sld>
 </file>
 
+<file path=ppt/slides/slide10.xml><?xml version="1.0" encoding="utf-8"?>
+<p:sld xmlns:a="http://schemas.openxmlformats.org/drawingml/2006/main" xmlns:r="http://schemas.openxmlformats.org/officeDocument/2006/relationships" xmlns:p="http://schemas.openxmlformats.org/presentationml/2006/main">
+  <p:cSld>
+    <p:bg>
+      <p:bgPr>
+        <a:solidFill>
+          <a:srgbClr val="D8D8D8"/>
+        </a:solidFill>
+        <a:effectLst/>
+      </p:bgPr>
+    </p:bg>
+    <p:spTree>
+      <p:nvGrpSpPr>
+        <p:cNvPr id="1" name="Shape 257"/>
+        <p:cNvGrpSpPr/>
+        <p:nvPr/>
+      </p:nvGrpSpPr>
+      <p:grpSpPr>
+        <a:xfrm>
+          <a:off x="0" y="0"/>
+          <a:ext cx="0" cy="0"/>
+          <a:chOff x="0" y="0"/>
+          <a:chExt cx="0" cy="0"/>
+        </a:xfrm>
+      </p:grpSpPr>
+      <p:sp>
+        <p:nvSpPr>
+          <p:cNvPr id="258" name="Google Shape;258;p10"/>
+          <p:cNvSpPr/>
+          <p:nvPr/>
+        </p:nvSpPr>
+        <p:spPr>
+          <a:xfrm>
+            <a:off x="0" y="0"/>
+            <a:ext cx="3490722" cy="6858000"/>
+          </a:xfrm>
+          <a:prstGeom prst="rect">
+            <a:avLst/>
+          </a:prstGeom>
+          <a:solidFill>
+            <a:srgbClr val="3F3F3F"/>
+          </a:solidFill>
+          <a:ln>
+            <a:noFill/>
+          </a:ln>
+        </p:spPr>
+        <p:txBody>
+          <a:bodyPr spcFirstLastPara="1" wrap="square" lIns="91425" tIns="45700" rIns="91425" bIns="45700" anchor="ctr" anchorCtr="0">
+            <a:noAutofit/>
+          </a:bodyPr>
+          <a:lstStyle/>
+          <a:p>
+            <a:pPr marL="0" marR="0" lvl="0" indent="0" algn="ctr" rtl="0">
+              <a:spcBef>
+                <a:spcPts val="0"/>
+              </a:spcBef>
+              <a:spcAft>
+                <a:spcPts val="0"/>
+              </a:spcAft>
+              <a:buNone/>
+            </a:pPr>
+            <a:endParaRPr sz="2400" b="0" i="0" u="none" strike="noStrike" cap="none">
+              <a:solidFill>
+                <a:schemeClr val="lt1"/>
+              </a:solidFill>
+              <a:latin typeface="Arial"/>
+              <a:ea typeface="Arial"/>
+              <a:cs typeface="Arial"/>
+              <a:sym typeface="Arial"/>
+            </a:endParaRPr>
+          </a:p>
+        </p:txBody>
+      </p:sp>
+      <p:sp>
+        <p:nvSpPr>
+          <p:cNvPr id="259" name="Google Shape;259;p10"/>
+          <p:cNvSpPr txBox="1">
+            <a:spLocks noGrp="1"/>
+          </p:cNvSpPr>
+          <p:nvPr>
+            <p:ph type="title"/>
+          </p:nvPr>
+        </p:nvSpPr>
+        <p:spPr>
+          <a:xfrm>
+            <a:off x="482600" y="643467"/>
+            <a:ext cx="2522980" cy="1597315"/>
+          </a:xfrm>
+          <a:prstGeom prst="rect">
+            <a:avLst/>
+          </a:prstGeom>
+          <a:noFill/>
+          <a:ln w="19050" cap="flat" cmpd="sng">
+            <a:solidFill>
+              <a:schemeClr val="lt1"/>
+            </a:solidFill>
+            <a:prstDash val="solid"/>
+            <a:round/>
+            <a:headEnd type="none" w="sm" len="sm"/>
+            <a:tailEnd type="none" w="sm" len="sm"/>
+          </a:ln>
+        </p:spPr>
+        <p:txBody>
+          <a:bodyPr spcFirstLastPara="1" wrap="square" lIns="91425" tIns="45700" rIns="91425" bIns="45700" anchor="ctr" anchorCtr="0">
+            <a:normAutofit/>
+          </a:bodyPr>
+          <a:lstStyle/>
+          <a:p>
+            <a:pPr marL="0" lvl="0" indent="0" algn="ctr" rtl="0">
+              <a:lnSpc>
+                <a:spcPct val="90000"/>
+              </a:lnSpc>
+              <a:spcBef>
+                <a:spcPts val="0"/>
+              </a:spcBef>
+              <a:spcAft>
+                <a:spcPts val="0"/>
+              </a:spcAft>
+              <a:buNone/>
+            </a:pPr>
+            <a:r>
+              <a:rPr lang="en-US" sz="2400" dirty="0">
+                <a:solidFill>
+                  <a:schemeClr val="lt1"/>
+                </a:solidFill>
+                <a:latin typeface="Calibri"/>
+                <a:ea typeface="Calibri"/>
+                <a:cs typeface="Calibri"/>
+                <a:sym typeface="Calibri"/>
+              </a:rPr>
+              <a:t>Closing</a:t>
+            </a:r>
+            <a:endParaRPr sz="2400" dirty="0">
+              <a:solidFill>
+                <a:schemeClr val="lt1"/>
+              </a:solidFill>
+              <a:latin typeface="Calibri"/>
+              <a:ea typeface="Calibri"/>
+              <a:cs typeface="Calibri"/>
+              <a:sym typeface="Calibri"/>
+            </a:endParaRPr>
+          </a:p>
+        </p:txBody>
+      </p:sp>
+      <p:pic>
+        <p:nvPicPr>
+          <p:cNvPr id="260" name="Google Shape;260;p10"/>
+          <p:cNvPicPr preferRelativeResize="0"/>
+          <p:nvPr/>
+        </p:nvPicPr>
+        <p:blipFill rotWithShape="1">
+          <a:blip r:embed="rId3">
+            <a:alphaModFix/>
+          </a:blip>
+          <a:srcRect l="8000" r="9399"/>
+          <a:stretch/>
+        </p:blipFill>
+        <p:spPr>
+          <a:xfrm>
+            <a:off x="660103" y="3048000"/>
+            <a:ext cx="2167974" cy="2624666"/>
+          </a:xfrm>
+          <a:prstGeom prst="rect">
+            <a:avLst/>
+          </a:prstGeom>
+          <a:noFill/>
+          <a:ln>
+            <a:noFill/>
+          </a:ln>
+        </p:spPr>
+      </p:pic>
+      <p:sp>
+        <p:nvSpPr>
+          <p:cNvPr id="261" name="Google Shape;261;p10"/>
+          <p:cNvSpPr txBox="1"/>
+          <p:nvPr/>
+        </p:nvSpPr>
+        <p:spPr>
+          <a:xfrm>
+            <a:off x="3810000" y="643466"/>
+            <a:ext cx="4851400" cy="5833533"/>
+          </a:xfrm>
+          <a:prstGeom prst="rect">
+            <a:avLst/>
+          </a:prstGeom>
+          <a:noFill/>
+          <a:ln>
+            <a:noFill/>
+          </a:ln>
+        </p:spPr>
+        <p:txBody>
+          <a:bodyPr spcFirstLastPara="1" wrap="square" lIns="91425" tIns="45700" rIns="91425" bIns="45700" anchor="t" anchorCtr="0">
+            <a:noAutofit/>
+          </a:bodyPr>
+          <a:lstStyle/>
+          <a:p>
+            <a:pPr marL="342900" marR="0" lvl="0" indent="-101600" algn="l" rtl="0">
+              <a:lnSpc>
+                <a:spcPct val="90000"/>
+              </a:lnSpc>
+              <a:spcBef>
+                <a:spcPts val="0"/>
+              </a:spcBef>
+              <a:spcAft>
+                <a:spcPts val="0"/>
+              </a:spcAft>
+              <a:buClr>
+                <a:schemeClr val="dk1"/>
+              </a:buClr>
+              <a:buSzPts val="2000"/>
+              <a:buFont typeface="Arial"/>
+              <a:buNone/>
+            </a:pPr>
+            <a:endParaRPr sz="2000" b="0" i="0" u="none" strike="noStrike" cap="none">
+              <a:solidFill>
+                <a:srgbClr val="404040"/>
+              </a:solidFill>
+              <a:latin typeface="Calibri"/>
+              <a:ea typeface="Calibri"/>
+              <a:cs typeface="Calibri"/>
+              <a:sym typeface="Calibri"/>
+            </a:endParaRPr>
+          </a:p>
+          <a:p>
+            <a:pPr marL="342900" marR="0" lvl="0" indent="-101600" algn="l" rtl="0">
+              <a:lnSpc>
+                <a:spcPct val="90000"/>
+              </a:lnSpc>
+              <a:spcBef>
+                <a:spcPts val="400"/>
+              </a:spcBef>
+              <a:spcAft>
+                <a:spcPts val="0"/>
+              </a:spcAft>
+              <a:buClr>
+                <a:schemeClr val="dk1"/>
+              </a:buClr>
+              <a:buSzPts val="2000"/>
+              <a:buFont typeface="Arial"/>
+              <a:buNone/>
+            </a:pPr>
+            <a:endParaRPr sz="2000" b="0" i="0" u="none" strike="noStrike" cap="none">
+              <a:solidFill>
+                <a:srgbClr val="404040"/>
+              </a:solidFill>
+              <a:latin typeface="Calibri"/>
+              <a:ea typeface="Calibri"/>
+              <a:cs typeface="Calibri"/>
+              <a:sym typeface="Calibri"/>
+            </a:endParaRPr>
+          </a:p>
+        </p:txBody>
+      </p:sp>
+      <p:sp>
+        <p:nvSpPr>
+          <p:cNvPr id="262" name="Google Shape;262;p10"/>
+          <p:cNvSpPr txBox="1"/>
+          <p:nvPr/>
+        </p:nvSpPr>
+        <p:spPr>
+          <a:xfrm>
+            <a:off x="3973322" y="643466"/>
+            <a:ext cx="4851400" cy="5953916"/>
+          </a:xfrm>
+          <a:prstGeom prst="rect">
+            <a:avLst/>
+          </a:prstGeom>
+          <a:noFill/>
+          <a:ln>
+            <a:noFill/>
+          </a:ln>
+        </p:spPr>
+        <p:txBody>
+          <a:bodyPr spcFirstLastPara="1" wrap="square" lIns="91425" tIns="45700" rIns="91425" bIns="45700" anchor="t" anchorCtr="0">
+            <a:noAutofit/>
+          </a:bodyPr>
+          <a:lstStyle/>
+          <a:p>
+            <a:pPr marL="114300" marR="0" lvl="0" indent="0" algn="l" rtl="0">
+              <a:lnSpc>
+                <a:spcPct val="90000"/>
+              </a:lnSpc>
+              <a:spcBef>
+                <a:spcPts val="0"/>
+              </a:spcBef>
+              <a:spcAft>
+                <a:spcPts val="0"/>
+              </a:spcAft>
+              <a:buClr>
+                <a:srgbClr val="404040"/>
+              </a:buClr>
+              <a:buSzPts val="7200"/>
+              <a:buFont typeface="Arial"/>
+              <a:buNone/>
+            </a:pPr>
+            <a:r>
+              <a:rPr lang="en-US" sz="7200" b="0" i="0" u="none" strike="noStrike" cap="none">
+                <a:solidFill>
+                  <a:srgbClr val="404040"/>
+                </a:solidFill>
+                <a:latin typeface="Calibri"/>
+                <a:ea typeface="Calibri"/>
+                <a:cs typeface="Calibri"/>
+                <a:sym typeface="Calibri"/>
+              </a:rPr>
+              <a:t>Disperse and Make Reasonable Decisions</a:t>
+            </a:r>
+            <a:endParaRPr/>
+          </a:p>
+          <a:p>
+            <a:pPr marL="342900" marR="0" lvl="0" indent="0" algn="l" rtl="0">
+              <a:lnSpc>
+                <a:spcPct val="90000"/>
+              </a:lnSpc>
+              <a:spcBef>
+                <a:spcPts val="1440"/>
+              </a:spcBef>
+              <a:spcAft>
+                <a:spcPts val="0"/>
+              </a:spcAft>
+              <a:buClr>
+                <a:schemeClr val="dk1"/>
+              </a:buClr>
+              <a:buSzPts val="7200"/>
+              <a:buFont typeface="Arial"/>
+              <a:buNone/>
+            </a:pPr>
+            <a:endParaRPr sz="7200" b="0" i="0" u="none" strike="noStrike" cap="none">
+              <a:solidFill>
+                <a:srgbClr val="404040"/>
+              </a:solidFill>
+              <a:latin typeface="Calibri"/>
+              <a:ea typeface="Calibri"/>
+              <a:cs typeface="Calibri"/>
+              <a:sym typeface="Calibri"/>
+            </a:endParaRPr>
+          </a:p>
+          <a:p>
+            <a:pPr marL="342900" marR="0" lvl="0" indent="0" algn="l" rtl="0">
+              <a:lnSpc>
+                <a:spcPct val="90000"/>
+              </a:lnSpc>
+              <a:spcBef>
+                <a:spcPts val="1440"/>
+              </a:spcBef>
+              <a:spcAft>
+                <a:spcPts val="0"/>
+              </a:spcAft>
+              <a:buClr>
+                <a:schemeClr val="dk1"/>
+              </a:buClr>
+              <a:buSzPts val="7200"/>
+              <a:buFont typeface="Arial"/>
+              <a:buNone/>
+            </a:pPr>
+            <a:endParaRPr sz="7200" b="0" i="0" u="none" strike="noStrike" cap="none">
+              <a:solidFill>
+                <a:srgbClr val="404040"/>
+              </a:solidFill>
+              <a:latin typeface="Calibri"/>
+              <a:ea typeface="Calibri"/>
+              <a:cs typeface="Calibri"/>
+              <a:sym typeface="Calibri"/>
+            </a:endParaRPr>
+          </a:p>
+          <a:p>
+            <a:pPr marL="342900" marR="0" lvl="0" indent="0" algn="l" rtl="0">
+              <a:lnSpc>
+                <a:spcPct val="90000"/>
+              </a:lnSpc>
+              <a:spcBef>
+                <a:spcPts val="1440"/>
+              </a:spcBef>
+              <a:spcAft>
+                <a:spcPts val="0"/>
+              </a:spcAft>
+              <a:buClr>
+                <a:schemeClr val="dk1"/>
+              </a:buClr>
+              <a:buSzPts val="7200"/>
+              <a:buFont typeface="Arial"/>
+              <a:buNone/>
+            </a:pPr>
+            <a:endParaRPr sz="7200" b="0" i="0" u="none" strike="noStrike" cap="none">
+              <a:solidFill>
+                <a:srgbClr val="404040"/>
+              </a:solidFill>
+              <a:latin typeface="Calibri"/>
+              <a:ea typeface="Calibri"/>
+              <a:cs typeface="Calibri"/>
+              <a:sym typeface="Calibri"/>
+            </a:endParaRPr>
+          </a:p>
+          <a:p>
+            <a:pPr marL="342900" marR="0" lvl="0" indent="0" algn="l" rtl="0">
+              <a:lnSpc>
+                <a:spcPct val="90000"/>
+              </a:lnSpc>
+              <a:spcBef>
+                <a:spcPts val="1440"/>
+              </a:spcBef>
+              <a:spcAft>
+                <a:spcPts val="0"/>
+              </a:spcAft>
+              <a:buClr>
+                <a:schemeClr val="dk1"/>
+              </a:buClr>
+              <a:buSzPts val="7200"/>
+              <a:buFont typeface="Arial"/>
+              <a:buNone/>
+            </a:pPr>
+            <a:endParaRPr sz="7200" b="0" i="0" u="none" strike="noStrike" cap="none">
+              <a:solidFill>
+                <a:srgbClr val="404040"/>
+              </a:solidFill>
+              <a:latin typeface="Calibri"/>
+              <a:ea typeface="Calibri"/>
+              <a:cs typeface="Calibri"/>
+              <a:sym typeface="Calibri"/>
+            </a:endParaRPr>
+          </a:p>
+        </p:txBody>
+      </p:sp>
+    </p:spTree>
+  </p:cSld>
+  <p:clrMapOvr>
+    <a:masterClrMapping/>
+  </p:clrMapOvr>
+</p:sld>
+</file>
+
 <file path=ppt/slides/slide2.xml><?xml version="1.0" encoding="utf-8"?>
 <p:sld xmlns:a="http://schemas.openxmlformats.org/drawingml/2006/main" xmlns:r="http://schemas.openxmlformats.org/officeDocument/2006/relationships" xmlns:p="http://schemas.openxmlformats.org/presentationml/2006/main">
   <p:cSld>
@@ -28570,7 +29129,7 @@
             </a:endParaRPr>
           </a:p>
           <a:p>
-            <a:pPr marL="609600" marR="0" lvl="0" indent="-342900" algn="l" rtl="0">
+            <a:pPr marL="266700" marR="0" lvl="0" algn="l" rtl="0">
               <a:lnSpc>
                 <a:spcPct val="90000"/>
               </a:lnSpc>
@@ -28582,79 +29141,6 @@
               </a:spcAft>
               <a:buClrTx/>
               <a:buSzPts val="2400"/>
-              <a:buFont typeface="Arial" panose="020B0604020202020204" pitchFamily="34" charset="0"/>
-              <a:buChar char="•"/>
-            </a:pPr>
-            <a:endParaRPr sz="2400" b="0" i="0" u="none" strike="noStrike" cap="none" dirty="0">
-              <a:solidFill>
-                <a:srgbClr val="3F3F3F"/>
-              </a:solidFill>
-              <a:latin typeface="Calibri"/>
-              <a:ea typeface="Calibri"/>
-              <a:cs typeface="Calibri"/>
-              <a:sym typeface="Calibri"/>
-            </a:endParaRPr>
-          </a:p>
-          <a:p>
-            <a:pPr marL="457200" marR="0" lvl="0" indent="-342900" algn="l" rtl="0">
-              <a:lnSpc>
-                <a:spcPct val="90000"/>
-              </a:lnSpc>
-              <a:spcBef>
-                <a:spcPts val="480"/>
-              </a:spcBef>
-              <a:spcAft>
-                <a:spcPts val="0"/>
-              </a:spcAft>
-              <a:buClrTx/>
-              <a:buSzPts val="2400"/>
-              <a:buFont typeface="Arial" panose="020B0604020202020204" pitchFamily="34" charset="0"/>
-              <a:buChar char="•"/>
-            </a:pPr>
-            <a:r>
-              <a:rPr lang="en-US" sz="2400" b="0" i="0" u="sng" strike="noStrike" cap="none" dirty="0">
-                <a:solidFill>
-                  <a:srgbClr val="3F3F3F"/>
-                </a:solidFill>
-                <a:latin typeface="Calibri"/>
-                <a:ea typeface="Calibri"/>
-                <a:cs typeface="Calibri"/>
-                <a:sym typeface="Calibri"/>
-                <a:hlinkClick r:id="rId3">
-                  <a:extLst>
-                    <a:ext uri="{A12FA001-AC4F-418D-AE19-62706E023703}">
-                      <ahyp:hlinkClr xmlns:ahyp="http://schemas.microsoft.com/office/drawing/2018/hyperlinkcolor" val="tx"/>
-                    </a:ext>
-                  </a:extLst>
-                </a:hlinkClick>
-              </a:rPr>
-              <a:t>Personal Website</a:t>
-            </a:r>
-            <a:endParaRPr sz="2400" b="0" i="0" u="none" strike="noStrike" cap="none" dirty="0">
-              <a:solidFill>
-                <a:srgbClr val="3F3F3F"/>
-              </a:solidFill>
-              <a:latin typeface="Calibri"/>
-              <a:ea typeface="Calibri"/>
-              <a:cs typeface="Calibri"/>
-              <a:sym typeface="Calibri"/>
-            </a:endParaRPr>
-          </a:p>
-          <a:p>
-            <a:pPr marL="609600" marR="0" lvl="0" indent="-342900" algn="l" rtl="0">
-              <a:lnSpc>
-                <a:spcPct val="90000"/>
-              </a:lnSpc>
-              <a:spcBef>
-                <a:spcPts val="480"/>
-              </a:spcBef>
-              <a:spcAft>
-                <a:spcPts val="0"/>
-              </a:spcAft>
-              <a:buClrTx/>
-              <a:buSzPts val="2400"/>
-              <a:buFont typeface="Arial" panose="020B0604020202020204" pitchFamily="34" charset="0"/>
-              <a:buChar char="•"/>
             </a:pPr>
             <a:endParaRPr sz="2400" b="0" i="0" u="none" strike="noStrike" cap="none" dirty="0">
               <a:solidFill>
@@ -28709,7 +29195,7 @@
           <p:nvPr/>
         </p:nvPicPr>
         <p:blipFill rotWithShape="1">
-          <a:blip r:embed="rId4">
+          <a:blip r:embed="rId3">
             <a:alphaModFix/>
           </a:blip>
           <a:srcRect l="8000" r="9399"/>
@@ -29935,7 +30421,7 @@
               <a:buChar char="•"/>
             </a:pPr>
             <a:r>
-              <a:rPr lang="en-US" sz="2400" b="0" i="0" u="none" strike="noStrike" cap="none">
+              <a:rPr lang="en-US" sz="2400" b="0" i="0" u="none" strike="noStrike" cap="none" dirty="0">
                 <a:solidFill>
                   <a:srgbClr val="404040"/>
                 </a:solidFill>
@@ -29946,7 +30432,7 @@
               </a:rPr>
               <a:t>Textbook: </a:t>
             </a:r>
-            <a:endParaRPr/>
+            <a:endParaRPr dirty="0"/>
           </a:p>
           <a:p>
             <a:pPr marL="342900" marR="0" lvl="0" indent="-76200" algn="l" rtl="0">
@@ -29966,7 +30452,43 @@
               <a:buFont typeface="Arial"/>
               <a:buNone/>
             </a:pPr>
-            <a:endParaRPr sz="2400" b="0" i="0" u="none" strike="noStrike" cap="none">
+            <a:r>
+              <a:rPr lang="en-US" sz="2400" b="0" i="0" u="none" strike="noStrike" cap="none" dirty="0">
+                <a:solidFill>
+                  <a:srgbClr val="404040"/>
+                </a:solidFill>
+                <a:latin typeface="Calibri"/>
+                <a:ea typeface="Calibri"/>
+                <a:cs typeface="Calibri"/>
+                <a:sym typeface="Calibri"/>
+              </a:rPr>
+              <a:t>  1</a:t>
+            </a:r>
+            <a:r>
+              <a:rPr lang="en-US" sz="2400" b="0" i="0" u="none" strike="noStrike" cap="none" baseline="30000" dirty="0">
+                <a:solidFill>
+                  <a:srgbClr val="404040"/>
+                </a:solidFill>
+                <a:latin typeface="Calibri"/>
+                <a:ea typeface="Calibri"/>
+                <a:cs typeface="Calibri"/>
+                <a:sym typeface="Calibri"/>
+              </a:rPr>
+              <a:t>st</a:t>
+            </a:r>
+            <a:r>
+              <a:rPr lang="en-US" sz="2400" b="0" i="0" u="none" strike="noStrike" cap="none" dirty="0">
+                <a:solidFill>
+                  <a:srgbClr val="404040"/>
+                </a:solidFill>
+                <a:latin typeface="Calibri"/>
+                <a:ea typeface="Calibri"/>
+                <a:cs typeface="Calibri"/>
+                <a:sym typeface="Calibri"/>
+              </a:rPr>
+              <a:t> Edition</a:t>
+            </a:r>
+            <a:endParaRPr sz="2400" b="0" i="0" u="none" strike="noStrike" cap="none" dirty="0">
               <a:solidFill>
                 <a:srgbClr val="404040"/>
               </a:solidFill>
@@ -29994,7 +30516,7 @@
               <a:buFont typeface="Arial"/>
               <a:buNone/>
             </a:pPr>
-            <a:endParaRPr sz="2400" b="0" i="0" u="none" strike="noStrike" cap="none">
+            <a:endParaRPr sz="2400" b="0" i="0" u="none" strike="noStrike" cap="none" dirty="0">
               <a:solidFill>
                 <a:srgbClr val="404040"/>
               </a:solidFill>
@@ -30022,7 +30544,7 @@
               <a:buFont typeface="Arial"/>
               <a:buNone/>
             </a:pPr>
-            <a:endParaRPr sz="2400" b="0" i="0" u="none" strike="noStrike" cap="none">
+            <a:endParaRPr sz="2400" b="0" i="0" u="none" strike="noStrike" cap="none" dirty="0">
               <a:solidFill>
                 <a:srgbClr val="404040"/>
               </a:solidFill>
@@ -30050,7 +30572,7 @@
               <a:buFont typeface="Arial"/>
               <a:buNone/>
             </a:pPr>
-            <a:endParaRPr sz="2400" b="0" i="0" u="none" strike="noStrike" cap="none">
+            <a:endParaRPr sz="2400" b="0" i="0" u="none" strike="noStrike" cap="none" dirty="0">
               <a:solidFill>
                 <a:srgbClr val="404040"/>
               </a:solidFill>
@@ -30078,7 +30600,7 @@
               <a:buFont typeface="Arial"/>
               <a:buNone/>
             </a:pPr>
-            <a:endParaRPr sz="2400" b="0" i="0" u="none" strike="noStrike" cap="none">
+            <a:endParaRPr sz="2400" b="0" i="0" u="none" strike="noStrike" cap="none" dirty="0">
               <a:solidFill>
                 <a:srgbClr val="404040"/>
               </a:solidFill>
@@ -30106,7 +30628,7 @@
               <a:buFont typeface="Arial"/>
               <a:buNone/>
             </a:pPr>
-            <a:endParaRPr sz="2400" b="0" i="0" u="none" strike="noStrike" cap="none">
+            <a:endParaRPr sz="2400" b="0" i="0" u="none" strike="noStrike" cap="none" dirty="0">
               <a:solidFill>
                 <a:srgbClr val="404040"/>
               </a:solidFill>
@@ -30134,7 +30656,7 @@
               <a:buFont typeface="Arial"/>
               <a:buNone/>
             </a:pPr>
-            <a:endParaRPr sz="2400" b="0" i="0" u="none" strike="noStrike" cap="none">
+            <a:endParaRPr sz="2400" b="0" i="0" u="none" strike="noStrike" cap="none" dirty="0">
               <a:solidFill>
                 <a:srgbClr val="404040"/>
               </a:solidFill>
@@ -30163,7 +30685,7 @@
               <a:buChar char="•"/>
             </a:pPr>
             <a:r>
-              <a:rPr lang="en-US" sz="2400" b="0" i="0" u="none" strike="noStrike" cap="none">
+              <a:rPr lang="en-US" sz="2400" b="0" i="0" u="none" strike="noStrike" cap="none" dirty="0">
                 <a:solidFill>
                   <a:srgbClr val="404040"/>
                 </a:solidFill>
@@ -30174,7 +30696,7 @@
               </a:rPr>
               <a:t>Computer: We will actively use our laptops in every class.</a:t>
             </a:r>
-            <a:endParaRPr/>
+            <a:endParaRPr dirty="0"/>
           </a:p>
           <a:p>
             <a:pPr marL="342900" marR="0" lvl="0" indent="-76200" algn="l" rtl="0">
@@ -30194,7 +30716,7 @@
               <a:buFont typeface="Arial"/>
               <a:buNone/>
             </a:pPr>
-            <a:endParaRPr sz="2400" b="0" i="0" u="none" strike="noStrike" cap="none">
+            <a:endParaRPr sz="2400" b="0" i="0" u="none" strike="noStrike" cap="none" dirty="0">
               <a:solidFill>
                 <a:srgbClr val="404040"/>
               </a:solidFill>
@@ -30223,7 +30745,7 @@
               <a:buChar char="•"/>
             </a:pPr>
             <a:r>
-              <a:rPr lang="en-US" sz="2400" b="0" i="0" u="none" strike="noStrike" cap="none">
+              <a:rPr lang="en-US" sz="2400" b="0" i="0" u="none" strike="noStrike" cap="none" dirty="0">
                 <a:solidFill>
                   <a:srgbClr val="404040"/>
                 </a:solidFill>
@@ -30234,7 +30756,7 @@
               </a:rPr>
               <a:t>R and RStudio Installed and Operational</a:t>
             </a:r>
-            <a:endParaRPr/>
+            <a:endParaRPr dirty="0"/>
           </a:p>
           <a:p>
             <a:pPr marL="342900" marR="0" lvl="0" indent="-76200" algn="l" rtl="0">
@@ -30254,7 +30776,7 @@
               <a:buFont typeface="Arial"/>
               <a:buNone/>
             </a:pPr>
-            <a:endParaRPr sz="2400" b="0" i="0" u="none" strike="noStrike" cap="none">
+            <a:endParaRPr sz="2400" b="0" i="0" u="none" strike="noStrike" cap="none" dirty="0">
               <a:solidFill>
                 <a:srgbClr val="404040"/>
               </a:solidFill>
@@ -30283,7 +30805,7 @@
               <a:buChar char="•"/>
             </a:pPr>
             <a:r>
-              <a:rPr lang="en-US" sz="2400" b="0" i="0" u="none" strike="noStrike" cap="none">
+              <a:rPr lang="en-US" sz="2400" b="0" i="0" u="none" strike="noStrike" cap="none" dirty="0">
                 <a:solidFill>
                   <a:srgbClr val="404040"/>
                 </a:solidFill>
@@ -30294,7 +30816,7 @@
               </a:rPr>
               <a:t>High Tolerance for Pain and Agony</a:t>
             </a:r>
-            <a:endParaRPr/>
+            <a:endParaRPr dirty="0"/>
           </a:p>
           <a:p>
             <a:pPr marL="342900" marR="0" lvl="0" indent="-101600" algn="l" rtl="0">
@@ -30314,7 +30836,7 @@
               <a:buFont typeface="Arial"/>
               <a:buNone/>
             </a:pPr>
-            <a:endParaRPr sz="2000" b="0" i="0" u="none" strike="noStrike" cap="none">
+            <a:endParaRPr sz="2000" b="0" i="0" u="none" strike="noStrike" cap="none" dirty="0">
               <a:solidFill>
                 <a:srgbClr val="404040"/>
               </a:solidFill>
@@ -30342,7 +30864,7 @@
               <a:buFont typeface="Arial"/>
               <a:buNone/>
             </a:pPr>
-            <a:endParaRPr sz="2000" b="0" i="0" u="none" strike="noStrike" cap="none">
+            <a:endParaRPr sz="2000" b="0" i="0" u="none" strike="noStrike" cap="none" dirty="0">
               <a:solidFill>
                 <a:srgbClr val="404040"/>
               </a:solidFill>
@@ -30688,7 +31210,7 @@
                 <a:spcPct val="90000"/>
               </a:lnSpc>
               <a:spcBef>
-                <a:spcPts val="0"/>
+                <a:spcPts val="480"/>
               </a:spcBef>
               <a:spcAft>
                 <a:spcPts val="0"/>
@@ -30701,7 +31223,7 @@
               <a:buChar char="•"/>
             </a:pPr>
             <a:r>
-              <a:rPr lang="en-US" sz="2400" b="0" i="0" u="sng" strike="noStrike" cap="none" dirty="0">
+              <a:rPr lang="en-US" sz="2400" b="0" i="0" u="none" strike="noStrike" cap="none" dirty="0">
                 <a:solidFill>
                   <a:srgbClr val="404040"/>
                 </a:solidFill>
@@ -30709,17 +31231,72 @@
                 <a:ea typeface="Calibri"/>
                 <a:cs typeface="Calibri"/>
                 <a:sym typeface="Calibri"/>
-                <a:hlinkClick r:id="rId4">
-                  <a:extLst>
-                    <a:ext uri="{A12FA001-AC4F-418D-AE19-62706E023703}">
-                      <ahyp:hlinkClr xmlns:ahyp="http://schemas.microsoft.com/office/drawing/2018/hyperlinkcolor" val="tx"/>
-                    </a:ext>
-                  </a:extLst>
-                </a:hlinkClick>
               </a:rPr>
-              <a:t>Course Website and Syllabus</a:t>
+              <a:t>Lectures (Some In-Class Coding)</a:t>
             </a:r>
-            <a:endParaRPr sz="2400" b="0" i="0" u="none" strike="noStrike" cap="none" dirty="0">
+            <a:endParaRPr lang="en-US" dirty="0">
+              <a:ea typeface="Calibri"/>
+            </a:endParaRPr>
+          </a:p>
+          <a:p>
+            <a:pPr marL="342900" marR="0" lvl="0" indent="-228600" algn="l" rtl="0">
+              <a:lnSpc>
+                <a:spcPct val="90000"/>
+              </a:lnSpc>
+              <a:spcBef>
+                <a:spcPts val="480"/>
+              </a:spcBef>
+              <a:spcAft>
+                <a:spcPts val="0"/>
+              </a:spcAft>
+              <a:buClr>
+                <a:srgbClr val="404040"/>
+              </a:buClr>
+              <a:buSzPts val="2400"/>
+              <a:buFont typeface="Arial"/>
+              <a:buChar char="•"/>
+            </a:pPr>
+            <a:endParaRPr lang="en-US" sz="2400" b="0" i="0" u="none" strike="noStrike" cap="none" dirty="0">
+              <a:solidFill>
+                <a:srgbClr val="404040"/>
+              </a:solidFill>
+              <a:latin typeface="Calibri"/>
+              <a:ea typeface="Calibri"/>
+              <a:cs typeface="Calibri"/>
+              <a:sym typeface="Calibri"/>
+            </a:endParaRPr>
+          </a:p>
+          <a:p>
+            <a:pPr marL="342900" marR="0" lvl="0" indent="-228600" algn="l" rtl="0">
+              <a:lnSpc>
+                <a:spcPct val="90000"/>
+              </a:lnSpc>
+              <a:spcBef>
+                <a:spcPts val="480"/>
+              </a:spcBef>
+              <a:spcAft>
+                <a:spcPts val="0"/>
+              </a:spcAft>
+              <a:buClr>
+                <a:srgbClr val="404040"/>
+              </a:buClr>
+              <a:buSzPts val="2400"/>
+              <a:buFont typeface="Arial"/>
+              <a:buChar char="•"/>
+            </a:pPr>
+            <a:r>
+              <a:rPr lang="en-US" sz="2400" dirty="0">
+                <a:solidFill>
+                  <a:srgbClr val="404040"/>
+                </a:solidFill>
+                <a:latin typeface="Calibri"/>
+                <a:ea typeface="Calibri"/>
+                <a:cs typeface="Calibri"/>
+                <a:sym typeface="Calibri"/>
+              </a:rPr>
+              <a:t>Labs – Work in Groups to Complete Coding Assignments</a:t>
+            </a:r>
+            <a:endParaRPr lang="en-US" sz="2400" b="0" i="0" u="none" strike="noStrike" cap="none" dirty="0">
               <a:solidFill>
                 <a:srgbClr val="404040"/>
               </a:solidFill>
@@ -30785,66 +31362,6 @@
                 <a:cs typeface="Calibri"/>
                 <a:sym typeface="Calibri"/>
               </a:rPr>
-              <a:t>In-Class Coding</a:t>
-            </a:r>
-            <a:endParaRPr dirty="0"/>
-          </a:p>
-          <a:p>
-            <a:pPr marL="114300" marR="0" lvl="0" indent="0" algn="l" rtl="0">
-              <a:lnSpc>
-                <a:spcPct val="90000"/>
-              </a:lnSpc>
-              <a:spcBef>
-                <a:spcPts val="480"/>
-              </a:spcBef>
-              <a:spcAft>
-                <a:spcPts val="0"/>
-              </a:spcAft>
-              <a:buClr>
-                <a:schemeClr val="dk1"/>
-              </a:buClr>
-              <a:buSzPts val="2400"/>
-              <a:buFont typeface="Arial"/>
-              <a:buNone/>
-            </a:pPr>
-            <a:endParaRPr sz="2400" b="0" i="0" u="none" strike="noStrike" cap="none" dirty="0">
-              <a:solidFill>
-                <a:srgbClr val="404040"/>
-              </a:solidFill>
-              <a:latin typeface="Calibri"/>
-              <a:ea typeface="Calibri"/>
-              <a:cs typeface="Calibri"/>
-              <a:sym typeface="Calibri"/>
-            </a:endParaRPr>
-          </a:p>
-          <a:p>
-            <a:pPr marL="342900" marR="0" lvl="0" indent="-228600" algn="l" rtl="0">
-              <a:lnSpc>
-                <a:spcPct val="90000"/>
-              </a:lnSpc>
-              <a:spcBef>
-                <a:spcPts val="480"/>
-              </a:spcBef>
-              <a:spcAft>
-                <a:spcPts val="0"/>
-              </a:spcAft>
-              <a:buClr>
-                <a:srgbClr val="404040"/>
-              </a:buClr>
-              <a:buSzPts val="2400"/>
-              <a:buFont typeface="Arial"/>
-              <a:buChar char="•"/>
-            </a:pPr>
-            <a:r>
-              <a:rPr lang="en-US" sz="2400" b="0" i="0" u="none" strike="noStrike" cap="none" dirty="0">
-                <a:solidFill>
-                  <a:srgbClr val="404040"/>
-                </a:solidFill>
-                <a:latin typeface="Calibri"/>
-                <a:ea typeface="Calibri"/>
-                <a:cs typeface="Calibri"/>
-                <a:sym typeface="Calibri"/>
-              </a:rPr>
               <a:t>Weekly Assignments</a:t>
             </a:r>
             <a:endParaRPr dirty="0"/>
@@ -30877,7 +31394,50 @@
                 <a:cs typeface="Calibri"/>
                 <a:sym typeface="Calibri"/>
               </a:rPr>
-              <a:t>Labs (Attendance Required)</a:t>
+              <a:t>Labs</a:t>
+            </a:r>
+          </a:p>
+          <a:p>
+            <a:pPr marL="742950" marR="0" lvl="1" indent="-228600" algn="l" rtl="0">
+              <a:lnSpc>
+                <a:spcPct val="90000"/>
+              </a:lnSpc>
+              <a:spcBef>
+                <a:spcPts val="480"/>
+              </a:spcBef>
+              <a:spcAft>
+                <a:spcPts val="0"/>
+              </a:spcAft>
+              <a:buClr>
+                <a:srgbClr val="404040"/>
+              </a:buClr>
+              <a:buSzPts val="2400"/>
+              <a:buFont typeface="Arial"/>
+              <a:buChar char="•"/>
+            </a:pPr>
+            <a:r>
+              <a:rPr lang="en-US" sz="2400" b="0" i="0" u="none" strike="noStrike" cap="none" dirty="0" err="1">
+                <a:solidFill>
+                  <a:srgbClr val="404040"/>
+                </a:solidFill>
+                <a:latin typeface="Calibri"/>
+                <a:ea typeface="Calibri"/>
+                <a:cs typeface="Calibri"/>
+                <a:sym typeface="Calibri"/>
+              </a:rPr>
+              <a:t>Homeworks</a:t>
+            </a:r>
+            <a:r>
+              <a:rPr lang="en-US" sz="2400" b="0" i="0" u="none" strike="noStrike" cap="none" dirty="0">
+                <a:solidFill>
+                  <a:srgbClr val="404040"/>
+                </a:solidFill>
+                <a:latin typeface="Calibri"/>
+                <a:ea typeface="Calibri"/>
+                <a:cs typeface="Calibri"/>
+                <a:sym typeface="Calibri"/>
+              </a:rPr>
+              <a:t> (Optional)</a:t>
             </a:r>
             <a:endParaRPr dirty="0"/>
           </a:p>
@@ -30909,39 +31469,7 @@
                 <a:cs typeface="Calibri"/>
                 <a:sym typeface="Calibri"/>
               </a:rPr>
-              <a:t>Homework</a:t>
-            </a:r>
-            <a:endParaRPr dirty="0"/>
-          </a:p>
-          <a:p>
-            <a:pPr marL="742950" marR="0" lvl="1" indent="-228600" algn="l" rtl="0">
-              <a:lnSpc>
-                <a:spcPct val="90000"/>
-              </a:lnSpc>
-              <a:spcBef>
-                <a:spcPts val="480"/>
-              </a:spcBef>
-              <a:spcAft>
-                <a:spcPts val="0"/>
-              </a:spcAft>
-              <a:buClr>
-                <a:srgbClr val="404040"/>
-              </a:buClr>
-              <a:buSzPts val="2400"/>
-              <a:buFont typeface="Arial"/>
-              <a:buChar char="•"/>
-            </a:pPr>
-            <a:r>
-              <a:rPr lang="en-US" sz="2400" b="0" i="0" u="none" strike="noStrike" cap="none" dirty="0">
-                <a:solidFill>
-                  <a:srgbClr val="404040"/>
-                </a:solidFill>
-                <a:latin typeface="Calibri"/>
-                <a:ea typeface="Calibri"/>
-                <a:cs typeface="Calibri"/>
-                <a:sym typeface="Calibri"/>
-              </a:rPr>
-              <a:t>Analyses</a:t>
+              <a:t>Mini Projects</a:t>
             </a:r>
             <a:endParaRPr dirty="0"/>
           </a:p>
@@ -31060,19 +31588,7 @@
                 <a:cs typeface="Calibri"/>
                 <a:sym typeface="Calibri"/>
               </a:rPr>
-              <a:t>Learn and Use </a:t>
-            </a:r>
-            <a:r>
-              <a:rPr lang="en-US" sz="2400" b="0" i="0" u="none" strike="noStrike" cap="none" dirty="0" err="1">
-                <a:solidFill>
-                  <a:srgbClr val="404040"/>
-                </a:solidFill>
-                <a:latin typeface="Calibri"/>
-                <a:ea typeface="Calibri"/>
-                <a:cs typeface="Calibri"/>
-                <a:sym typeface="Calibri"/>
-              </a:rPr>
-              <a:t>RMarkdown</a:t>
+              <a:t>R Markdown for Assignments</a:t>
             </a:r>
             <a:endParaRPr sz="2400" b="0" i="0" u="none" strike="noStrike" cap="none" dirty="0">
               <a:solidFill>
@@ -31083,70 +31599,6 @@
               <a:cs typeface="Calibri"/>
               <a:sym typeface="Calibri"/>
             </a:endParaRPr>
-          </a:p>
-          <a:p>
-            <a:pPr marL="742950" marR="0" lvl="1" indent="-228600" algn="l" rtl="0">
-              <a:lnSpc>
-                <a:spcPct val="90000"/>
-              </a:lnSpc>
-              <a:spcBef>
-                <a:spcPts val="480"/>
-              </a:spcBef>
-              <a:spcAft>
-                <a:spcPts val="0"/>
-              </a:spcAft>
-              <a:buClr>
-                <a:srgbClr val="404040"/>
-              </a:buClr>
-              <a:buSzPts val="2400"/>
-              <a:buFont typeface="Arial"/>
-              <a:buChar char="•"/>
-            </a:pPr>
-            <a:r>
-              <a:rPr lang="en-US" sz="2400" b="0" i="0" u="none" strike="noStrike" cap="none" dirty="0">
-                <a:solidFill>
-                  <a:srgbClr val="404040"/>
-                </a:solidFill>
-                <a:latin typeface="Calibri"/>
-                <a:ea typeface="Calibri"/>
-                <a:cs typeface="Calibri"/>
-                <a:sym typeface="Calibri"/>
-              </a:rPr>
-              <a:t>Submit through Canvas</a:t>
-            </a:r>
-            <a:endParaRPr dirty="0"/>
-          </a:p>
-          <a:p>
-            <a:pPr marL="742950" marR="0" lvl="1" indent="-228600" algn="l" rtl="0">
-              <a:lnSpc>
-                <a:spcPct val="90000"/>
-              </a:lnSpc>
-              <a:spcBef>
-                <a:spcPts val="480"/>
-              </a:spcBef>
-              <a:spcAft>
-                <a:spcPts val="0"/>
-              </a:spcAft>
-              <a:buClr>
-                <a:srgbClr val="404040"/>
-              </a:buClr>
-              <a:buSzPts val="2400"/>
-              <a:buFont typeface="Arial"/>
-              <a:buChar char="•"/>
-            </a:pPr>
-            <a:r>
-              <a:rPr lang="en-US" sz="2400" b="0" i="0" u="none" strike="noStrike" cap="none" dirty="0">
-                <a:solidFill>
-                  <a:srgbClr val="404040"/>
-                </a:solidFill>
-                <a:latin typeface="Calibri"/>
-                <a:ea typeface="Calibri"/>
-                <a:cs typeface="Calibri"/>
-                <a:sym typeface="Calibri"/>
-              </a:rPr>
-              <a:t>Submit as HTML Files</a:t>
-            </a:r>
-            <a:endParaRPr dirty="0"/>
           </a:p>
         </p:txBody>
       </p:sp>
@@ -31279,7 +31731,7 @@
               <a:buNone/>
             </a:pPr>
             <a:r>
-              <a:rPr lang="en-US" sz="2400">
+              <a:rPr lang="en-US" sz="2400" dirty="0">
                 <a:solidFill>
                   <a:schemeClr val="lt1"/>
                 </a:solidFill>
@@ -31288,17 +31740,17 @@
                 <a:cs typeface="Calibri"/>
                 <a:sym typeface="Calibri"/>
               </a:rPr>
-              <a:t>What Should I Do</a:t>
+              <a:t>What Should You Do Next</a:t>
             </a:r>
             <a:r>
-              <a:rPr lang="en-US" sz="2400">
+              <a:rPr lang="en-US" sz="2400" dirty="0">
                 <a:solidFill>
                   <a:schemeClr val="lt1"/>
                 </a:solidFill>
               </a:rPr>
               <a:t>?</a:t>
             </a:r>
-            <a:endParaRPr sz="2400">
+            <a:endParaRPr sz="2400" dirty="0">
               <a:solidFill>
                 <a:schemeClr val="lt1"/>
               </a:solidFill>
@@ -31901,7 +32353,7 @@
               <a:buNone/>
             </a:pPr>
             <a:r>
-              <a:rPr lang="en-US" sz="2400">
+              <a:rPr lang="en-US" sz="2400" dirty="0">
                 <a:solidFill>
                   <a:schemeClr val="lt1"/>
                 </a:solidFill>
@@ -31910,17 +32362,17 @@
                 <a:cs typeface="Calibri"/>
                 <a:sym typeface="Calibri"/>
               </a:rPr>
-              <a:t>What Should I Do</a:t>
+              <a:t>What Should You Do Next</a:t>
             </a:r>
             <a:r>
-              <a:rPr lang="en-US" sz="2400">
+              <a:rPr lang="en-US" sz="2400" dirty="0">
                 <a:solidFill>
                   <a:schemeClr val="lt1"/>
                 </a:solidFill>
               </a:rPr>
               <a:t>?</a:t>
             </a:r>
-            <a:endParaRPr sz="2400">
+            <a:endParaRPr sz="2400" dirty="0">
               <a:solidFill>
                 <a:schemeClr val="lt1"/>
               </a:solidFill>
@@ -32093,31 +32545,7 @@
                 <a:cs typeface="Calibri"/>
                 <a:sym typeface="Calibri"/>
               </a:rPr>
-              <a:t>Run Your First </a:t>
-            </a:r>
-            <a:r>
-              <a:rPr lang="en-US" sz="2400" b="0" i="0" u="none" strike="noStrike" cap="none" dirty="0" err="1">
-                <a:solidFill>
-                  <a:srgbClr val="404040"/>
-                </a:solidFill>
-                <a:latin typeface="Calibri"/>
-                <a:ea typeface="Calibri"/>
-                <a:cs typeface="Calibri"/>
-                <a:sym typeface="Calibri"/>
-              </a:rPr>
-              <a:t>RMarkdown</a:t>
-            </a:r>
-            <a:r>
-              <a:rPr lang="en-US" sz="2400" b="0" i="0" u="none" strike="noStrike" cap="none" dirty="0">
-                <a:solidFill>
-                  <a:srgbClr val="404040"/>
-                </a:solidFill>
-                <a:latin typeface="Calibri"/>
-                <a:ea typeface="Calibri"/>
-                <a:cs typeface="Calibri"/>
-                <a:sym typeface="Calibri"/>
-              </a:rPr>
-              <a:t> File</a:t>
+              <a:t>Open Your First R Markdown File</a:t>
             </a:r>
             <a:endParaRPr dirty="0"/>
           </a:p>
@@ -32685,7 +33113,13 @@
     </p:bg>
     <p:spTree>
       <p:nvGrpSpPr>
-        <p:cNvPr id="1" name="Shape 257"/>
+        <p:cNvPr id="1" name="Shape 248">
+          <a:extLst>
+            <a:ext uri="{FF2B5EF4-FFF2-40B4-BE49-F238E27FC236}">
+              <a16:creationId xmlns:a16="http://schemas.microsoft.com/office/drawing/2014/main" id="{9580082D-91B1-B719-2D51-C4A2C6D197F4}"/>
+            </a:ext>
+          </a:extLst>
+        </p:cNvPr>
         <p:cNvGrpSpPr/>
         <p:nvPr/>
       </p:nvGrpSpPr>
@@ -32699,7 +33133,13 @@
       </p:grpSpPr>
       <p:sp>
         <p:nvSpPr>
-          <p:cNvPr id="258" name="Google Shape;258;p10"/>
+          <p:cNvPr id="249" name="Google Shape;249;p9">
+            <a:extLst>
+              <a:ext uri="{FF2B5EF4-FFF2-40B4-BE49-F238E27FC236}">
+                <a16:creationId xmlns:a16="http://schemas.microsoft.com/office/drawing/2014/main" id="{0F10C22F-9E7E-76B9-1380-5B112826447E}"/>
+              </a:ext>
+            </a:extLst>
+          </p:cNvPr>
           <p:cNvSpPr/>
           <p:nvPr/>
         </p:nvSpPr>
@@ -32747,7 +33187,13 @@
       </p:sp>
       <p:sp>
         <p:nvSpPr>
-          <p:cNvPr id="259" name="Google Shape;259;p10"/>
+          <p:cNvPr id="250" name="Google Shape;250;p9">
+            <a:extLst>
+              <a:ext uri="{FF2B5EF4-FFF2-40B4-BE49-F238E27FC236}">
+                <a16:creationId xmlns:a16="http://schemas.microsoft.com/office/drawing/2014/main" id="{E70147E8-7C49-1DA4-1A73-5ED9BFD2B6EB}"/>
+              </a:ext>
+            </a:extLst>
+          </p:cNvPr>
           <p:cNvSpPr txBox="1">
             <a:spLocks noGrp="1"/>
           </p:cNvSpPr>
@@ -32793,7 +33239,7 @@
               <a:buNone/>
             </a:pPr>
             <a:r>
-              <a:rPr lang="en-US" sz="2400">
+              <a:rPr lang="en-US" sz="2400" dirty="0">
                 <a:solidFill>
                   <a:schemeClr val="lt1"/>
                 </a:solidFill>
@@ -32802,17 +33248,17 @@
                 <a:cs typeface="Calibri"/>
                 <a:sym typeface="Calibri"/>
               </a:rPr>
-              <a:t>Closing</a:t>
+              <a:t>What Should You Do Next</a:t>
             </a:r>
             <a:r>
-              <a:rPr lang="en-US" sz="2400">
+              <a:rPr lang="en-US" sz="2400" dirty="0">
                 <a:solidFill>
                   <a:schemeClr val="lt1"/>
                 </a:solidFill>
               </a:rPr>
               <a:t>?</a:t>
             </a:r>
-            <a:endParaRPr sz="2400">
+            <a:endParaRPr sz="2400" dirty="0">
               <a:solidFill>
                 <a:schemeClr val="lt1"/>
               </a:solidFill>
@@ -32826,7 +33272,13 @@
       </p:sp>
       <p:pic>
         <p:nvPicPr>
-          <p:cNvPr id="260" name="Google Shape;260;p10"/>
+          <p:cNvPr id="251" name="Google Shape;251;p9">
+            <a:extLst>
+              <a:ext uri="{FF2B5EF4-FFF2-40B4-BE49-F238E27FC236}">
+                <a16:creationId xmlns:a16="http://schemas.microsoft.com/office/drawing/2014/main" id="{08C23C78-54D1-3027-39A0-FFCCFCA36C1C}"/>
+              </a:ext>
+            </a:extLst>
+          </p:cNvPr>
           <p:cNvPicPr preferRelativeResize="0"/>
           <p:nvPr/>
         </p:nvPicPr>
@@ -32853,14 +33305,20 @@
       </p:pic>
       <p:sp>
         <p:nvSpPr>
-          <p:cNvPr id="261" name="Google Shape;261;p10"/>
+          <p:cNvPr id="253" name="Google Shape;253;p9">
+            <a:extLst>
+              <a:ext uri="{FF2B5EF4-FFF2-40B4-BE49-F238E27FC236}">
+                <a16:creationId xmlns:a16="http://schemas.microsoft.com/office/drawing/2014/main" id="{38C92FF5-BC18-1541-E42A-D6A03E4C61C4}"/>
+              </a:ext>
+            </a:extLst>
+          </p:cNvPr>
           <p:cNvSpPr txBox="1"/>
           <p:nvPr/>
         </p:nvSpPr>
         <p:spPr>
           <a:xfrm>
-            <a:off x="3810000" y="643466"/>
-            <a:ext cx="4851400" cy="5833533"/>
+            <a:off x="3962400" y="675484"/>
+            <a:ext cx="5105400" cy="5953916"/>
           </a:xfrm>
           <a:prstGeom prst="rect">
             <a:avLst/>
@@ -32876,24 +33334,163 @@
           </a:bodyPr>
           <a:lstStyle/>
           <a:p>
-            <a:pPr marL="342900" marR="0" lvl="0" indent="-101600" algn="l" rtl="0">
+            <a:pPr marL="457200" lvl="7" indent="-342900">
               <a:lnSpc>
                 <a:spcPct val="90000"/>
               </a:lnSpc>
-              <a:spcBef>
-                <a:spcPts val="0"/>
-              </a:spcBef>
-              <a:spcAft>
-                <a:spcPts val="0"/>
-              </a:spcAft>
-              <a:buClr>
-                <a:schemeClr val="dk1"/>
-              </a:buClr>
-              <a:buSzPts val="2000"/>
+              <a:buClr>
+                <a:srgbClr val="404040"/>
+              </a:buClr>
+              <a:buSzPts val="2400"/>
+              <a:buFont typeface="Arial" panose="020B0604020202020204" pitchFamily="34" charset="0"/>
+              <a:buChar char="•"/>
+            </a:pPr>
+            <a:r>
+              <a:rPr lang="en-US" sz="2400" dirty="0">
+                <a:solidFill>
+                  <a:srgbClr val="404040"/>
+                </a:solidFill>
+                <a:latin typeface="Calibri"/>
+                <a:ea typeface="Calibri"/>
+                <a:cs typeface="Calibri"/>
+                <a:sym typeface="Calibri"/>
+              </a:rPr>
+              <a:t>Go to Canvas</a:t>
+            </a:r>
+          </a:p>
+          <a:p>
+            <a:pPr marL="457200" lvl="7" indent="-342900">
+              <a:lnSpc>
+                <a:spcPct val="90000"/>
+              </a:lnSpc>
+              <a:buClr>
+                <a:srgbClr val="404040"/>
+              </a:buClr>
+              <a:buSzPts val="2400"/>
+              <a:buFont typeface="Arial" panose="020B0604020202020204" pitchFamily="34" charset="0"/>
+              <a:buChar char="•"/>
+            </a:pPr>
+            <a:endParaRPr lang="en-US" sz="2400" dirty="0">
+              <a:solidFill>
+                <a:srgbClr val="404040"/>
+              </a:solidFill>
+              <a:latin typeface="Calibri"/>
+              <a:ea typeface="Calibri"/>
+              <a:cs typeface="Calibri"/>
+              <a:sym typeface="Calibri"/>
+            </a:endParaRPr>
+          </a:p>
+          <a:p>
+            <a:pPr marL="457200" lvl="7" indent="-342900">
+              <a:lnSpc>
+                <a:spcPct val="90000"/>
+              </a:lnSpc>
+              <a:buClr>
+                <a:srgbClr val="404040"/>
+              </a:buClr>
+              <a:buSzPts val="2400"/>
+              <a:buFont typeface="Arial" panose="020B0604020202020204" pitchFamily="34" charset="0"/>
+              <a:buChar char="•"/>
+            </a:pPr>
+            <a:r>
+              <a:rPr lang="en-US" sz="2400" dirty="0">
+                <a:solidFill>
+                  <a:srgbClr val="404040"/>
+                </a:solidFill>
+                <a:latin typeface="Calibri"/>
+                <a:ea typeface="Calibri"/>
+                <a:cs typeface="Calibri"/>
+                <a:sym typeface="Calibri"/>
+              </a:rPr>
+              <a:t>Explore Course Website</a:t>
+            </a:r>
+          </a:p>
+          <a:p>
+            <a:pPr marL="457200" lvl="8" indent="-342900">
+              <a:lnSpc>
+                <a:spcPct val="90000"/>
+              </a:lnSpc>
+              <a:buClr>
+                <a:srgbClr val="404040"/>
+              </a:buClr>
+              <a:buSzPts val="2400"/>
+              <a:buFont typeface="Arial" panose="020B0604020202020204" pitchFamily="34" charset="0"/>
+              <a:buChar char="•"/>
+            </a:pPr>
+            <a:endParaRPr lang="en-US" sz="2400" dirty="0">
+              <a:solidFill>
+                <a:srgbClr val="404040"/>
+              </a:solidFill>
+              <a:latin typeface="Calibri"/>
+              <a:ea typeface="Calibri"/>
+              <a:cs typeface="Calibri"/>
+              <a:sym typeface="Calibri"/>
+            </a:endParaRPr>
+          </a:p>
+          <a:p>
+            <a:pPr marL="457200" lvl="8" indent="-342900">
+              <a:lnSpc>
+                <a:spcPct val="90000"/>
+              </a:lnSpc>
+              <a:buClr>
+                <a:srgbClr val="404040"/>
+              </a:buClr>
+              <a:buSzPts val="2400"/>
+              <a:buFont typeface="Arial" panose="020B0604020202020204" pitchFamily="34" charset="0"/>
+              <a:buChar char="•"/>
+            </a:pPr>
+            <a:r>
+              <a:rPr lang="en-US" sz="2400" dirty="0">
+                <a:solidFill>
+                  <a:srgbClr val="404040"/>
+                </a:solidFill>
+                <a:latin typeface="Calibri"/>
+                <a:ea typeface="Calibri"/>
+                <a:cs typeface="Calibri"/>
+                <a:sym typeface="Calibri"/>
+              </a:rPr>
+              <a:t>Read Syllabus</a:t>
+            </a:r>
+            <a:br>
+              <a:rPr lang="en-US" sz="2400" dirty="0">
+                <a:solidFill>
+                  <a:srgbClr val="404040"/>
+                </a:solidFill>
+                <a:latin typeface="Calibri"/>
+                <a:ea typeface="Calibri"/>
+                <a:cs typeface="Calibri"/>
+                <a:sym typeface="Calibri"/>
+              </a:rPr>
+            </a:br>
+            <a:endParaRPr lang="en-US" sz="2400" b="0" i="0" u="none" strike="noStrike" cap="none" dirty="0">
+              <a:solidFill>
+                <a:srgbClr val="404040"/>
+              </a:solidFill>
+              <a:latin typeface="Calibri"/>
+              <a:ea typeface="Calibri"/>
+              <a:cs typeface="Calibri"/>
+              <a:sym typeface="Calibri"/>
+            </a:endParaRPr>
+          </a:p>
+          <a:p>
+            <a:pPr marL="342900" marR="0" lvl="0" indent="-228600" algn="l" rtl="0">
+              <a:lnSpc>
+                <a:spcPct val="90000"/>
+              </a:lnSpc>
+              <a:spcBef>
+                <a:spcPts val="0"/>
+              </a:spcBef>
+              <a:spcAft>
+                <a:spcPts val="0"/>
+              </a:spcAft>
+              <a:buClr>
+                <a:srgbClr val="404040"/>
+              </a:buClr>
+              <a:buSzPts val="2400"/>
               <a:buFont typeface="Arial"/>
-              <a:buNone/>
+              <a:buChar char="•"/>
             </a:pPr>
-            <a:endParaRPr sz="2000" b="0" i="0" u="none" strike="noStrike" cap="none">
+            <a:endParaRPr sz="2400" b="0" i="0" u="none" strike="noStrike" cap="none" dirty="0">
               <a:solidFill>
                 <a:srgbClr val="404040"/>
               </a:solidFill>
@@ -32921,62 +33518,8 @@
               <a:buFont typeface="Arial"/>
               <a:buNone/>
             </a:pPr>
-            <a:endParaRPr sz="2000" b="0" i="0" u="none" strike="noStrike" cap="none">
-              <a:solidFill>
-                <a:srgbClr val="404040"/>
-              </a:solidFill>
-              <a:latin typeface="Calibri"/>
-              <a:ea typeface="Calibri"/>
-              <a:cs typeface="Calibri"/>
-              <a:sym typeface="Calibri"/>
-            </a:endParaRPr>
-          </a:p>
-        </p:txBody>
-      </p:sp>
-      <p:sp>
-        <p:nvSpPr>
-          <p:cNvPr id="262" name="Google Shape;262;p10"/>
-          <p:cNvSpPr txBox="1"/>
-          <p:nvPr/>
-        </p:nvSpPr>
-        <p:spPr>
-          <a:xfrm>
-            <a:off x="3973322" y="643466"/>
-            <a:ext cx="4851400" cy="5953916"/>
-          </a:xfrm>
-          <a:prstGeom prst="rect">
-            <a:avLst/>
-          </a:prstGeom>
-          <a:noFill/>
-          <a:ln>
-            <a:noFill/>
-          </a:ln>
-        </p:spPr>
-        <p:txBody>
-          <a:bodyPr spcFirstLastPara="1" wrap="square" lIns="91425" tIns="45700" rIns="91425" bIns="45700" anchor="t" anchorCtr="0">
-            <a:noAutofit/>
-          </a:bodyPr>
-          <a:lstStyle/>
-          <a:p>
-            <a:pPr marL="114300" marR="0" lvl="0" indent="0" algn="l" rtl="0">
-              <a:lnSpc>
-                <a:spcPct val="90000"/>
-              </a:lnSpc>
-              <a:spcBef>
-                <a:spcPts val="0"/>
-              </a:spcBef>
-              <a:spcAft>
-                <a:spcPts val="0"/>
-              </a:spcAft>
-              <a:buClr>
-                <a:srgbClr val="404040"/>
-              </a:buClr>
-              <a:buSzPts val="7200"/>
-              <a:buFont typeface="Arial"/>
-              <a:buNone/>
-            </a:pPr>
             <a:r>
-              <a:rPr lang="en-US" sz="7200" b="0" i="0" u="none" strike="noStrike" cap="none">
+              <a:rPr lang="en-US" sz="2000" b="0" i="0" u="none" strike="noStrike" cap="none" dirty="0">
                 <a:solidFill>
                   <a:srgbClr val="404040"/>
                 </a:solidFill>
@@ -32985,29 +33528,9 @@
                 <a:cs typeface="Calibri"/>
                 <a:sym typeface="Calibri"/>
               </a:rPr>
-              <a:t>Disperse and Make Reasonable Decisions</a:t>
+              <a:t>	</a:t>
             </a:r>
-            <a:endParaRPr/>
-          </a:p>
-          <a:p>
-            <a:pPr marL="342900" marR="0" lvl="0" indent="0" algn="l" rtl="0">
-              <a:lnSpc>
-                <a:spcPct val="90000"/>
-              </a:lnSpc>
-              <a:spcBef>
-                <a:spcPts val="1440"/>
-              </a:spcBef>
-              <a:spcAft>
-                <a:spcPts val="0"/>
-              </a:spcAft>
-              <a:buClr>
-                <a:schemeClr val="dk1"/>
-              </a:buClr>
-              <a:buSzPts val="7200"/>
-              <a:buFont typeface="Arial"/>
-              <a:buNone/>
-            </a:pPr>
-            <a:endParaRPr sz="7200" b="0" i="0" u="none" strike="noStrike" cap="none">
+            <a:endParaRPr sz="2000" b="0" i="0" u="none" strike="noStrike" cap="none" dirty="0">
               <a:solidFill>
                 <a:srgbClr val="404040"/>
               </a:solidFill>
@@ -33018,12 +33541,12 @@
             </a:endParaRPr>
           </a:p>
           <a:p>
-            <a:pPr marL="342900" marR="0" lvl="0" indent="0" algn="l" rtl="0">
+            <a:pPr marL="342900" marR="0" lvl="0" indent="-127000" algn="l" rtl="0">
               <a:lnSpc>
                 <a:spcPct val="90000"/>
               </a:lnSpc>
               <a:spcBef>
-                <a:spcPts val="1440"/>
+                <a:spcPts val="320"/>
               </a:spcBef>
               <a:spcAft>
                 <a:spcPts val="0"/>
@@ -33031,11 +33554,11 @@
               <a:buClr>
                 <a:schemeClr val="dk1"/>
               </a:buClr>
-              <a:buSzPts val="7200"/>
+              <a:buSzPts val="1600"/>
               <a:buFont typeface="Arial"/>
               <a:buNone/>
             </a:pPr>
-            <a:endParaRPr sz="7200" b="0" i="0" u="none" strike="noStrike" cap="none">
+            <a:endParaRPr sz="1600" b="0" i="0" u="none" strike="noStrike" cap="none" dirty="0">
               <a:solidFill>
                 <a:srgbClr val="404040"/>
               </a:solidFill>
@@ -33046,12 +33569,12 @@
             </a:endParaRPr>
           </a:p>
           <a:p>
-            <a:pPr marL="342900" marR="0" lvl="0" indent="0" algn="l" rtl="0">
+            <a:pPr marL="342900" marR="0" lvl="0" indent="-101600" algn="l" rtl="0">
               <a:lnSpc>
                 <a:spcPct val="90000"/>
               </a:lnSpc>
               <a:spcBef>
-                <a:spcPts val="1440"/>
+                <a:spcPts val="400"/>
               </a:spcBef>
               <a:spcAft>
                 <a:spcPts val="0"/>
@@ -33059,11 +33582,11 @@
               <a:buClr>
                 <a:schemeClr val="dk1"/>
               </a:buClr>
-              <a:buSzPts val="7200"/>
+              <a:buSzPts val="2000"/>
               <a:buFont typeface="Arial"/>
               <a:buNone/>
             </a:pPr>
-            <a:endParaRPr sz="7200" b="0" i="0" u="none" strike="noStrike" cap="none">
+            <a:endParaRPr sz="2000" b="0" i="0" u="none" strike="noStrike" cap="none" dirty="0">
               <a:solidFill>
                 <a:srgbClr val="404040"/>
               </a:solidFill>
@@ -33074,12 +33597,12 @@
             </a:endParaRPr>
           </a:p>
           <a:p>
-            <a:pPr marL="342900" marR="0" lvl="0" indent="0" algn="l" rtl="0">
+            <a:pPr marL="342900" marR="0" lvl="0" indent="-127000" algn="l" rtl="0">
               <a:lnSpc>
                 <a:spcPct val="90000"/>
               </a:lnSpc>
               <a:spcBef>
-                <a:spcPts val="1440"/>
+                <a:spcPts val="320"/>
               </a:spcBef>
               <a:spcAft>
                 <a:spcPts val="0"/>
@@ -33087,11 +33610,39 @@
               <a:buClr>
                 <a:schemeClr val="dk1"/>
               </a:buClr>
-              <a:buSzPts val="7200"/>
+              <a:buSzPts val="1600"/>
               <a:buFont typeface="Arial"/>
               <a:buNone/>
             </a:pPr>
-            <a:endParaRPr sz="7200" b="0" i="0" u="none" strike="noStrike" cap="none">
+            <a:endParaRPr sz="1600" b="0" i="0" u="none" strike="noStrike" cap="none" dirty="0">
+              <a:solidFill>
+                <a:srgbClr val="404040"/>
+              </a:solidFill>
+              <a:latin typeface="Calibri"/>
+              <a:ea typeface="Calibri"/>
+              <a:cs typeface="Calibri"/>
+              <a:sym typeface="Calibri"/>
+            </a:endParaRPr>
+          </a:p>
+          <a:p>
+            <a:pPr marL="342900" marR="0" lvl="0" indent="-101600" algn="l" rtl="0">
+              <a:lnSpc>
+                <a:spcPct val="90000"/>
+              </a:lnSpc>
+              <a:spcBef>
+                <a:spcPts val="400"/>
+              </a:spcBef>
+              <a:spcAft>
+                <a:spcPts val="0"/>
+              </a:spcAft>
+              <a:buClr>
+                <a:schemeClr val="dk1"/>
+              </a:buClr>
+              <a:buSzPts val="2000"/>
+              <a:buFont typeface="Arial"/>
+              <a:buNone/>
+            </a:pPr>
+            <a:endParaRPr sz="2000" b="0" i="0" u="none" strike="noStrike" cap="none" dirty="0">
               <a:solidFill>
                 <a:srgbClr val="404040"/>
               </a:solidFill>
@@ -33104,6 +33655,11 @@
         </p:txBody>
       </p:sp>
     </p:spTree>
+    <p:extLst>
+      <p:ext uri="{BB962C8B-B14F-4D97-AF65-F5344CB8AC3E}">
+        <p14:creationId xmlns:p14="http://schemas.microsoft.com/office/powerpoint/2010/main" val="785384160"/>
+      </p:ext>
+    </p:extLst>
   </p:cSld>
   <p:clrMapOvr>
     <a:masterClrMapping/>
